--- a/Ticketeer.pptx
+++ b/Ticketeer.pptx
@@ -8,10 +8,20 @@
     <p:sldId id="256" r:id="rId2"/>
     <p:sldId id="257" r:id="rId3"/>
     <p:sldId id="258" r:id="rId4"/>
-    <p:sldId id="259" r:id="rId5"/>
+    <p:sldId id="263" r:id="rId5"/>
     <p:sldId id="260" r:id="rId6"/>
-    <p:sldId id="261" r:id="rId7"/>
-    <p:sldId id="262" r:id="rId8"/>
+    <p:sldId id="265" r:id="rId7"/>
+    <p:sldId id="267" r:id="rId8"/>
+    <p:sldId id="268" r:id="rId9"/>
+    <p:sldId id="269" r:id="rId10"/>
+    <p:sldId id="270" r:id="rId11"/>
+    <p:sldId id="262" r:id="rId12"/>
+    <p:sldId id="271" r:id="rId13"/>
+    <p:sldId id="272" r:id="rId14"/>
+    <p:sldId id="273" r:id="rId15"/>
+    <p:sldId id="274" r:id="rId16"/>
+    <p:sldId id="275" r:id="rId17"/>
+    <p:sldId id="276" r:id="rId18"/>
   </p:sldIdLst>
   <p:sldSz cx="12192000" cy="6858000"/>
   <p:notesSz cx="6858000" cy="9144000"/>
@@ -119,86 +129,68 @@
 </file>
 
 <file path=ppt/diagrams/colors1.xml><?xml version="1.0" encoding="utf-8"?>
-<dgm:colorsDef xmlns:dgm="http://schemas.openxmlformats.org/drawingml/2006/diagram" xmlns:a="http://schemas.openxmlformats.org/drawingml/2006/main" uniqueId="urn:microsoft.com/office/officeart/2005/8/colors/accent3_1">
+<dgm:colorsDef xmlns:dgm="http://schemas.openxmlformats.org/drawingml/2006/diagram" xmlns:a="http://schemas.openxmlformats.org/drawingml/2006/main" uniqueId="urn:microsoft.com/office/officeart/2005/8/colors/accent1_2">
   <dgm:title val=""/>
   <dgm:desc val=""/>
   <dgm:catLst>
-    <dgm:cat type="accent3" pri="11100"/>
+    <dgm:cat type="accent1" pri="11200"/>
   </dgm:catLst>
   <dgm:styleLbl name="node0">
     <dgm:fillClrLst meth="repeat">
-      <a:schemeClr val="lt1"/>
+      <a:schemeClr val="accent1"/>
     </dgm:fillClrLst>
     <dgm:linClrLst meth="repeat">
-      <a:schemeClr val="accent3">
-        <a:shade val="80000"/>
-      </a:schemeClr>
+      <a:schemeClr val="lt1"/>
     </dgm:linClrLst>
     <dgm:effectClrLst/>
     <dgm:txLinClrLst/>
-    <dgm:txFillClrLst meth="repeat">
-      <a:schemeClr val="dk1"/>
-    </dgm:txFillClrLst>
+    <dgm:txFillClrLst/>
+    <dgm:txEffectClrLst/>
+  </dgm:styleLbl>
+  <dgm:styleLbl name="alignNode1">
+    <dgm:fillClrLst meth="repeat">
+      <a:schemeClr val="accent1"/>
+    </dgm:fillClrLst>
+    <dgm:linClrLst meth="repeat">
+      <a:schemeClr val="accent1"/>
+    </dgm:linClrLst>
+    <dgm:effectClrLst/>
+    <dgm:txLinClrLst/>
+    <dgm:txFillClrLst/>
     <dgm:txEffectClrLst/>
   </dgm:styleLbl>
   <dgm:styleLbl name="node1">
     <dgm:fillClrLst meth="repeat">
-      <a:schemeClr val="lt1"/>
+      <a:schemeClr val="accent1"/>
     </dgm:fillClrLst>
     <dgm:linClrLst meth="repeat">
-      <a:schemeClr val="accent3">
-        <a:shade val="80000"/>
-      </a:schemeClr>
+      <a:schemeClr val="lt1"/>
     </dgm:linClrLst>
     <dgm:effectClrLst/>
     <dgm:txLinClrLst/>
-    <dgm:txFillClrLst meth="repeat">
-      <a:schemeClr val="dk1"/>
-    </dgm:txFillClrLst>
-    <dgm:txEffectClrLst/>
-  </dgm:styleLbl>
-  <dgm:styleLbl name="alignNode1">
-    <dgm:fillClrLst meth="repeat">
-      <a:schemeClr val="lt1"/>
-    </dgm:fillClrLst>
-    <dgm:linClrLst meth="repeat">
-      <a:schemeClr val="accent3">
-        <a:shade val="80000"/>
-      </a:schemeClr>
-    </dgm:linClrLst>
-    <dgm:effectClrLst/>
-    <dgm:txLinClrLst/>
-    <dgm:txFillClrLst meth="repeat">
-      <a:schemeClr val="dk1"/>
-    </dgm:txFillClrLst>
+    <dgm:txFillClrLst/>
     <dgm:txEffectClrLst/>
   </dgm:styleLbl>
   <dgm:styleLbl name="lnNode1">
     <dgm:fillClrLst meth="repeat">
-      <a:schemeClr val="lt1"/>
+      <a:schemeClr val="accent1"/>
     </dgm:fillClrLst>
     <dgm:linClrLst meth="repeat">
-      <a:schemeClr val="accent3">
-        <a:shade val="80000"/>
-      </a:schemeClr>
+      <a:schemeClr val="lt1"/>
     </dgm:linClrLst>
     <dgm:effectClrLst/>
     <dgm:txLinClrLst/>
-    <dgm:txFillClrLst meth="repeat">
-      <a:schemeClr val="dk1"/>
-    </dgm:txFillClrLst>
+    <dgm:txFillClrLst/>
     <dgm:txEffectClrLst/>
   </dgm:styleLbl>
   <dgm:styleLbl name="vennNode1">
     <dgm:fillClrLst meth="repeat">
-      <a:schemeClr val="lt1">
+      <a:schemeClr val="accent1">
         <a:alpha val="50000"/>
       </a:schemeClr>
     </dgm:fillClrLst>
     <dgm:linClrLst meth="repeat">
-      <a:schemeClr val="accent3">
-        <a:shade val="80000"/>
-      </a:schemeClr>
+      <a:schemeClr val="lt1"/>
     </dgm:linClrLst>
     <dgm:effectClrLst/>
     <dgm:txLinClrLst/>
@@ -207,62 +199,48 @@
   </dgm:styleLbl>
   <dgm:styleLbl name="node2">
     <dgm:fillClrLst meth="repeat">
-      <a:schemeClr val="lt1"/>
+      <a:schemeClr val="accent1"/>
     </dgm:fillClrLst>
     <dgm:linClrLst meth="repeat">
-      <a:schemeClr val="accent3">
-        <a:shade val="80000"/>
-      </a:schemeClr>
+      <a:schemeClr val="lt1"/>
     </dgm:linClrLst>
     <dgm:effectClrLst/>
     <dgm:txLinClrLst/>
-    <dgm:txFillClrLst meth="repeat">
-      <a:schemeClr val="dk1"/>
-    </dgm:txFillClrLst>
+    <dgm:txFillClrLst/>
     <dgm:txEffectClrLst/>
   </dgm:styleLbl>
   <dgm:styleLbl name="node3">
     <dgm:fillClrLst meth="repeat">
-      <a:schemeClr val="lt1"/>
+      <a:schemeClr val="accent1"/>
     </dgm:fillClrLst>
     <dgm:linClrLst meth="repeat">
-      <a:schemeClr val="accent3">
-        <a:shade val="80000"/>
-      </a:schemeClr>
+      <a:schemeClr val="lt1"/>
     </dgm:linClrLst>
     <dgm:effectClrLst/>
     <dgm:txLinClrLst/>
-    <dgm:txFillClrLst meth="repeat">
-      <a:schemeClr val="dk1"/>
-    </dgm:txFillClrLst>
+    <dgm:txFillClrLst/>
     <dgm:txEffectClrLst/>
   </dgm:styleLbl>
   <dgm:styleLbl name="node4">
     <dgm:fillClrLst meth="repeat">
-      <a:schemeClr val="lt1"/>
+      <a:schemeClr val="accent1"/>
     </dgm:fillClrLst>
     <dgm:linClrLst meth="repeat">
-      <a:schemeClr val="accent3">
-        <a:shade val="80000"/>
-      </a:schemeClr>
+      <a:schemeClr val="lt1"/>
     </dgm:linClrLst>
     <dgm:effectClrLst/>
     <dgm:txLinClrLst/>
-    <dgm:txFillClrLst meth="repeat">
-      <a:schemeClr val="dk1"/>
-    </dgm:txFillClrLst>
+    <dgm:txFillClrLst/>
     <dgm:txEffectClrLst/>
   </dgm:styleLbl>
   <dgm:styleLbl name="fgImgPlace1">
     <dgm:fillClrLst meth="repeat">
-      <a:schemeClr val="accent3">
-        <a:tint val="40000"/>
+      <a:schemeClr val="accent1">
+        <a:tint val="50000"/>
       </a:schemeClr>
     </dgm:fillClrLst>
     <dgm:linClrLst meth="repeat">
-      <a:schemeClr val="accent3">
-        <a:shade val="80000"/>
-      </a:schemeClr>
+      <a:schemeClr val="lt1"/>
     </dgm:linClrLst>
     <dgm:effectClrLst/>
     <dgm:txLinClrLst/>
@@ -273,14 +251,12 @@
   </dgm:styleLbl>
   <dgm:styleLbl name="alignImgPlace1">
     <dgm:fillClrLst meth="repeat">
-      <a:schemeClr val="accent3">
-        <a:tint val="40000"/>
+      <a:schemeClr val="accent1">
+        <a:tint val="50000"/>
       </a:schemeClr>
     </dgm:fillClrLst>
     <dgm:linClrLst meth="repeat">
-      <a:schemeClr val="accent3">
-        <a:shade val="80000"/>
-      </a:schemeClr>
+      <a:schemeClr val="lt1"/>
     </dgm:linClrLst>
     <dgm:effectClrLst/>
     <dgm:txLinClrLst/>
@@ -291,14 +267,12 @@
   </dgm:styleLbl>
   <dgm:styleLbl name="bgImgPlace1">
     <dgm:fillClrLst meth="repeat">
-      <a:schemeClr val="accent3">
-        <a:tint val="40000"/>
+      <a:schemeClr val="accent1">
+        <a:tint val="50000"/>
       </a:schemeClr>
     </dgm:fillClrLst>
     <dgm:linClrLst meth="repeat">
-      <a:schemeClr val="accent3">
-        <a:shade val="80000"/>
-      </a:schemeClr>
+      <a:schemeClr val="lt1"/>
     </dgm:linClrLst>
     <dgm:effectClrLst/>
     <dgm:txLinClrLst/>
@@ -309,64 +283,58 @@
   </dgm:styleLbl>
   <dgm:styleLbl name="sibTrans2D1">
     <dgm:fillClrLst meth="repeat">
-      <a:schemeClr val="accent3">
+      <a:schemeClr val="accent1">
         <a:tint val="60000"/>
       </a:schemeClr>
     </dgm:fillClrLst>
     <dgm:linClrLst meth="repeat">
-      <a:schemeClr val="accent3">
+      <a:schemeClr val="accent1">
         <a:tint val="60000"/>
       </a:schemeClr>
     </dgm:linClrLst>
     <dgm:effectClrLst/>
     <dgm:txLinClrLst/>
-    <dgm:txFillClrLst meth="repeat">
-      <a:schemeClr val="dk1"/>
-    </dgm:txFillClrLst>
+    <dgm:txFillClrLst/>
     <dgm:txEffectClrLst/>
   </dgm:styleLbl>
   <dgm:styleLbl name="fgSibTrans2D1">
     <dgm:fillClrLst meth="repeat">
-      <a:schemeClr val="accent3">
+      <a:schemeClr val="accent1">
         <a:tint val="60000"/>
       </a:schemeClr>
     </dgm:fillClrLst>
     <dgm:linClrLst meth="repeat">
-      <a:schemeClr val="accent3">
+      <a:schemeClr val="accent1">
         <a:tint val="60000"/>
       </a:schemeClr>
     </dgm:linClrLst>
     <dgm:effectClrLst/>
     <dgm:txLinClrLst/>
-    <dgm:txFillClrLst meth="repeat">
-      <a:schemeClr val="dk1"/>
-    </dgm:txFillClrLst>
+    <dgm:txFillClrLst/>
     <dgm:txEffectClrLst/>
   </dgm:styleLbl>
   <dgm:styleLbl name="bgSibTrans2D1">
     <dgm:fillClrLst meth="repeat">
-      <a:schemeClr val="accent3">
+      <a:schemeClr val="accent1">
         <a:tint val="60000"/>
       </a:schemeClr>
     </dgm:fillClrLst>
     <dgm:linClrLst meth="repeat">
-      <a:schemeClr val="accent3">
+      <a:schemeClr val="accent1">
         <a:tint val="60000"/>
       </a:schemeClr>
     </dgm:linClrLst>
     <dgm:effectClrLst/>
     <dgm:txLinClrLst/>
-    <dgm:txFillClrLst meth="repeat">
-      <a:schemeClr val="dk1"/>
-    </dgm:txFillClrLst>
+    <dgm:txFillClrLst/>
     <dgm:txEffectClrLst/>
   </dgm:styleLbl>
   <dgm:styleLbl name="sibTrans1D1">
     <dgm:fillClrLst meth="repeat">
-      <a:schemeClr val="accent3"/>
+      <a:schemeClr val="accent1"/>
     </dgm:fillClrLst>
     <dgm:linClrLst meth="repeat">
-      <a:schemeClr val="accent3"/>
+      <a:schemeClr val="accent1"/>
     </dgm:linClrLst>
     <dgm:effectClrLst/>
     <dgm:txLinClrLst/>
@@ -377,10 +345,12 @@
   </dgm:styleLbl>
   <dgm:styleLbl name="callout">
     <dgm:fillClrLst meth="repeat">
-      <a:schemeClr val="accent3"/>
+      <a:schemeClr val="accent1"/>
     </dgm:fillClrLst>
     <dgm:linClrLst meth="repeat">
-      <a:schemeClr val="accent3"/>
+      <a:schemeClr val="accent1">
+        <a:tint val="50000"/>
+      </a:schemeClr>
     </dgm:linClrLst>
     <dgm:effectClrLst/>
     <dgm:txLinClrLst/>
@@ -391,130 +361,116 @@
   </dgm:styleLbl>
   <dgm:styleLbl name="asst0">
     <dgm:fillClrLst meth="repeat">
-      <a:schemeClr val="lt1"/>
+      <a:schemeClr val="accent1"/>
     </dgm:fillClrLst>
     <dgm:linClrLst meth="repeat">
-      <a:schemeClr val="accent3">
-        <a:shade val="80000"/>
-      </a:schemeClr>
-    </dgm:linClrLst>
-    <dgm:effectClrLst/>
-    <dgm:txLinClrLst/>
-    <dgm:txFillClrLst meth="repeat">
-      <a:schemeClr val="dk1"/>
-    </dgm:txFillClrLst>
-    <dgm:txEffectClrLst/>
-  </dgm:styleLbl>
-  <dgm:styleLbl name="asst1">
-    <dgm:fillClrLst meth="repeat">
       <a:schemeClr val="lt1"/>
-    </dgm:fillClrLst>
-    <dgm:linClrLst meth="repeat">
-      <a:schemeClr val="accent3">
-        <a:shade val="80000"/>
-      </a:schemeClr>
-    </dgm:linClrLst>
-    <dgm:effectClrLst/>
-    <dgm:txLinClrLst/>
-    <dgm:txFillClrLst meth="repeat">
-      <a:schemeClr val="dk1"/>
-    </dgm:txFillClrLst>
-    <dgm:txEffectClrLst/>
-  </dgm:styleLbl>
-  <dgm:styleLbl name="asst2">
-    <dgm:fillClrLst meth="repeat">
-      <a:schemeClr val="lt1"/>
-    </dgm:fillClrLst>
-    <dgm:linClrLst meth="repeat">
-      <a:schemeClr val="accent3">
-        <a:shade val="80000"/>
-      </a:schemeClr>
-    </dgm:linClrLst>
-    <dgm:effectClrLst/>
-    <dgm:txLinClrLst/>
-    <dgm:txFillClrLst meth="repeat">
-      <a:schemeClr val="dk1"/>
-    </dgm:txFillClrLst>
-    <dgm:txEffectClrLst/>
-  </dgm:styleLbl>
-  <dgm:styleLbl name="asst3">
-    <dgm:fillClrLst meth="repeat">
-      <a:schemeClr val="lt1"/>
-    </dgm:fillClrLst>
-    <dgm:linClrLst meth="repeat">
-      <a:schemeClr val="accent3">
-        <a:shade val="80000"/>
-      </a:schemeClr>
-    </dgm:linClrLst>
-    <dgm:effectClrLst/>
-    <dgm:txLinClrLst/>
-    <dgm:txFillClrLst meth="repeat">
-      <a:schemeClr val="dk1"/>
-    </dgm:txFillClrLst>
-    <dgm:txEffectClrLst/>
-  </dgm:styleLbl>
-  <dgm:styleLbl name="asst4">
-    <dgm:fillClrLst meth="repeat">
-      <a:schemeClr val="lt1"/>
-    </dgm:fillClrLst>
-    <dgm:linClrLst meth="repeat">
-      <a:schemeClr val="accent3">
-        <a:shade val="80000"/>
-      </a:schemeClr>
-    </dgm:linClrLst>
-    <dgm:effectClrLst/>
-    <dgm:txLinClrLst/>
-    <dgm:txFillClrLst meth="repeat">
-      <a:schemeClr val="dk1"/>
-    </dgm:txFillClrLst>
-    <dgm:txEffectClrLst/>
-  </dgm:styleLbl>
-  <dgm:styleLbl name="parChTrans2D1">
-    <dgm:fillClrLst meth="repeat">
-      <a:schemeClr val="accent3">
-        <a:tint val="60000"/>
-      </a:schemeClr>
-    </dgm:fillClrLst>
-    <dgm:linClrLst meth="repeat">
-      <a:schemeClr val="accent3">
-        <a:tint val="60000"/>
-      </a:schemeClr>
     </dgm:linClrLst>
     <dgm:effectClrLst/>
     <dgm:txLinClrLst/>
     <dgm:txFillClrLst/>
     <dgm:txEffectClrLst/>
   </dgm:styleLbl>
-  <dgm:styleLbl name="parChTrans2D2">
+  <dgm:styleLbl name="asst1">
     <dgm:fillClrLst meth="repeat">
-      <a:schemeClr val="accent3"/>
+      <a:schemeClr val="accent1"/>
     </dgm:fillClrLst>
     <dgm:linClrLst meth="repeat">
-      <a:schemeClr val="accent3"/>
+      <a:schemeClr val="lt1"/>
     </dgm:linClrLst>
     <dgm:effectClrLst/>
     <dgm:txLinClrLst/>
     <dgm:txFillClrLst/>
     <dgm:txEffectClrLst/>
   </dgm:styleLbl>
-  <dgm:styleLbl name="parChTrans2D3">
+  <dgm:styleLbl name="asst2">
     <dgm:fillClrLst meth="repeat">
-      <a:schemeClr val="accent3"/>
+      <a:schemeClr val="accent1"/>
     </dgm:fillClrLst>
     <dgm:linClrLst meth="repeat">
-      <a:schemeClr val="accent3"/>
+      <a:schemeClr val="lt1"/>
     </dgm:linClrLst>
     <dgm:effectClrLst/>
     <dgm:txLinClrLst/>
     <dgm:txFillClrLst/>
     <dgm:txEffectClrLst/>
   </dgm:styleLbl>
+  <dgm:styleLbl name="asst3">
+    <dgm:fillClrLst meth="repeat">
+      <a:schemeClr val="accent1"/>
+    </dgm:fillClrLst>
+    <dgm:linClrLst meth="repeat">
+      <a:schemeClr val="lt1"/>
+    </dgm:linClrLst>
+    <dgm:effectClrLst/>
+    <dgm:txLinClrLst/>
+    <dgm:txFillClrLst/>
+    <dgm:txEffectClrLst/>
+  </dgm:styleLbl>
+  <dgm:styleLbl name="asst4">
+    <dgm:fillClrLst meth="repeat">
+      <a:schemeClr val="accent1"/>
+    </dgm:fillClrLst>
+    <dgm:linClrLst meth="repeat">
+      <a:schemeClr val="lt1"/>
+    </dgm:linClrLst>
+    <dgm:effectClrLst/>
+    <dgm:txLinClrLst/>
+    <dgm:txFillClrLst/>
+    <dgm:txEffectClrLst/>
+  </dgm:styleLbl>
+  <dgm:styleLbl name="parChTrans2D1">
+    <dgm:fillClrLst meth="repeat">
+      <a:schemeClr val="accent1">
+        <a:tint val="60000"/>
+      </a:schemeClr>
+    </dgm:fillClrLst>
+    <dgm:linClrLst meth="repeat">
+      <a:schemeClr val="accent1">
+        <a:tint val="60000"/>
+      </a:schemeClr>
+    </dgm:linClrLst>
+    <dgm:effectClrLst/>
+    <dgm:txLinClrLst/>
+    <dgm:txFillClrLst meth="repeat">
+      <a:schemeClr val="lt1"/>
+    </dgm:txFillClrLst>
+    <dgm:txEffectClrLst/>
+  </dgm:styleLbl>
+  <dgm:styleLbl name="parChTrans2D2">
+    <dgm:fillClrLst meth="repeat">
+      <a:schemeClr val="accent1"/>
+    </dgm:fillClrLst>
+    <dgm:linClrLst meth="repeat">
+      <a:schemeClr val="accent1"/>
+    </dgm:linClrLst>
+    <dgm:effectClrLst/>
+    <dgm:txLinClrLst/>
+    <dgm:txFillClrLst meth="repeat">
+      <a:schemeClr val="lt1"/>
+    </dgm:txFillClrLst>
+    <dgm:txEffectClrLst/>
+  </dgm:styleLbl>
+  <dgm:styleLbl name="parChTrans2D3">
+    <dgm:fillClrLst meth="repeat">
+      <a:schemeClr val="accent1"/>
+    </dgm:fillClrLst>
+    <dgm:linClrLst meth="repeat">
+      <a:schemeClr val="accent1"/>
+    </dgm:linClrLst>
+    <dgm:effectClrLst/>
+    <dgm:txLinClrLst/>
+    <dgm:txFillClrLst meth="repeat">
+      <a:schemeClr val="lt1"/>
+    </dgm:txFillClrLst>
+    <dgm:txEffectClrLst/>
+  </dgm:styleLbl>
   <dgm:styleLbl name="parChTrans2D4">
     <dgm:fillClrLst meth="repeat">
-      <a:schemeClr val="accent3"/>
+      <a:schemeClr val="accent1"/>
     </dgm:fillClrLst>
     <dgm:linClrLst meth="repeat">
-      <a:schemeClr val="accent3"/>
+      <a:schemeClr val="accent1"/>
     </dgm:linClrLst>
     <dgm:effectClrLst/>
     <dgm:txLinClrLst/>
@@ -525,10 +481,10 @@
   </dgm:styleLbl>
   <dgm:styleLbl name="parChTrans1D1">
     <dgm:fillClrLst meth="repeat">
-      <a:schemeClr val="accent3"/>
+      <a:schemeClr val="accent1"/>
     </dgm:fillClrLst>
     <dgm:linClrLst meth="repeat">
-      <a:schemeClr val="accent3">
+      <a:schemeClr val="accent1">
         <a:shade val="60000"/>
       </a:schemeClr>
     </dgm:linClrLst>
@@ -541,10 +497,10 @@
   </dgm:styleLbl>
   <dgm:styleLbl name="parChTrans1D2">
     <dgm:fillClrLst meth="repeat">
-      <a:schemeClr val="accent3"/>
+      <a:schemeClr val="accent1"/>
     </dgm:fillClrLst>
     <dgm:linClrLst meth="repeat">
-      <a:schemeClr val="accent3">
+      <a:schemeClr val="accent1">
         <a:shade val="60000"/>
       </a:schemeClr>
     </dgm:linClrLst>
@@ -557,10 +513,10 @@
   </dgm:styleLbl>
   <dgm:styleLbl name="parChTrans1D3">
     <dgm:fillClrLst meth="repeat">
-      <a:schemeClr val="accent3"/>
+      <a:schemeClr val="accent1"/>
     </dgm:fillClrLst>
     <dgm:linClrLst meth="repeat">
-      <a:schemeClr val="accent3">
+      <a:schemeClr val="accent1">
         <a:shade val="80000"/>
       </a:schemeClr>
     </dgm:linClrLst>
@@ -573,10 +529,10 @@
   </dgm:styleLbl>
   <dgm:styleLbl name="parChTrans1D4">
     <dgm:fillClrLst meth="repeat">
-      <a:schemeClr val="accent3"/>
+      <a:schemeClr val="accent1"/>
     </dgm:fillClrLst>
     <dgm:linClrLst meth="repeat">
-      <a:schemeClr val="accent3">
+      <a:schemeClr val="accent1">
         <a:shade val="80000"/>
       </a:schemeClr>
     </dgm:linClrLst>
@@ -589,13 +545,12 @@
   </dgm:styleLbl>
   <dgm:styleLbl name="fgAcc1">
     <dgm:fillClrLst meth="repeat">
-      <a:schemeClr val="accent3">
+      <a:schemeClr val="lt1">
         <a:alpha val="90000"/>
-        <a:tint val="40000"/>
       </a:schemeClr>
     </dgm:fillClrLst>
     <dgm:linClrLst meth="repeat">
-      <a:schemeClr val="accent3"/>
+      <a:schemeClr val="accent1"/>
     </dgm:linClrLst>
     <dgm:effectClrLst/>
     <dgm:txLinClrLst/>
@@ -606,13 +561,12 @@
   </dgm:styleLbl>
   <dgm:styleLbl name="conFgAcc1">
     <dgm:fillClrLst meth="repeat">
-      <a:schemeClr val="accent3">
+      <a:schemeClr val="lt1">
         <a:alpha val="90000"/>
-        <a:tint val="40000"/>
       </a:schemeClr>
     </dgm:fillClrLst>
     <dgm:linClrLst meth="repeat">
-      <a:schemeClr val="accent3"/>
+      <a:schemeClr val="accent1"/>
     </dgm:linClrLst>
     <dgm:effectClrLst/>
     <dgm:txLinClrLst/>
@@ -623,13 +577,12 @@
   </dgm:styleLbl>
   <dgm:styleLbl name="alignAcc1">
     <dgm:fillClrLst meth="repeat">
-      <a:schemeClr val="accent3">
+      <a:schemeClr val="lt1">
         <a:alpha val="90000"/>
-        <a:tint val="40000"/>
       </a:schemeClr>
     </dgm:fillClrLst>
     <dgm:linClrLst meth="repeat">
-      <a:schemeClr val="accent3"/>
+      <a:schemeClr val="accent1"/>
     </dgm:linClrLst>
     <dgm:effectClrLst/>
     <dgm:txLinClrLst/>
@@ -640,13 +593,12 @@
   </dgm:styleLbl>
   <dgm:styleLbl name="trAlignAcc1">
     <dgm:fillClrLst meth="repeat">
-      <a:schemeClr val="accent3">
+      <a:schemeClr val="lt1">
         <a:alpha val="40000"/>
-        <a:tint val="40000"/>
       </a:schemeClr>
     </dgm:fillClrLst>
     <dgm:linClrLst meth="repeat">
-      <a:schemeClr val="accent3"/>
+      <a:schemeClr val="accent1"/>
     </dgm:linClrLst>
     <dgm:effectClrLst/>
     <dgm:txLinClrLst/>
@@ -657,13 +609,12 @@
   </dgm:styleLbl>
   <dgm:styleLbl name="bgAcc1">
     <dgm:fillClrLst meth="repeat">
-      <a:schemeClr val="accent3">
+      <a:schemeClr val="lt1">
         <a:alpha val="90000"/>
-        <a:tint val="40000"/>
       </a:schemeClr>
     </dgm:fillClrLst>
     <dgm:linClrLst meth="repeat">
-      <a:schemeClr val="accent3"/>
+      <a:schemeClr val="accent1"/>
     </dgm:linClrLst>
     <dgm:effectClrLst/>
     <dgm:txLinClrLst/>
@@ -677,7 +628,7 @@
       <a:schemeClr val="lt1"/>
     </dgm:fillClrLst>
     <dgm:linClrLst meth="repeat">
-      <a:schemeClr val="accent3"/>
+      <a:schemeClr val="accent1"/>
     </dgm:linClrLst>
     <dgm:effectClrLst/>
     <dgm:txLinClrLst/>
@@ -691,7 +642,7 @@
       <a:schemeClr val="lt1"/>
     </dgm:fillClrLst>
     <dgm:linClrLst meth="repeat">
-      <a:schemeClr val="accent3"/>
+      <a:schemeClr val="accent1"/>
     </dgm:linClrLst>
     <dgm:effectClrLst/>
     <dgm:txLinClrLst/>
@@ -705,7 +656,7 @@
       <a:schemeClr val="lt1"/>
     </dgm:fillClrLst>
     <dgm:linClrLst meth="repeat">
-      <a:schemeClr val="accent3"/>
+      <a:schemeClr val="accent1"/>
     </dgm:linClrLst>
     <dgm:effectClrLst/>
     <dgm:txLinClrLst/>
@@ -716,14 +667,15 @@
   </dgm:styleLbl>
   <dgm:styleLbl name="fgAccFollowNode1">
     <dgm:fillClrLst meth="repeat">
-      <a:schemeClr val="lt1">
+      <a:schemeClr val="accent1">
         <a:alpha val="90000"/>
         <a:tint val="40000"/>
       </a:schemeClr>
     </dgm:fillClrLst>
     <dgm:linClrLst meth="repeat">
-      <a:schemeClr val="accent3">
+      <a:schemeClr val="accent1">
         <a:alpha val="90000"/>
+        <a:tint val="40000"/>
       </a:schemeClr>
     </dgm:linClrLst>
     <dgm:effectClrLst/>
@@ -735,14 +687,15 @@
   </dgm:styleLbl>
   <dgm:styleLbl name="alignAccFollowNode1">
     <dgm:fillClrLst meth="repeat">
-      <a:schemeClr val="lt1">
+      <a:schemeClr val="accent1">
         <a:alpha val="90000"/>
         <a:tint val="40000"/>
       </a:schemeClr>
     </dgm:fillClrLst>
     <dgm:linClrLst meth="repeat">
-      <a:schemeClr val="accent3">
+      <a:schemeClr val="accent1">
         <a:alpha val="90000"/>
+        <a:tint val="40000"/>
       </a:schemeClr>
     </dgm:linClrLst>
     <dgm:effectClrLst/>
@@ -754,14 +707,15 @@
   </dgm:styleLbl>
   <dgm:styleLbl name="bgAccFollowNode1">
     <dgm:fillClrLst meth="repeat">
-      <a:schemeClr val="lt1">
+      <a:schemeClr val="accent1">
         <a:alpha val="90000"/>
         <a:tint val="40000"/>
       </a:schemeClr>
     </dgm:fillClrLst>
     <dgm:linClrLst meth="repeat">
-      <a:schemeClr val="accent3">
+      <a:schemeClr val="accent1">
         <a:alpha val="90000"/>
+        <a:tint val="40000"/>
       </a:schemeClr>
     </dgm:linClrLst>
     <dgm:effectClrLst/>
@@ -773,13 +727,12 @@
   </dgm:styleLbl>
   <dgm:styleLbl name="fgAcc0">
     <dgm:fillClrLst meth="repeat">
-      <a:schemeClr val="accent3">
+      <a:schemeClr val="lt1">
         <a:alpha val="90000"/>
-        <a:tint val="40000"/>
       </a:schemeClr>
     </dgm:fillClrLst>
     <dgm:linClrLst meth="repeat">
-      <a:schemeClr val="accent3"/>
+      <a:schemeClr val="accent1"/>
     </dgm:linClrLst>
     <dgm:effectClrLst/>
     <dgm:txLinClrLst/>
@@ -790,13 +743,12 @@
   </dgm:styleLbl>
   <dgm:styleLbl name="fgAcc2">
     <dgm:fillClrLst meth="repeat">
-      <a:schemeClr val="accent3">
+      <a:schemeClr val="lt1">
         <a:alpha val="90000"/>
-        <a:tint val="40000"/>
       </a:schemeClr>
     </dgm:fillClrLst>
     <dgm:linClrLst meth="repeat">
-      <a:schemeClr val="accent3"/>
+      <a:schemeClr val="accent1"/>
     </dgm:linClrLst>
     <dgm:effectClrLst/>
     <dgm:txLinClrLst/>
@@ -807,13 +759,12 @@
   </dgm:styleLbl>
   <dgm:styleLbl name="fgAcc3">
     <dgm:fillClrLst meth="repeat">
-      <a:schemeClr val="accent3">
+      <a:schemeClr val="lt1">
         <a:alpha val="90000"/>
-        <a:tint val="40000"/>
       </a:schemeClr>
     </dgm:fillClrLst>
     <dgm:linClrLst meth="repeat">
-      <a:schemeClr val="accent3"/>
+      <a:schemeClr val="accent1"/>
     </dgm:linClrLst>
     <dgm:effectClrLst/>
     <dgm:txLinClrLst/>
@@ -824,13 +775,12 @@
   </dgm:styleLbl>
   <dgm:styleLbl name="fgAcc4">
     <dgm:fillClrLst meth="repeat">
-      <a:schemeClr val="accent3">
+      <a:schemeClr val="lt1">
         <a:alpha val="90000"/>
-        <a:tint val="40000"/>
       </a:schemeClr>
     </dgm:fillClrLst>
     <dgm:linClrLst meth="repeat">
-      <a:schemeClr val="accent3"/>
+      <a:schemeClr val="accent1"/>
     </dgm:linClrLst>
     <dgm:effectClrLst/>
     <dgm:txLinClrLst/>
@@ -841,12 +791,12 @@
   </dgm:styleLbl>
   <dgm:styleLbl name="bgShp">
     <dgm:fillClrLst meth="repeat">
-      <a:schemeClr val="accent3">
+      <a:schemeClr val="accent1">
         <a:tint val="40000"/>
       </a:schemeClr>
     </dgm:fillClrLst>
     <dgm:linClrLst meth="repeat">
-      <a:schemeClr val="accent3"/>
+      <a:schemeClr val="accent1"/>
     </dgm:linClrLst>
     <dgm:effectClrLst/>
     <dgm:txLinClrLst/>
@@ -857,12 +807,12 @@
   </dgm:styleLbl>
   <dgm:styleLbl name="dkBgShp">
     <dgm:fillClrLst meth="repeat">
-      <a:schemeClr val="accent3">
+      <a:schemeClr val="accent1">
         <a:shade val="80000"/>
       </a:schemeClr>
     </dgm:fillClrLst>
     <dgm:linClrLst meth="repeat">
-      <a:schemeClr val="accent3"/>
+      <a:schemeClr val="accent1"/>
     </dgm:linClrLst>
     <dgm:effectClrLst/>
     <dgm:txLinClrLst/>
@@ -873,13 +823,13 @@
   </dgm:styleLbl>
   <dgm:styleLbl name="trBgShp">
     <dgm:fillClrLst meth="repeat">
-      <a:schemeClr val="accent3">
+      <a:schemeClr val="accent1">
         <a:tint val="50000"/>
         <a:alpha val="40000"/>
       </a:schemeClr>
     </dgm:fillClrLst>
     <dgm:linClrLst meth="repeat">
-      <a:schemeClr val="accent3"/>
+      <a:schemeClr val="accent1"/>
     </dgm:linClrLst>
     <dgm:effectClrLst/>
     <dgm:txLinClrLst/>
@@ -890,7 +840,7 @@
   </dgm:styleLbl>
   <dgm:styleLbl name="fgShp">
     <dgm:fillClrLst meth="repeat">
-      <a:schemeClr val="accent3">
+      <a:schemeClr val="accent1">
         <a:tint val="60000"/>
       </a:schemeClr>
     </dgm:fillClrLst>
@@ -928,27 +878,8 @@
 <file path=ppt/diagrams/data1.xml><?xml version="1.0" encoding="utf-8"?>
 <dgm:dataModel xmlns:dgm="http://schemas.openxmlformats.org/drawingml/2006/diagram" xmlns:a="http://schemas.openxmlformats.org/drawingml/2006/main">
   <dgm:ptLst>
-    <dgm:pt modelId="{DA151301-B055-465C-9438-032C442BC2F9}" type="doc">
-      <dgm:prSet loTypeId="urn:microsoft.com/office/officeart/2005/8/layout/vList3" loCatId="list" qsTypeId="urn:microsoft.com/office/officeart/2005/8/quickstyle/simple4" qsCatId="simple" csTypeId="urn:microsoft.com/office/officeart/2005/8/colors/accent3_1" csCatId="accent3" phldr="1"/>
-      <dgm:spPr/>
-    </dgm:pt>
-    <dgm:pt modelId="{60CD8086-7665-424D-A293-7CA0F11CABD7}">
-      <dgm:prSet phldrT="[Text]"/>
-      <dgm:spPr/>
-      <dgm:t>
-        <a:bodyPr/>
-        <a:lstStyle/>
-        <a:p>
-          <a:r>
-            <a:rPr lang="en-US" dirty="0" smtClean="0"/>
-            <a:t>Korisnik</a:t>
-          </a:r>
-          <a:endParaRPr lang="en-US" dirty="0"/>
-        </a:p>
-      </dgm:t>
-    </dgm:pt>
-    <dgm:pt modelId="{89BBB0B1-6AEA-4262-BBBB-357E6598DF77}" type="parTrans" cxnId="{0E37D262-5FDB-453C-8AD3-CA6F3FA6002F}">
-      <dgm:prSet/>
+    <dgm:pt modelId="{1E38DD40-0561-42CB-A23C-8E600B2AC4A8}" type="doc">
+      <dgm:prSet loTypeId="urn:microsoft.com/office/officeart/2011/layout/RadialPictureList" loCatId="picture" qsTypeId="urn:microsoft.com/office/officeart/2005/8/quickstyle/simple1" qsCatId="simple" csTypeId="urn:microsoft.com/office/officeart/2005/8/colors/accent1_2" csCatId="accent1" phldr="1"/>
       <dgm:spPr/>
       <dgm:t>
         <a:bodyPr/>
@@ -958,109 +889,247 @@
         </a:p>
       </dgm:t>
     </dgm:pt>
-    <dgm:pt modelId="{79D99D06-B8FE-4158-9642-C17D4F501AFF}" type="sibTrans" cxnId="{0E37D262-5FDB-453C-8AD3-CA6F3FA6002F}">
+    <dgm:pt modelId="{ED140437-CC5A-479A-9242-7D31F20F0993}">
+      <dgm:prSet phldrT="[Text]" phldr="1"/>
+      <dgm:spPr>
+        <a:blipFill dpi="0" rotWithShape="0">
+          <a:blip xmlns:r="http://schemas.openxmlformats.org/officeDocument/2006/relationships" r:embed="rId1"/>
+          <a:srcRect/>
+          <a:stretch>
+            <a:fillRect b="10000"/>
+          </a:stretch>
+        </a:blipFill>
+      </dgm:spPr>
+      <dgm:t>
+        <a:bodyPr/>
+        <a:lstStyle/>
+        <a:p>
+          <a:pPr algn="l"/>
+          <a:endParaRPr lang="en-US" dirty="0"/>
+        </a:p>
+      </dgm:t>
+    </dgm:pt>
+    <dgm:pt modelId="{879F203E-0E6A-4FC5-9992-7AD68CDBDB31}" type="parTrans" cxnId="{F06691FF-D680-4F47-B2FA-B2088A7D9C89}">
       <dgm:prSet/>
       <dgm:spPr/>
       <dgm:t>
         <a:bodyPr/>
         <a:lstStyle/>
         <a:p>
+          <a:pPr algn="l"/>
           <a:endParaRPr lang="en-US"/>
         </a:p>
       </dgm:t>
     </dgm:pt>
-    <dgm:pt modelId="{9CB59786-FA24-4026-88F3-B5F13A2D9A7F}">
-      <dgm:prSet phldrT="[Text]"/>
-      <dgm:spPr/>
-      <dgm:t>
-        <a:bodyPr/>
-        <a:lstStyle/>
-        <a:p>
-          <a:r>
-            <a:rPr lang="en-US" dirty="0" err="1" smtClean="0"/>
-            <a:t>Radnik</a:t>
-          </a:r>
-          <a:endParaRPr lang="en-US" dirty="0"/>
-        </a:p>
-      </dgm:t>
-    </dgm:pt>
-    <dgm:pt modelId="{2DE71418-6D92-4BE5-B046-ABC54D1CBF73}" type="parTrans" cxnId="{3C8B0B16-304F-4E21-A1E7-2F7540429CE4}">
+    <dgm:pt modelId="{A78F152A-19D1-4792-B575-2B9AC5250276}" type="sibTrans" cxnId="{F06691FF-D680-4F47-B2FA-B2088A7D9C89}">
       <dgm:prSet/>
       <dgm:spPr/>
       <dgm:t>
         <a:bodyPr/>
         <a:lstStyle/>
         <a:p>
+          <a:pPr algn="l"/>
           <a:endParaRPr lang="en-US"/>
         </a:p>
       </dgm:t>
     </dgm:pt>
-    <dgm:pt modelId="{6F27D02B-11AE-47CE-9802-18AAE2212A5C}" type="sibTrans" cxnId="{3C8B0B16-304F-4E21-A1E7-2F7540429CE4}">
+    <dgm:pt modelId="{F28FEFE8-F266-48B4-9B0A-66D2117868E0}">
+      <dgm:prSet phldrT="[Text]" custT="1"/>
+      <dgm:spPr/>
+      <dgm:t>
+        <a:bodyPr/>
+        <a:lstStyle/>
+        <a:p>
+          <a:pPr algn="l"/>
+          <a:r>
+            <a:rPr lang="sr-Latn-BA" sz="1600" dirty="0" smtClean="0"/>
+            <a:t>Administrator</a:t>
+          </a:r>
+          <a:endParaRPr lang="sr-Latn-BA" sz="1300" dirty="0" smtClean="0"/>
+        </a:p>
+      </dgm:t>
+    </dgm:pt>
+    <dgm:pt modelId="{A08D6C51-CDC7-418F-8652-F677631D79E2}" type="parTrans" cxnId="{C6F4479F-9B21-4AA6-A69D-206D92E66C17}">
       <dgm:prSet/>
       <dgm:spPr/>
       <dgm:t>
         <a:bodyPr/>
         <a:lstStyle/>
         <a:p>
+          <a:pPr algn="l"/>
           <a:endParaRPr lang="en-US"/>
         </a:p>
       </dgm:t>
     </dgm:pt>
-    <dgm:pt modelId="{DA8EDCD7-643C-4882-84B4-16D8430202BC}">
-      <dgm:prSet phldrT="[Text]"/>
-      <dgm:spPr/>
-      <dgm:t>
-        <a:bodyPr/>
-        <a:lstStyle/>
-        <a:p>
-          <a:r>
-            <a:rPr lang="en-US" dirty="0" smtClean="0"/>
-            <a:t>Administrator</a:t>
-          </a:r>
-          <a:endParaRPr lang="en-US" dirty="0"/>
-        </a:p>
-      </dgm:t>
-    </dgm:pt>
-    <dgm:pt modelId="{970EA302-6051-43E8-AD92-F1B73C169BFE}" type="parTrans" cxnId="{41BA5593-9383-4547-88D8-F978A65B819D}">
+    <dgm:pt modelId="{8794AE50-DC24-4525-AE7B-77F17207D464}" type="sibTrans" cxnId="{C6F4479F-9B21-4AA6-A69D-206D92E66C17}">
       <dgm:prSet/>
       <dgm:spPr/>
       <dgm:t>
         <a:bodyPr/>
         <a:lstStyle/>
         <a:p>
+          <a:pPr algn="l"/>
           <a:endParaRPr lang="en-US"/>
         </a:p>
       </dgm:t>
     </dgm:pt>
-    <dgm:pt modelId="{C574197B-6E36-4EF4-98DC-F2FB14C0DBB3}" type="sibTrans" cxnId="{41BA5593-9383-4547-88D8-F978A65B819D}">
+    <dgm:pt modelId="{3C9632B2-B54D-41C3-BAEB-40A97EE4A4B6}">
+      <dgm:prSet phldrT="[Text]" custT="1"/>
+      <dgm:spPr/>
+      <dgm:t>
+        <a:bodyPr/>
+        <a:lstStyle/>
+        <a:p>
+          <a:pPr algn="l"/>
+          <a:r>
+            <a:rPr lang="sr-Latn-BA" sz="1600" dirty="0" smtClean="0"/>
+            <a:t>Radnik</a:t>
+          </a:r>
+          <a:endParaRPr lang="en-US" sz="1300" dirty="0"/>
+        </a:p>
+      </dgm:t>
+    </dgm:pt>
+    <dgm:pt modelId="{BE91F018-F44C-408A-AA24-3FB64072697B}" type="parTrans" cxnId="{3E378A20-05E6-4B3B-BFFA-10B0017BAF3D}">
       <dgm:prSet/>
       <dgm:spPr/>
       <dgm:t>
         <a:bodyPr/>
         <a:lstStyle/>
         <a:p>
+          <a:pPr algn="l"/>
           <a:endParaRPr lang="en-US"/>
         </a:p>
       </dgm:t>
     </dgm:pt>
-    <dgm:pt modelId="{7E215EC5-320D-488C-A377-1F2C21C2451A}" type="pres">
-      <dgm:prSet presAssocID="{DA151301-B055-465C-9438-032C442BC2F9}" presName="linearFlow" presStyleCnt="0">
+    <dgm:pt modelId="{7DF5A5D8-98E8-4AD2-8889-FBE2B5D73587}" type="sibTrans" cxnId="{3E378A20-05E6-4B3B-BFFA-10B0017BAF3D}">
+      <dgm:prSet/>
+      <dgm:spPr/>
+      <dgm:t>
+        <a:bodyPr/>
+        <a:lstStyle/>
+        <a:p>
+          <a:pPr algn="l"/>
+          <a:endParaRPr lang="en-US"/>
+        </a:p>
+      </dgm:t>
+    </dgm:pt>
+    <dgm:pt modelId="{E4A6A259-9F5C-4FF8-87DD-6824F0AD4F50}">
+      <dgm:prSet phldrT="[Text]" custT="1"/>
+      <dgm:spPr/>
+      <dgm:t>
+        <a:bodyPr/>
+        <a:lstStyle/>
+        <a:p>
+          <a:pPr algn="l"/>
+          <a:r>
+            <a:rPr lang="sr-Latn-BA" sz="1600" dirty="0" smtClean="0"/>
+            <a:t>Registrovani</a:t>
+          </a:r>
+          <a:r>
+            <a:rPr lang="sr-Latn-BA" sz="1300" dirty="0" smtClean="0"/>
+            <a:t> </a:t>
+          </a:r>
+          <a:r>
+            <a:rPr lang="sr-Latn-BA" sz="1600" dirty="0" smtClean="0"/>
+            <a:t>korisnik</a:t>
+          </a:r>
+          <a:endParaRPr lang="en-US" sz="1300" dirty="0"/>
+        </a:p>
+      </dgm:t>
+    </dgm:pt>
+    <dgm:pt modelId="{46C9B1D4-FB96-43AF-87F1-D61CD7B39C20}" type="parTrans" cxnId="{5FF9FF90-C8AA-4F57-AA0D-59AE65B44627}">
+      <dgm:prSet/>
+      <dgm:spPr/>
+      <dgm:t>
+        <a:bodyPr/>
+        <a:lstStyle/>
+        <a:p>
+          <a:pPr algn="l"/>
+          <a:endParaRPr lang="en-US"/>
+        </a:p>
+      </dgm:t>
+    </dgm:pt>
+    <dgm:pt modelId="{107A581C-5090-4088-A8BA-36159A4AC4B0}" type="sibTrans" cxnId="{5FF9FF90-C8AA-4F57-AA0D-59AE65B44627}">
+      <dgm:prSet/>
+      <dgm:spPr/>
+      <dgm:t>
+        <a:bodyPr/>
+        <a:lstStyle/>
+        <a:p>
+          <a:pPr algn="l"/>
+          <a:endParaRPr lang="en-US"/>
+        </a:p>
+      </dgm:t>
+    </dgm:pt>
+    <dgm:pt modelId="{63CFE206-60E1-499B-AF40-E82A8F2B16BB}">
+      <dgm:prSet phldrT="[Text]" custT="1"/>
+      <dgm:spPr/>
+      <dgm:t>
+        <a:bodyPr/>
+        <a:lstStyle/>
+        <a:p>
+          <a:pPr algn="l"/>
+          <a:r>
+            <a:rPr lang="sr-Latn-BA" sz="1600" dirty="0" smtClean="0"/>
+            <a:t>Neregistrovani korisnik</a:t>
+          </a:r>
+          <a:endParaRPr lang="en-US" sz="1600" dirty="0"/>
+        </a:p>
+      </dgm:t>
+    </dgm:pt>
+    <dgm:pt modelId="{74C48C96-BCE5-455D-ADA4-3DAB328469A0}" type="parTrans" cxnId="{481BB45D-7FFB-4B4F-9908-2EF5EED2B82A}">
+      <dgm:prSet/>
+      <dgm:spPr/>
+      <dgm:t>
+        <a:bodyPr/>
+        <a:lstStyle/>
+        <a:p>
+          <a:pPr algn="l"/>
+          <a:endParaRPr lang="en-US"/>
+        </a:p>
+      </dgm:t>
+    </dgm:pt>
+    <dgm:pt modelId="{F8EA4754-FC85-4EBC-8083-B7EF58AC5DDD}" type="sibTrans" cxnId="{481BB45D-7FFB-4B4F-9908-2EF5EED2B82A}">
+      <dgm:prSet/>
+      <dgm:spPr/>
+      <dgm:t>
+        <a:bodyPr/>
+        <a:lstStyle/>
+        <a:p>
+          <a:pPr algn="l"/>
+          <a:endParaRPr lang="en-US"/>
+        </a:p>
+      </dgm:t>
+    </dgm:pt>
+    <dgm:pt modelId="{6DA970A2-B645-47FD-BBAC-CE701335416A}" type="pres">
+      <dgm:prSet presAssocID="{1E38DD40-0561-42CB-A23C-8E600B2AC4A8}" presName="Name0" presStyleCnt="0">
         <dgm:presLayoutVars>
+          <dgm:chMax val="1"/>
+          <dgm:chPref val="1"/>
           <dgm:dir/>
-          <dgm:resizeHandles val="exact"/>
+          <dgm:resizeHandles/>
         </dgm:presLayoutVars>
       </dgm:prSet>
       <dgm:spPr/>
     </dgm:pt>
-    <dgm:pt modelId="{C86D6C47-D5F4-475D-A183-C1C3D1533F24}" type="pres">
-      <dgm:prSet presAssocID="{60CD8086-7665-424D-A293-7CA0F11CABD7}" presName="composite" presStyleCnt="0"/>
+    <dgm:pt modelId="{E7461C9D-04A8-462D-9119-52125F9BCC03}" type="pres">
+      <dgm:prSet presAssocID="{ED140437-CC5A-479A-9242-7D31F20F0993}" presName="Parent" presStyleLbl="node1" presStyleIdx="0" presStyleCnt="2" custLinFactNeighborX="-37433">
+        <dgm:presLayoutVars>
+          <dgm:chMax val="4"/>
+          <dgm:chPref val="3"/>
+        </dgm:presLayoutVars>
+      </dgm:prSet>
       <dgm:spPr/>
     </dgm:pt>
-    <dgm:pt modelId="{ECDADFB6-DDF5-40FD-A607-BA10E43F2388}" type="pres">
-      <dgm:prSet presAssocID="{60CD8086-7665-424D-A293-7CA0F11CABD7}" presName="imgShp" presStyleLbl="fgImgPlace1" presStyleIdx="0" presStyleCnt="3"/>
+    <dgm:pt modelId="{AE5E8BD5-32CA-4BD5-AB37-94D4985DB142}" type="pres">
+      <dgm:prSet presAssocID="{F28FEFE8-F266-48B4-9B0A-66D2117868E0}" presName="Accent" presStyleLbl="node1" presStyleIdx="1" presStyleCnt="2" custLinFactNeighborX="-18568"/>
+      <dgm:spPr/>
+    </dgm:pt>
+    <dgm:pt modelId="{622460FE-6598-4767-9053-4FD53CDA6626}" type="pres">
+      <dgm:prSet presAssocID="{F28FEFE8-F266-48B4-9B0A-66D2117868E0}" presName="Image1" presStyleLbl="fgImgPlace1" presStyleIdx="0" presStyleCnt="4" custLinFactNeighborX="-69861"/>
       <dgm:spPr>
         <a:blipFill>
-          <a:blip xmlns:r="http://schemas.openxmlformats.org/officeDocument/2006/relationships" r:embed="rId1">
+          <a:blip xmlns:r="http://schemas.openxmlformats.org/officeDocument/2006/relationships" r:embed="rId2">
             <a:extLst>
               <a:ext uri="{28A0092B-C50C-407E-A947-70E740481C1C}">
                 <a14:useLocalDpi xmlns:a14="http://schemas.microsoft.com/office/drawing/2010/main" val="0"/>
@@ -1074,27 +1143,32 @@
         </a:blipFill>
       </dgm:spPr>
     </dgm:pt>
-    <dgm:pt modelId="{5F7E0384-4543-4A26-8665-C5F34849900C}" type="pres">
-      <dgm:prSet presAssocID="{60CD8086-7665-424D-A293-7CA0F11CABD7}" presName="txShp" presStyleLbl="node1" presStyleIdx="0" presStyleCnt="3">
+    <dgm:pt modelId="{EC2B18CF-F68F-401A-8258-A481666F1E49}" type="pres">
+      <dgm:prSet presAssocID="{F28FEFE8-F266-48B4-9B0A-66D2117868E0}" presName="Child1" presStyleLbl="revTx" presStyleIdx="0" presStyleCnt="4" custScaleX="124331">
         <dgm:presLayoutVars>
+          <dgm:chMax val="0"/>
+          <dgm:chPref val="0"/>
           <dgm:bulletEnabled val="1"/>
         </dgm:presLayoutVars>
       </dgm:prSet>
       <dgm:spPr/>
+      <dgm:t>
+        <a:bodyPr/>
+        <a:lstStyle/>
+        <a:p>
+          <a:endParaRPr lang="en-US"/>
+        </a:p>
+      </dgm:t>
     </dgm:pt>
-    <dgm:pt modelId="{18052744-081E-4DC8-A378-8B7BF3551D0C}" type="pres">
-      <dgm:prSet presAssocID="{79D99D06-B8FE-4158-9642-C17D4F501AFF}" presName="spacing" presStyleCnt="0"/>
+    <dgm:pt modelId="{6A9A7664-23FE-48F3-B8C1-4547644B919D}" type="pres">
+      <dgm:prSet presAssocID="{3C9632B2-B54D-41C3-BAEB-40A97EE4A4B6}" presName="Image2" presStyleCnt="0"/>
       <dgm:spPr/>
     </dgm:pt>
-    <dgm:pt modelId="{4598C5DE-19A6-4FFF-8B85-7A304F3E8287}" type="pres">
-      <dgm:prSet presAssocID="{9CB59786-FA24-4026-88F3-B5F13A2D9A7F}" presName="composite" presStyleCnt="0"/>
-      <dgm:spPr/>
-    </dgm:pt>
-    <dgm:pt modelId="{F4890FCB-A391-4315-A974-A4968AA960DD}" type="pres">
-      <dgm:prSet presAssocID="{9CB59786-FA24-4026-88F3-B5F13A2D9A7F}" presName="imgShp" presStyleLbl="fgImgPlace1" presStyleIdx="1" presStyleCnt="3"/>
+    <dgm:pt modelId="{AE2532A5-34F4-4ABB-AE74-5DFF47C6F9F1}" type="pres">
+      <dgm:prSet presAssocID="{3C9632B2-B54D-41C3-BAEB-40A97EE4A4B6}" presName="Image" presStyleLbl="fgImgPlace1" presStyleIdx="1" presStyleCnt="4" custLinFactNeighborX="-69861"/>
       <dgm:spPr>
         <a:blipFill>
-          <a:blip xmlns:r="http://schemas.openxmlformats.org/officeDocument/2006/relationships" r:embed="rId1">
+          <a:blip xmlns:r="http://schemas.openxmlformats.org/officeDocument/2006/relationships" r:embed="rId2">
             <a:extLst>
               <a:ext uri="{28A0092B-C50C-407E-A947-70E740481C1C}">
                 <a14:useLocalDpi xmlns:a14="http://schemas.microsoft.com/office/drawing/2010/main" val="0"/>
@@ -1108,27 +1182,71 @@
         </a:blipFill>
       </dgm:spPr>
     </dgm:pt>
-    <dgm:pt modelId="{FE3B4C0B-D7AC-42BC-8447-3932A015E7A9}" type="pres">
-      <dgm:prSet presAssocID="{9CB59786-FA24-4026-88F3-B5F13A2D9A7F}" presName="txShp" presStyleLbl="node1" presStyleIdx="1" presStyleCnt="3">
+    <dgm:pt modelId="{4F9F5666-0E35-4AA9-9D80-F32B4E869FBD}" type="pres">
+      <dgm:prSet presAssocID="{3C9632B2-B54D-41C3-BAEB-40A97EE4A4B6}" presName="Child2" presStyleLbl="revTx" presStyleIdx="1" presStyleCnt="4">
         <dgm:presLayoutVars>
+          <dgm:chMax val="0"/>
+          <dgm:chPref val="0"/>
+          <dgm:bulletEnabled val="1"/>
+        </dgm:presLayoutVars>
+      </dgm:prSet>
+      <dgm:spPr/>
+      <dgm:t>
+        <a:bodyPr/>
+        <a:lstStyle/>
+        <a:p>
+          <a:endParaRPr lang="en-US"/>
+        </a:p>
+      </dgm:t>
+    </dgm:pt>
+    <dgm:pt modelId="{4DBF41BD-D993-43F1-9C68-54E97DEA7322}" type="pres">
+      <dgm:prSet presAssocID="{E4A6A259-9F5C-4FF8-87DD-6824F0AD4F50}" presName="Image3" presStyleCnt="0"/>
+      <dgm:spPr/>
+    </dgm:pt>
+    <dgm:pt modelId="{2FFC460E-85CE-4127-89AB-2EE4BB6B386C}" type="pres">
+      <dgm:prSet presAssocID="{E4A6A259-9F5C-4FF8-87DD-6824F0AD4F50}" presName="Image" presStyleLbl="fgImgPlace1" presStyleIdx="2" presStyleCnt="4" custLinFactNeighborX="-69861"/>
+      <dgm:spPr>
+        <a:blipFill>
+          <a:blip xmlns:r="http://schemas.openxmlformats.org/officeDocument/2006/relationships" r:embed="rId2">
+            <a:extLst>
+              <a:ext uri="{28A0092B-C50C-407E-A947-70E740481C1C}">
+                <a14:useLocalDpi xmlns:a14="http://schemas.microsoft.com/office/drawing/2010/main" val="0"/>
+              </a:ext>
+            </a:extLst>
+          </a:blip>
+          <a:srcRect/>
+          <a:stretch>
+            <a:fillRect l="-25000" r="-25000"/>
+          </a:stretch>
+        </a:blipFill>
+      </dgm:spPr>
+      <dgm:t>
+        <a:bodyPr/>
+        <a:lstStyle/>
+        <a:p>
+          <a:endParaRPr lang="en-US"/>
+        </a:p>
+      </dgm:t>
+    </dgm:pt>
+    <dgm:pt modelId="{30891A23-2DCF-424C-98D8-20DED18605DF}" type="pres">
+      <dgm:prSet presAssocID="{E4A6A259-9F5C-4FF8-87DD-6824F0AD4F50}" presName="Child3" presStyleLbl="revTx" presStyleIdx="2" presStyleCnt="4" custScaleX="125189">
+        <dgm:presLayoutVars>
+          <dgm:chMax val="0"/>
+          <dgm:chPref val="0"/>
           <dgm:bulletEnabled val="1"/>
         </dgm:presLayoutVars>
       </dgm:prSet>
       <dgm:spPr/>
     </dgm:pt>
-    <dgm:pt modelId="{E6EBEA93-189C-4A7A-9416-CF79452B3F47}" type="pres">
-      <dgm:prSet presAssocID="{6F27D02B-11AE-47CE-9802-18AAE2212A5C}" presName="spacing" presStyleCnt="0"/>
+    <dgm:pt modelId="{E36BDBF5-C2F6-47CD-AC29-41468D29714F}" type="pres">
+      <dgm:prSet presAssocID="{63CFE206-60E1-499B-AF40-E82A8F2B16BB}" presName="Image4" presStyleCnt="0"/>
       <dgm:spPr/>
     </dgm:pt>
-    <dgm:pt modelId="{B22B42D2-2C55-44F4-ACDC-C8C720BA79F5}" type="pres">
-      <dgm:prSet presAssocID="{DA8EDCD7-643C-4882-84B4-16D8430202BC}" presName="composite" presStyleCnt="0"/>
-      <dgm:spPr/>
-    </dgm:pt>
-    <dgm:pt modelId="{04171C56-80B8-468A-88A9-D529BA2AC4E8}" type="pres">
-      <dgm:prSet presAssocID="{DA8EDCD7-643C-4882-84B4-16D8430202BC}" presName="imgShp" presStyleLbl="fgImgPlace1" presStyleIdx="2" presStyleCnt="3"/>
+    <dgm:pt modelId="{6D18923C-0A76-462F-AC28-8FDE4EF4C870}" type="pres">
+      <dgm:prSet presAssocID="{63CFE206-60E1-499B-AF40-E82A8F2B16BB}" presName="Image" presStyleLbl="fgImgPlace1" presStyleIdx="3" presStyleCnt="4" custLinFactNeighborX="-69861" custLinFactNeighborY="-7525"/>
       <dgm:spPr>
         <a:blipFill>
-          <a:blip xmlns:r="http://schemas.openxmlformats.org/officeDocument/2006/relationships" r:embed="rId1">
+          <a:blip xmlns:r="http://schemas.openxmlformats.org/officeDocument/2006/relationships" r:embed="rId2">
             <a:extLst>
               <a:ext uri="{28A0092B-C50C-407E-A947-70E740481C1C}">
                 <a14:useLocalDpi xmlns:a14="http://schemas.microsoft.com/office/drawing/2010/main" val="0"/>
@@ -1142,9 +1260,11 @@
         </a:blipFill>
       </dgm:spPr>
     </dgm:pt>
-    <dgm:pt modelId="{F3EB86F0-6253-4494-8F0A-5591BB655E2B}" type="pres">
-      <dgm:prSet presAssocID="{DA8EDCD7-643C-4882-84B4-16D8430202BC}" presName="txShp" presStyleLbl="node1" presStyleIdx="2" presStyleCnt="3">
+    <dgm:pt modelId="{96ED8390-1DF1-4967-880A-465FD76D0DE8}" type="pres">
+      <dgm:prSet presAssocID="{63CFE206-60E1-499B-AF40-E82A8F2B16BB}" presName="Child4" presStyleLbl="revTx" presStyleIdx="3" presStyleCnt="4" custScaleX="144954">
         <dgm:presLayoutVars>
+          <dgm:chMax val="0"/>
+          <dgm:chPref val="0"/>
           <dgm:bulletEnabled val="1"/>
         </dgm:presLayoutVars>
       </dgm:prSet>
@@ -1152,24 +1272,30 @@
     </dgm:pt>
   </dgm:ptLst>
   <dgm:cxnLst>
-    <dgm:cxn modelId="{3C8B0B16-304F-4E21-A1E7-2F7540429CE4}" srcId="{DA151301-B055-465C-9438-032C442BC2F9}" destId="{9CB59786-FA24-4026-88F3-B5F13A2D9A7F}" srcOrd="1" destOrd="0" parTransId="{2DE71418-6D92-4BE5-B046-ABC54D1CBF73}" sibTransId="{6F27D02B-11AE-47CE-9802-18AAE2212A5C}"/>
-    <dgm:cxn modelId="{0E37D262-5FDB-453C-8AD3-CA6F3FA6002F}" srcId="{DA151301-B055-465C-9438-032C442BC2F9}" destId="{60CD8086-7665-424D-A293-7CA0F11CABD7}" srcOrd="0" destOrd="0" parTransId="{89BBB0B1-6AEA-4262-BBBB-357E6598DF77}" sibTransId="{79D99D06-B8FE-4158-9642-C17D4F501AFF}"/>
-    <dgm:cxn modelId="{41BA5593-9383-4547-88D8-F978A65B819D}" srcId="{DA151301-B055-465C-9438-032C442BC2F9}" destId="{DA8EDCD7-643C-4882-84B4-16D8430202BC}" srcOrd="2" destOrd="0" parTransId="{970EA302-6051-43E8-AD92-F1B73C169BFE}" sibTransId="{C574197B-6E36-4EF4-98DC-F2FB14C0DBB3}"/>
-    <dgm:cxn modelId="{7CB61DD3-61F1-4CCC-8E93-1D80EBFA1814}" type="presOf" srcId="{60CD8086-7665-424D-A293-7CA0F11CABD7}" destId="{5F7E0384-4543-4A26-8665-C5F34849900C}" srcOrd="0" destOrd="0" presId="urn:microsoft.com/office/officeart/2005/8/layout/vList3"/>
-    <dgm:cxn modelId="{BE69750C-3870-4E64-9C3B-54D87086A355}" type="presOf" srcId="{DA151301-B055-465C-9438-032C442BC2F9}" destId="{7E215EC5-320D-488C-A377-1F2C21C2451A}" srcOrd="0" destOrd="0" presId="urn:microsoft.com/office/officeart/2005/8/layout/vList3"/>
-    <dgm:cxn modelId="{EA0A61BE-96E1-4C2D-8623-E79529D9FB71}" type="presOf" srcId="{9CB59786-FA24-4026-88F3-B5F13A2D9A7F}" destId="{FE3B4C0B-D7AC-42BC-8447-3932A015E7A9}" srcOrd="0" destOrd="0" presId="urn:microsoft.com/office/officeart/2005/8/layout/vList3"/>
-    <dgm:cxn modelId="{A4E5A3DA-F34B-4539-A044-C875942AA5A1}" type="presOf" srcId="{DA8EDCD7-643C-4882-84B4-16D8430202BC}" destId="{F3EB86F0-6253-4494-8F0A-5591BB655E2B}" srcOrd="0" destOrd="0" presId="urn:microsoft.com/office/officeart/2005/8/layout/vList3"/>
-    <dgm:cxn modelId="{82D04EB3-BB2E-46F2-BA9F-6B7D6FDC2EC7}" type="presParOf" srcId="{7E215EC5-320D-488C-A377-1F2C21C2451A}" destId="{C86D6C47-D5F4-475D-A183-C1C3D1533F24}" srcOrd="0" destOrd="0" presId="urn:microsoft.com/office/officeart/2005/8/layout/vList3"/>
-    <dgm:cxn modelId="{8431CC48-A0A9-4C44-AC6D-ABDF8FEA7575}" type="presParOf" srcId="{C86D6C47-D5F4-475D-A183-C1C3D1533F24}" destId="{ECDADFB6-DDF5-40FD-A607-BA10E43F2388}" srcOrd="0" destOrd="0" presId="urn:microsoft.com/office/officeart/2005/8/layout/vList3"/>
-    <dgm:cxn modelId="{ED0AEE0E-A98D-4DE7-B2E5-8C3DD625AE47}" type="presParOf" srcId="{C86D6C47-D5F4-475D-A183-C1C3D1533F24}" destId="{5F7E0384-4543-4A26-8665-C5F34849900C}" srcOrd="1" destOrd="0" presId="urn:microsoft.com/office/officeart/2005/8/layout/vList3"/>
-    <dgm:cxn modelId="{E4F35EEA-13CD-4E6F-9101-FBF5AF02EB02}" type="presParOf" srcId="{7E215EC5-320D-488C-A377-1F2C21C2451A}" destId="{18052744-081E-4DC8-A378-8B7BF3551D0C}" srcOrd="1" destOrd="0" presId="urn:microsoft.com/office/officeart/2005/8/layout/vList3"/>
-    <dgm:cxn modelId="{AD00ED34-604B-4E1A-9011-413F8069C368}" type="presParOf" srcId="{7E215EC5-320D-488C-A377-1F2C21C2451A}" destId="{4598C5DE-19A6-4FFF-8B85-7A304F3E8287}" srcOrd="2" destOrd="0" presId="urn:microsoft.com/office/officeart/2005/8/layout/vList3"/>
-    <dgm:cxn modelId="{D0A7E9C7-8C60-4014-AB86-0797F8AE8A5F}" type="presParOf" srcId="{4598C5DE-19A6-4FFF-8B85-7A304F3E8287}" destId="{F4890FCB-A391-4315-A974-A4968AA960DD}" srcOrd="0" destOrd="0" presId="urn:microsoft.com/office/officeart/2005/8/layout/vList3"/>
-    <dgm:cxn modelId="{351F4D53-326F-4398-9F0D-4D0CF3967C97}" type="presParOf" srcId="{4598C5DE-19A6-4FFF-8B85-7A304F3E8287}" destId="{FE3B4C0B-D7AC-42BC-8447-3932A015E7A9}" srcOrd="1" destOrd="0" presId="urn:microsoft.com/office/officeart/2005/8/layout/vList3"/>
-    <dgm:cxn modelId="{D4C8BD42-7961-4B99-8FCE-A9F3900809A5}" type="presParOf" srcId="{7E215EC5-320D-488C-A377-1F2C21C2451A}" destId="{E6EBEA93-189C-4A7A-9416-CF79452B3F47}" srcOrd="3" destOrd="0" presId="urn:microsoft.com/office/officeart/2005/8/layout/vList3"/>
-    <dgm:cxn modelId="{F74691D7-C40A-416B-BDB6-907DF21B25A2}" type="presParOf" srcId="{7E215EC5-320D-488C-A377-1F2C21C2451A}" destId="{B22B42D2-2C55-44F4-ACDC-C8C720BA79F5}" srcOrd="4" destOrd="0" presId="urn:microsoft.com/office/officeart/2005/8/layout/vList3"/>
-    <dgm:cxn modelId="{C6EF6E09-C9B4-48D9-B97E-2C2AC43CF9F5}" type="presParOf" srcId="{B22B42D2-2C55-44F4-ACDC-C8C720BA79F5}" destId="{04171C56-80B8-468A-88A9-D529BA2AC4E8}" srcOrd="0" destOrd="0" presId="urn:microsoft.com/office/officeart/2005/8/layout/vList3"/>
-    <dgm:cxn modelId="{848F82F8-E967-4061-A18A-31FE7966914E}" type="presParOf" srcId="{B22B42D2-2C55-44F4-ACDC-C8C720BA79F5}" destId="{F3EB86F0-6253-4494-8F0A-5591BB655E2B}" srcOrd="1" destOrd="0" presId="urn:microsoft.com/office/officeart/2005/8/layout/vList3"/>
+    <dgm:cxn modelId="{F06691FF-D680-4F47-B2FA-B2088A7D9C89}" srcId="{1E38DD40-0561-42CB-A23C-8E600B2AC4A8}" destId="{ED140437-CC5A-479A-9242-7D31F20F0993}" srcOrd="0" destOrd="0" parTransId="{879F203E-0E6A-4FC5-9992-7AD68CDBDB31}" sibTransId="{A78F152A-19D1-4792-B575-2B9AC5250276}"/>
+    <dgm:cxn modelId="{D1592743-53EF-45A6-8102-F68ED7E9FE7A}" type="presOf" srcId="{F28FEFE8-F266-48B4-9B0A-66D2117868E0}" destId="{EC2B18CF-F68F-401A-8258-A481666F1E49}" srcOrd="0" destOrd="0" presId="urn:microsoft.com/office/officeart/2011/layout/RadialPictureList"/>
+    <dgm:cxn modelId="{C6F4479F-9B21-4AA6-A69D-206D92E66C17}" srcId="{ED140437-CC5A-479A-9242-7D31F20F0993}" destId="{F28FEFE8-F266-48B4-9B0A-66D2117868E0}" srcOrd="0" destOrd="0" parTransId="{A08D6C51-CDC7-418F-8652-F677631D79E2}" sibTransId="{8794AE50-DC24-4525-AE7B-77F17207D464}"/>
+    <dgm:cxn modelId="{1D91A92C-C51C-4AE2-AC7F-B149B234B892}" type="presOf" srcId="{63CFE206-60E1-499B-AF40-E82A8F2B16BB}" destId="{96ED8390-1DF1-4967-880A-465FD76D0DE8}" srcOrd="0" destOrd="0" presId="urn:microsoft.com/office/officeart/2011/layout/RadialPictureList"/>
+    <dgm:cxn modelId="{28B96332-11B1-4694-B88E-88F8ADEB0F0A}" type="presOf" srcId="{ED140437-CC5A-479A-9242-7D31F20F0993}" destId="{E7461C9D-04A8-462D-9119-52125F9BCC03}" srcOrd="0" destOrd="0" presId="urn:microsoft.com/office/officeart/2011/layout/RadialPictureList"/>
+    <dgm:cxn modelId="{F4FCA6E5-57C7-435E-BCFA-F9A069B81BBE}" type="presOf" srcId="{E4A6A259-9F5C-4FF8-87DD-6824F0AD4F50}" destId="{30891A23-2DCF-424C-98D8-20DED18605DF}" srcOrd="0" destOrd="0" presId="urn:microsoft.com/office/officeart/2011/layout/RadialPictureList"/>
+    <dgm:cxn modelId="{6618ADEC-199C-49D7-9753-D728DCCE1CB5}" type="presOf" srcId="{1E38DD40-0561-42CB-A23C-8E600B2AC4A8}" destId="{6DA970A2-B645-47FD-BBAC-CE701335416A}" srcOrd="0" destOrd="0" presId="urn:microsoft.com/office/officeart/2011/layout/RadialPictureList"/>
+    <dgm:cxn modelId="{FCF79C25-95A3-43EB-9E36-E5A8D224D0B3}" type="presOf" srcId="{3C9632B2-B54D-41C3-BAEB-40A97EE4A4B6}" destId="{4F9F5666-0E35-4AA9-9D80-F32B4E869FBD}" srcOrd="0" destOrd="0" presId="urn:microsoft.com/office/officeart/2011/layout/RadialPictureList"/>
+    <dgm:cxn modelId="{481BB45D-7FFB-4B4F-9908-2EF5EED2B82A}" srcId="{ED140437-CC5A-479A-9242-7D31F20F0993}" destId="{63CFE206-60E1-499B-AF40-E82A8F2B16BB}" srcOrd="3" destOrd="0" parTransId="{74C48C96-BCE5-455D-ADA4-3DAB328469A0}" sibTransId="{F8EA4754-FC85-4EBC-8083-B7EF58AC5DDD}"/>
+    <dgm:cxn modelId="{3E378A20-05E6-4B3B-BFFA-10B0017BAF3D}" srcId="{ED140437-CC5A-479A-9242-7D31F20F0993}" destId="{3C9632B2-B54D-41C3-BAEB-40A97EE4A4B6}" srcOrd="1" destOrd="0" parTransId="{BE91F018-F44C-408A-AA24-3FB64072697B}" sibTransId="{7DF5A5D8-98E8-4AD2-8889-FBE2B5D73587}"/>
+    <dgm:cxn modelId="{5FF9FF90-C8AA-4F57-AA0D-59AE65B44627}" srcId="{ED140437-CC5A-479A-9242-7D31F20F0993}" destId="{E4A6A259-9F5C-4FF8-87DD-6824F0AD4F50}" srcOrd="2" destOrd="0" parTransId="{46C9B1D4-FB96-43AF-87F1-D61CD7B39C20}" sibTransId="{107A581C-5090-4088-A8BA-36159A4AC4B0}"/>
+    <dgm:cxn modelId="{E34D592B-FDC9-41CF-B2A3-24473F0C8030}" type="presParOf" srcId="{6DA970A2-B645-47FD-BBAC-CE701335416A}" destId="{E7461C9D-04A8-462D-9119-52125F9BCC03}" srcOrd="0" destOrd="0" presId="urn:microsoft.com/office/officeart/2011/layout/RadialPictureList"/>
+    <dgm:cxn modelId="{BC8201B6-E07C-4F15-9C92-8B629C0D2592}" type="presParOf" srcId="{6DA970A2-B645-47FD-BBAC-CE701335416A}" destId="{AE5E8BD5-32CA-4BD5-AB37-94D4985DB142}" srcOrd="1" destOrd="0" presId="urn:microsoft.com/office/officeart/2011/layout/RadialPictureList"/>
+    <dgm:cxn modelId="{8380C32C-8F75-49F3-90D0-52B1E1A6E79A}" type="presParOf" srcId="{6DA970A2-B645-47FD-BBAC-CE701335416A}" destId="{622460FE-6598-4767-9053-4FD53CDA6626}" srcOrd="2" destOrd="0" presId="urn:microsoft.com/office/officeart/2011/layout/RadialPictureList"/>
+    <dgm:cxn modelId="{B9DE214F-D585-4B44-AC2F-535F21807EEC}" type="presParOf" srcId="{6DA970A2-B645-47FD-BBAC-CE701335416A}" destId="{EC2B18CF-F68F-401A-8258-A481666F1E49}" srcOrd="3" destOrd="0" presId="urn:microsoft.com/office/officeart/2011/layout/RadialPictureList"/>
+    <dgm:cxn modelId="{B14C1BA9-1666-4396-A09E-DDCA507B039C}" type="presParOf" srcId="{6DA970A2-B645-47FD-BBAC-CE701335416A}" destId="{6A9A7664-23FE-48F3-B8C1-4547644B919D}" srcOrd="4" destOrd="0" presId="urn:microsoft.com/office/officeart/2011/layout/RadialPictureList"/>
+    <dgm:cxn modelId="{1C334E5C-415D-4126-9F06-9C691A1410A0}" type="presParOf" srcId="{6A9A7664-23FE-48F3-B8C1-4547644B919D}" destId="{AE2532A5-34F4-4ABB-AE74-5DFF47C6F9F1}" srcOrd="0" destOrd="0" presId="urn:microsoft.com/office/officeart/2011/layout/RadialPictureList"/>
+    <dgm:cxn modelId="{DC4B8706-6C08-4EF7-B1F5-04CC9989C575}" type="presParOf" srcId="{6DA970A2-B645-47FD-BBAC-CE701335416A}" destId="{4F9F5666-0E35-4AA9-9D80-F32B4E869FBD}" srcOrd="5" destOrd="0" presId="urn:microsoft.com/office/officeart/2011/layout/RadialPictureList"/>
+    <dgm:cxn modelId="{D411DB84-DFFA-4A46-8DF7-D374A402923F}" type="presParOf" srcId="{6DA970A2-B645-47FD-BBAC-CE701335416A}" destId="{4DBF41BD-D993-43F1-9C68-54E97DEA7322}" srcOrd="6" destOrd="0" presId="urn:microsoft.com/office/officeart/2011/layout/RadialPictureList"/>
+    <dgm:cxn modelId="{48D8B780-B710-4BEC-9D1E-927B7385A3A7}" type="presParOf" srcId="{4DBF41BD-D993-43F1-9C68-54E97DEA7322}" destId="{2FFC460E-85CE-4127-89AB-2EE4BB6B386C}" srcOrd="0" destOrd="0" presId="urn:microsoft.com/office/officeart/2011/layout/RadialPictureList"/>
+    <dgm:cxn modelId="{7EA17A49-6530-47F0-A678-106BC7AD99B3}" type="presParOf" srcId="{6DA970A2-B645-47FD-BBAC-CE701335416A}" destId="{30891A23-2DCF-424C-98D8-20DED18605DF}" srcOrd="7" destOrd="0" presId="urn:microsoft.com/office/officeart/2011/layout/RadialPictureList"/>
+    <dgm:cxn modelId="{4411AE52-FA84-49EF-8004-9A5B9E9B7E09}" type="presParOf" srcId="{6DA970A2-B645-47FD-BBAC-CE701335416A}" destId="{E36BDBF5-C2F6-47CD-AC29-41468D29714F}" srcOrd="8" destOrd="0" presId="urn:microsoft.com/office/officeart/2011/layout/RadialPictureList"/>
+    <dgm:cxn modelId="{DACD3468-A45D-4CF8-9CAF-BA38972CB68F}" type="presParOf" srcId="{E36BDBF5-C2F6-47CD-AC29-41468D29714F}" destId="{6D18923C-0A76-462F-AC28-8FDE4EF4C870}" srcOrd="0" destOrd="0" presId="urn:microsoft.com/office/officeart/2011/layout/RadialPictureList"/>
+    <dgm:cxn modelId="{80813262-2FE0-493F-931D-4A6965D68CE0}" type="presParOf" srcId="{6DA970A2-B645-47FD-BBAC-CE701335416A}" destId="{96ED8390-1DF1-4967-880A-465FD76D0DE8}" srcOrd="9" destOrd="0" presId="urn:microsoft.com/office/officeart/2011/layout/RadialPictureList"/>
   </dgm:cxnLst>
   <dgm:bg/>
   <dgm:whole/>
@@ -1189,63 +1315,47 @@
       <dsp:cNvGrpSpPr/>
     </dsp:nvGrpSpPr>
     <dsp:grpSpPr/>
-    <dsp:sp modelId="{5F7E0384-4543-4A26-8665-C5F34849900C}">
+    <dsp:sp modelId="{E7461C9D-04A8-462D-9119-52125F9BCC03}">
       <dsp:nvSpPr>
         <dsp:cNvPr id="0" name=""/>
         <dsp:cNvSpPr/>
       </dsp:nvSpPr>
       <dsp:spPr>
-        <a:xfrm rot="10800000">
-          <a:off x="1755828" y="697"/>
-          <a:ext cx="5928741" cy="1049997"/>
+        <a:xfrm>
+          <a:off x="1422704" y="1056020"/>
+          <a:ext cx="1653887" cy="1653740"/>
         </a:xfrm>
-        <a:prstGeom prst="homePlate">
+        <a:prstGeom prst="ellipse">
           <a:avLst/>
         </a:prstGeom>
-        <a:gradFill rotWithShape="0">
-          <a:gsLst>
-            <a:gs pos="0">
-              <a:schemeClr val="lt1">
-                <a:hueOff val="0"/>
-                <a:satOff val="0"/>
-                <a:lumOff val="0"/>
-                <a:alphaOff val="0"/>
-                <a:tint val="96000"/>
-                <a:lumMod val="104000"/>
-              </a:schemeClr>
-            </a:gs>
-            <a:gs pos="100000">
-              <a:schemeClr val="lt1">
-                <a:hueOff val="0"/>
-                <a:satOff val="0"/>
-                <a:lumOff val="0"/>
-                <a:alphaOff val="0"/>
-                <a:shade val="98000"/>
-                <a:lumMod val="94000"/>
-              </a:schemeClr>
-            </a:gs>
-          </a:gsLst>
-          <a:lin ang="5400000" scaled="0"/>
-        </a:gradFill>
-        <a:ln>
-          <a:noFill/>
+        <a:blipFill dpi="0" rotWithShape="0">
+          <a:blip xmlns:r="http://schemas.openxmlformats.org/officeDocument/2006/relationships" r:embed="rId1"/>
+          <a:srcRect/>
+          <a:stretch>
+            <a:fillRect b="10000"/>
+          </a:stretch>
+        </a:blipFill>
+        <a:ln w="15875" cap="rnd" cmpd="sng" algn="ctr">
+          <a:solidFill>
+            <a:schemeClr val="lt1">
+              <a:hueOff val="0"/>
+              <a:satOff val="0"/>
+              <a:lumOff val="0"/>
+              <a:alphaOff val="0"/>
+            </a:schemeClr>
+          </a:solidFill>
+          <a:prstDash val="solid"/>
         </a:ln>
-        <a:effectLst>
-          <a:outerShdw blurRad="38100" dist="25400" dir="5400000" rotWithShape="0">
-            <a:srgbClr val="000000">
-              <a:alpha val="25000"/>
-            </a:srgbClr>
-          </a:outerShdw>
-        </a:effectLst>
+        <a:effectLst/>
       </dsp:spPr>
       <dsp:style>
-        <a:lnRef idx="0">
+        <a:lnRef idx="2">
           <a:scrgbClr r="0" g="0" b="0"/>
         </a:lnRef>
-        <a:fillRef idx="3">
+        <a:fillRef idx="1">
           <a:scrgbClr r="0" g="0" b="0"/>
         </a:fillRef>
-        <a:effectRef idx="2">
+        <a:effectRef idx="0">
           <a:scrgbClr r="0" g="0" b="0"/>
         </a:effectRef>
         <a:fontRef idx="minor">
@@ -1253,12 +1363,12 @@
         </a:fontRef>
       </dsp:style>
       <dsp:txBody>
-        <a:bodyPr spcFirstLastPara="0" vert="horz" wrap="square" lIns="463020" tIns="163830" rIns="305816" bIns="163830" numCol="1" spcCol="1270" anchor="ctr" anchorCtr="0">
+        <a:bodyPr spcFirstLastPara="0" vert="horz" wrap="square" lIns="40640" tIns="40640" rIns="40640" bIns="40640" numCol="1" spcCol="1270" anchor="ctr" anchorCtr="0">
           <a:noAutofit/>
         </a:bodyPr>
         <a:lstStyle/>
         <a:p>
-          <a:pPr lvl="0" algn="ctr" defTabSz="1911350">
+          <a:pPr lvl="0" algn="l" defTabSz="1422400">
             <a:lnSpc>
               <a:spcPct val="90000"/>
             </a:lnSpc>
@@ -1269,33 +1379,82 @@
               <a:spcPct val="35000"/>
             </a:spcAft>
           </a:pPr>
-          <a:r>
-            <a:rPr lang="en-US" sz="4300" kern="1200" dirty="0" smtClean="0"/>
-            <a:t>Korisnik</a:t>
-          </a:r>
-          <a:endParaRPr lang="en-US" sz="4300" kern="1200" dirty="0"/>
+          <a:endParaRPr lang="en-US" sz="3200" kern="1200" dirty="0"/>
         </a:p>
       </dsp:txBody>
-      <dsp:txXfrm rot="10800000">
-        <a:off x="2018327" y="697"/>
-        <a:ext cx="5666242" cy="1049997"/>
+      <dsp:txXfrm>
+        <a:off x="1664910" y="1298205"/>
+        <a:ext cx="1169475" cy="1169370"/>
       </dsp:txXfrm>
     </dsp:sp>
-    <dsp:sp modelId="{ECDADFB6-DDF5-40FD-A607-BA10E43F2388}">
+    <dsp:sp modelId="{AE5E8BD5-32CA-4BD5-AB37-94D4985DB142}">
       <dsp:nvSpPr>
         <dsp:cNvPr id="0" name=""/>
         <dsp:cNvSpPr/>
       </dsp:nvSpPr>
       <dsp:spPr>
         <a:xfrm>
-          <a:off x="1230830" y="697"/>
-          <a:ext cx="1049997" cy="1049997"/>
+          <a:off x="570158" y="136394"/>
+          <a:ext cx="3333511" cy="3474856"/>
+        </a:xfrm>
+        <a:prstGeom prst="blockArc">
+          <a:avLst>
+            <a:gd name="adj1" fmla="val 16509444"/>
+            <a:gd name="adj2" fmla="val 5088054"/>
+            <a:gd name="adj3" fmla="val 5240"/>
+          </a:avLst>
+        </a:prstGeom>
+        <a:solidFill>
+          <a:schemeClr val="accent1">
+            <a:hueOff val="0"/>
+            <a:satOff val="0"/>
+            <a:lumOff val="0"/>
+            <a:alphaOff val="0"/>
+          </a:schemeClr>
+        </a:solidFill>
+        <a:ln w="15875" cap="rnd" cmpd="sng" algn="ctr">
+          <a:solidFill>
+            <a:schemeClr val="lt1">
+              <a:hueOff val="0"/>
+              <a:satOff val="0"/>
+              <a:lumOff val="0"/>
+              <a:alphaOff val="0"/>
+            </a:schemeClr>
+          </a:solidFill>
+          <a:prstDash val="solid"/>
+        </a:ln>
+        <a:effectLst/>
+      </dsp:spPr>
+      <dsp:style>
+        <a:lnRef idx="2">
+          <a:scrgbClr r="0" g="0" b="0"/>
+        </a:lnRef>
+        <a:fillRef idx="1">
+          <a:scrgbClr r="0" g="0" b="0"/>
+        </a:fillRef>
+        <a:effectRef idx="0">
+          <a:scrgbClr r="0" g="0" b="0"/>
+        </a:effectRef>
+        <a:fontRef idx="minor">
+          <a:schemeClr val="lt1"/>
+        </a:fontRef>
+      </dsp:style>
+    </dsp:sp>
+    <dsp:sp modelId="{622460FE-6598-4767-9053-4FD53CDA6626}">
+      <dsp:nvSpPr>
+        <dsp:cNvPr id="0" name=""/>
+        <dsp:cNvSpPr/>
+      </dsp:nvSpPr>
+      <dsp:spPr>
+        <a:xfrm>
+          <a:off x="2633744" y="0"/>
+          <a:ext cx="886184" cy="885999"/>
         </a:xfrm>
         <a:prstGeom prst="ellipse">
           <a:avLst/>
         </a:prstGeom>
         <a:blipFill>
-          <a:blip xmlns:r="http://schemas.openxmlformats.org/officeDocument/2006/relationships" r:embed="rId1">
+          <a:blip xmlns:r="http://schemas.openxmlformats.org/officeDocument/2006/relationships" r:embed="rId2">
             <a:extLst>
               <a:ext uri="{28A0092B-C50C-407E-A947-70E740481C1C}">
                 <a14:useLocalDpi xmlns:a14="http://schemas.microsoft.com/office/drawing/2010/main" val="0"/>
@@ -1307,100 +1466,70 @@
             <a:fillRect l="-25000" r="-25000"/>
           </a:stretch>
         </a:blipFill>
+        <a:ln w="15875" cap="rnd" cmpd="sng" algn="ctr">
+          <a:solidFill>
+            <a:schemeClr val="lt1">
+              <a:hueOff val="0"/>
+              <a:satOff val="0"/>
+              <a:lumOff val="0"/>
+              <a:alphaOff val="0"/>
+            </a:schemeClr>
+          </a:solidFill>
+          <a:prstDash val="solid"/>
+        </a:ln>
+        <a:effectLst/>
+      </dsp:spPr>
+      <dsp:style>
+        <a:lnRef idx="2">
+          <a:scrgbClr r="0" g="0" b="0"/>
+        </a:lnRef>
+        <a:fillRef idx="1">
+          <a:scrgbClr r="0" g="0" b="0"/>
+        </a:fillRef>
+        <a:effectRef idx="0">
+          <a:scrgbClr r="0" g="0" b="0"/>
+        </a:effectRef>
+        <a:fontRef idx="minor"/>
+      </dsp:style>
+    </dsp:sp>
+    <dsp:sp modelId="{EC2B18CF-F68F-401A-8258-A481666F1E49}">
+      <dsp:nvSpPr>
+        <dsp:cNvPr id="0" name=""/>
+        <dsp:cNvSpPr/>
+      </dsp:nvSpPr>
+      <dsp:spPr>
+        <a:xfrm>
+          <a:off x="4062206" y="11334"/>
+          <a:ext cx="1474905" cy="857662"/>
+        </a:xfrm>
+        <a:prstGeom prst="rect">
+          <a:avLst/>
+        </a:prstGeom>
+        <a:noFill/>
         <a:ln>
           <a:noFill/>
         </a:ln>
-        <a:effectLst>
-          <a:outerShdw blurRad="38100" dist="25400" dir="5400000" rotWithShape="0">
-            <a:srgbClr val="000000">
-              <a:alpha val="25000"/>
-            </a:srgbClr>
-          </a:outerShdw>
-        </a:effectLst>
+        <a:effectLst/>
       </dsp:spPr>
       <dsp:style>
         <a:lnRef idx="0">
           <a:scrgbClr r="0" g="0" b="0"/>
         </a:lnRef>
-        <a:fillRef idx="1">
+        <a:fillRef idx="0">
           <a:scrgbClr r="0" g="0" b="0"/>
         </a:fillRef>
-        <a:effectRef idx="2">
+        <a:effectRef idx="0">
           <a:scrgbClr r="0" g="0" b="0"/>
         </a:effectRef>
         <a:fontRef idx="minor"/>
       </dsp:style>
-    </dsp:sp>
-    <dsp:sp modelId="{FE3B4C0B-D7AC-42BC-8447-3932A015E7A9}">
-      <dsp:nvSpPr>
-        <dsp:cNvPr id="0" name=""/>
-        <dsp:cNvSpPr/>
-      </dsp:nvSpPr>
-      <dsp:spPr>
-        <a:xfrm rot="10800000">
-          <a:off x="1755828" y="1364126"/>
-          <a:ext cx="5928741" cy="1049997"/>
-        </a:xfrm>
-        <a:prstGeom prst="homePlate">
-          <a:avLst/>
-        </a:prstGeom>
-        <a:gradFill rotWithShape="0">
-          <a:gsLst>
-            <a:gs pos="0">
-              <a:schemeClr val="lt1">
-                <a:hueOff val="0"/>
-                <a:satOff val="0"/>
-                <a:lumOff val="0"/>
-                <a:alphaOff val="0"/>
-                <a:tint val="96000"/>
-                <a:lumMod val="104000"/>
-              </a:schemeClr>
-            </a:gs>
-            <a:gs pos="100000">
-              <a:schemeClr val="lt1">
-                <a:hueOff val="0"/>
-                <a:satOff val="0"/>
-                <a:lumOff val="0"/>
-                <a:alphaOff val="0"/>
-                <a:shade val="98000"/>
-                <a:lumMod val="94000"/>
-              </a:schemeClr>
-            </a:gs>
-          </a:gsLst>
-          <a:lin ang="5400000" scaled="0"/>
-        </a:gradFill>
-        <a:ln>
-          <a:noFill/>
-        </a:ln>
-        <a:effectLst>
-          <a:outerShdw blurRad="38100" dist="25400" dir="5400000" rotWithShape="0">
-            <a:srgbClr val="000000">
-              <a:alpha val="25000"/>
-            </a:srgbClr>
-          </a:outerShdw>
-        </a:effectLst>
-      </dsp:spPr>
-      <dsp:style>
-        <a:lnRef idx="0">
-          <a:scrgbClr r="0" g="0" b="0"/>
-        </a:lnRef>
-        <a:fillRef idx="3">
-          <a:scrgbClr r="0" g="0" b="0"/>
-        </a:fillRef>
-        <a:effectRef idx="2">
-          <a:scrgbClr r="0" g="0" b="0"/>
-        </a:effectRef>
-        <a:fontRef idx="minor">
-          <a:schemeClr val="lt1"/>
-        </a:fontRef>
-      </dsp:style>
       <dsp:txBody>
-        <a:bodyPr spcFirstLastPara="0" vert="horz" wrap="square" lIns="463020" tIns="163830" rIns="305816" bIns="163830" numCol="1" spcCol="1270" anchor="ctr" anchorCtr="0">
+        <a:bodyPr spcFirstLastPara="0" vert="horz" wrap="square" lIns="20320" tIns="20320" rIns="20320" bIns="20320" numCol="1" spcCol="1270" anchor="ctr" anchorCtr="0">
           <a:noAutofit/>
         </a:bodyPr>
         <a:lstStyle/>
         <a:p>
-          <a:pPr lvl="0" algn="ctr" defTabSz="1911350">
+          <a:pPr lvl="0" algn="l" defTabSz="711200">
             <a:lnSpc>
               <a:spcPct val="90000"/>
             </a:lnSpc>
@@ -1408,36 +1537,36 @@
               <a:spcPct val="0"/>
             </a:spcBef>
             <a:spcAft>
-              <a:spcPct val="35000"/>
+              <a:spcPct val="10000"/>
             </a:spcAft>
           </a:pPr>
           <a:r>
-            <a:rPr lang="en-US" sz="4300" kern="1200" dirty="0" err="1" smtClean="0"/>
-            <a:t>Radnik</a:t>
+            <a:rPr lang="sr-Latn-BA" sz="1600" kern="1200" dirty="0" smtClean="0"/>
+            <a:t>Administrator</a:t>
           </a:r>
-          <a:endParaRPr lang="en-US" sz="4300" kern="1200" dirty="0"/>
+          <a:endParaRPr lang="sr-Latn-BA" sz="1300" kern="1200" dirty="0" smtClean="0"/>
         </a:p>
       </dsp:txBody>
-      <dsp:txXfrm rot="10800000">
-        <a:off x="2018327" y="1364126"/>
-        <a:ext cx="5666242" cy="1049997"/>
+      <dsp:txXfrm>
+        <a:off x="4062206" y="11334"/>
+        <a:ext cx="1474905" cy="857662"/>
       </dsp:txXfrm>
     </dsp:sp>
-    <dsp:sp modelId="{F4890FCB-A391-4315-A974-A4968AA960DD}">
+    <dsp:sp modelId="{AE2532A5-34F4-4ABB-AE74-5DFF47C6F9F1}">
       <dsp:nvSpPr>
         <dsp:cNvPr id="0" name=""/>
         <dsp:cNvSpPr/>
       </dsp:nvSpPr>
       <dsp:spPr>
         <a:xfrm>
-          <a:off x="1230830" y="1364126"/>
-          <a:ext cx="1049997" cy="1049997"/>
+          <a:off x="3288307" y="825169"/>
+          <a:ext cx="886184" cy="885999"/>
         </a:xfrm>
         <a:prstGeom prst="ellipse">
           <a:avLst/>
         </a:prstGeom>
         <a:blipFill>
-          <a:blip xmlns:r="http://schemas.openxmlformats.org/officeDocument/2006/relationships" r:embed="rId1">
+          <a:blip xmlns:r="http://schemas.openxmlformats.org/officeDocument/2006/relationships" r:embed="rId2">
             <a:extLst>
               <a:ext uri="{28A0092B-C50C-407E-A947-70E740481C1C}">
                 <a14:useLocalDpi xmlns:a14="http://schemas.microsoft.com/office/drawing/2010/main" val="0"/>
@@ -1449,100 +1578,70 @@
             <a:fillRect l="-25000" r="-25000"/>
           </a:stretch>
         </a:blipFill>
+        <a:ln w="15875" cap="rnd" cmpd="sng" algn="ctr">
+          <a:solidFill>
+            <a:schemeClr val="lt1">
+              <a:hueOff val="0"/>
+              <a:satOff val="0"/>
+              <a:lumOff val="0"/>
+              <a:alphaOff val="0"/>
+            </a:schemeClr>
+          </a:solidFill>
+          <a:prstDash val="solid"/>
+        </a:ln>
+        <a:effectLst/>
+      </dsp:spPr>
+      <dsp:style>
+        <a:lnRef idx="2">
+          <a:scrgbClr r="0" g="0" b="0"/>
+        </a:lnRef>
+        <a:fillRef idx="1">
+          <a:scrgbClr r="0" g="0" b="0"/>
+        </a:fillRef>
+        <a:effectRef idx="0">
+          <a:scrgbClr r="0" g="0" b="0"/>
+        </a:effectRef>
+        <a:fontRef idx="minor"/>
+      </dsp:style>
+    </dsp:sp>
+    <dsp:sp modelId="{4F9F5666-0E35-4AA9-9D80-F32B4E869FBD}">
+      <dsp:nvSpPr>
+        <dsp:cNvPr id="0" name=""/>
+        <dsp:cNvSpPr/>
+      </dsp:nvSpPr>
+      <dsp:spPr>
+        <a:xfrm>
+          <a:off x="4858657" y="840660"/>
+          <a:ext cx="1186273" cy="857662"/>
+        </a:xfrm>
+        <a:prstGeom prst="rect">
+          <a:avLst/>
+        </a:prstGeom>
+        <a:noFill/>
         <a:ln>
           <a:noFill/>
         </a:ln>
-        <a:effectLst>
-          <a:outerShdw blurRad="38100" dist="25400" dir="5400000" rotWithShape="0">
-            <a:srgbClr val="000000">
-              <a:alpha val="25000"/>
-            </a:srgbClr>
-          </a:outerShdw>
-        </a:effectLst>
+        <a:effectLst/>
       </dsp:spPr>
       <dsp:style>
         <a:lnRef idx="0">
           <a:scrgbClr r="0" g="0" b="0"/>
         </a:lnRef>
-        <a:fillRef idx="1">
+        <a:fillRef idx="0">
           <a:scrgbClr r="0" g="0" b="0"/>
         </a:fillRef>
-        <a:effectRef idx="2">
+        <a:effectRef idx="0">
           <a:scrgbClr r="0" g="0" b="0"/>
         </a:effectRef>
         <a:fontRef idx="minor"/>
       </dsp:style>
-    </dsp:sp>
-    <dsp:sp modelId="{F3EB86F0-6253-4494-8F0A-5591BB655E2B}">
-      <dsp:nvSpPr>
-        <dsp:cNvPr id="0" name=""/>
-        <dsp:cNvSpPr/>
-      </dsp:nvSpPr>
-      <dsp:spPr>
-        <a:xfrm rot="10800000">
-          <a:off x="1755828" y="2727555"/>
-          <a:ext cx="5928741" cy="1049997"/>
-        </a:xfrm>
-        <a:prstGeom prst="homePlate">
-          <a:avLst/>
-        </a:prstGeom>
-        <a:gradFill rotWithShape="0">
-          <a:gsLst>
-            <a:gs pos="0">
-              <a:schemeClr val="lt1">
-                <a:hueOff val="0"/>
-                <a:satOff val="0"/>
-                <a:lumOff val="0"/>
-                <a:alphaOff val="0"/>
-                <a:tint val="96000"/>
-                <a:lumMod val="104000"/>
-              </a:schemeClr>
-            </a:gs>
-            <a:gs pos="100000">
-              <a:schemeClr val="lt1">
-                <a:hueOff val="0"/>
-                <a:satOff val="0"/>
-                <a:lumOff val="0"/>
-                <a:alphaOff val="0"/>
-                <a:shade val="98000"/>
-                <a:lumMod val="94000"/>
-              </a:schemeClr>
-            </a:gs>
-          </a:gsLst>
-          <a:lin ang="5400000" scaled="0"/>
-        </a:gradFill>
-        <a:ln>
-          <a:noFill/>
-        </a:ln>
-        <a:effectLst>
-          <a:outerShdw blurRad="38100" dist="25400" dir="5400000" rotWithShape="0">
-            <a:srgbClr val="000000">
-              <a:alpha val="25000"/>
-            </a:srgbClr>
-          </a:outerShdw>
-        </a:effectLst>
-      </dsp:spPr>
-      <dsp:style>
-        <a:lnRef idx="0">
-          <a:scrgbClr r="0" g="0" b="0"/>
-        </a:lnRef>
-        <a:fillRef idx="3">
-          <a:scrgbClr r="0" g="0" b="0"/>
-        </a:fillRef>
-        <a:effectRef idx="2">
-          <a:scrgbClr r="0" g="0" b="0"/>
-        </a:effectRef>
-        <a:fontRef idx="minor">
-          <a:schemeClr val="lt1"/>
-        </a:fontRef>
-      </dsp:style>
       <dsp:txBody>
-        <a:bodyPr spcFirstLastPara="0" vert="horz" wrap="square" lIns="463020" tIns="163830" rIns="305816" bIns="163830" numCol="1" spcCol="1270" anchor="ctr" anchorCtr="0">
+        <a:bodyPr spcFirstLastPara="0" vert="horz" wrap="square" lIns="20320" tIns="20320" rIns="20320" bIns="20320" numCol="1" spcCol="1270" anchor="ctr" anchorCtr="0">
           <a:noAutofit/>
         </a:bodyPr>
         <a:lstStyle/>
         <a:p>
-          <a:pPr lvl="0" algn="ctr" defTabSz="1911350">
+          <a:pPr lvl="0" algn="l" defTabSz="711200">
             <a:lnSpc>
               <a:spcPct val="90000"/>
             </a:lnSpc>
@@ -1550,36 +1649,36 @@
               <a:spcPct val="0"/>
             </a:spcBef>
             <a:spcAft>
-              <a:spcPct val="35000"/>
+              <a:spcPct val="10000"/>
             </a:spcAft>
           </a:pPr>
           <a:r>
-            <a:rPr lang="en-US" sz="4300" kern="1200" dirty="0" smtClean="0"/>
-            <a:t>Administrator</a:t>
+            <a:rPr lang="sr-Latn-BA" sz="1600" kern="1200" dirty="0" smtClean="0"/>
+            <a:t>Radnik</a:t>
           </a:r>
-          <a:endParaRPr lang="en-US" sz="4300" kern="1200" dirty="0"/>
+          <a:endParaRPr lang="en-US" sz="1300" kern="1200" dirty="0"/>
         </a:p>
       </dsp:txBody>
-      <dsp:txXfrm rot="10800000">
-        <a:off x="2018327" y="2727555"/>
-        <a:ext cx="5666242" cy="1049997"/>
+      <dsp:txXfrm>
+        <a:off x="4858657" y="840660"/>
+        <a:ext cx="1186273" cy="857662"/>
       </dsp:txXfrm>
     </dsp:sp>
-    <dsp:sp modelId="{04171C56-80B8-468A-88A9-D529BA2AC4E8}">
+    <dsp:sp modelId="{2FFC460E-85CE-4127-89AB-2EE4BB6B386C}">
       <dsp:nvSpPr>
         <dsp:cNvPr id="0" name=""/>
         <dsp:cNvSpPr/>
       </dsp:nvSpPr>
       <dsp:spPr>
         <a:xfrm>
-          <a:off x="1230830" y="2727555"/>
-          <a:ext cx="1049997" cy="1049997"/>
+          <a:off x="3284908" y="2038365"/>
+          <a:ext cx="886184" cy="885999"/>
         </a:xfrm>
         <a:prstGeom prst="ellipse">
           <a:avLst/>
         </a:prstGeom>
         <a:blipFill>
-          <a:blip xmlns:r="http://schemas.openxmlformats.org/officeDocument/2006/relationships" r:embed="rId1">
+          <a:blip xmlns:r="http://schemas.openxmlformats.org/officeDocument/2006/relationships" r:embed="rId2">
             <a:extLst>
               <a:ext uri="{28A0092B-C50C-407E-A947-70E740481C1C}">
                 <a14:useLocalDpi xmlns:a14="http://schemas.microsoft.com/office/drawing/2010/main" val="0"/>
@@ -1591,47 +1690,247 @@
             <a:fillRect l="-25000" r="-25000"/>
           </a:stretch>
         </a:blipFill>
+        <a:ln w="15875" cap="rnd" cmpd="sng" algn="ctr">
+          <a:solidFill>
+            <a:schemeClr val="lt1">
+              <a:hueOff val="0"/>
+              <a:satOff val="0"/>
+              <a:lumOff val="0"/>
+              <a:alphaOff val="0"/>
+            </a:schemeClr>
+          </a:solidFill>
+          <a:prstDash val="solid"/>
+        </a:ln>
+        <a:effectLst/>
+      </dsp:spPr>
+      <dsp:style>
+        <a:lnRef idx="2">
+          <a:scrgbClr r="0" g="0" b="0"/>
+        </a:lnRef>
+        <a:fillRef idx="1">
+          <a:scrgbClr r="0" g="0" b="0"/>
+        </a:fillRef>
+        <a:effectRef idx="0">
+          <a:scrgbClr r="0" g="0" b="0"/>
+        </a:effectRef>
+        <a:fontRef idx="minor"/>
+      </dsp:style>
+    </dsp:sp>
+    <dsp:sp modelId="{30891A23-2DCF-424C-98D8-20DED18605DF}">
+      <dsp:nvSpPr>
+        <dsp:cNvPr id="0" name=""/>
+        <dsp:cNvSpPr/>
+      </dsp:nvSpPr>
+      <dsp:spPr>
+        <a:xfrm>
+          <a:off x="4709252" y="2052723"/>
+          <a:ext cx="1485084" cy="857662"/>
+        </a:xfrm>
+        <a:prstGeom prst="rect">
+          <a:avLst/>
+        </a:prstGeom>
+        <a:noFill/>
         <a:ln>
           <a:noFill/>
         </a:ln>
-        <a:effectLst>
-          <a:outerShdw blurRad="38100" dist="25400" dir="5400000" rotWithShape="0">
-            <a:srgbClr val="000000">
-              <a:alpha val="25000"/>
-            </a:srgbClr>
-          </a:outerShdw>
-        </a:effectLst>
+        <a:effectLst/>
       </dsp:spPr>
       <dsp:style>
         <a:lnRef idx="0">
           <a:scrgbClr r="0" g="0" b="0"/>
         </a:lnRef>
-        <a:fillRef idx="1">
+        <a:fillRef idx="0">
           <a:scrgbClr r="0" g="0" b="0"/>
         </a:fillRef>
-        <a:effectRef idx="2">
+        <a:effectRef idx="0">
           <a:scrgbClr r="0" g="0" b="0"/>
         </a:effectRef>
         <a:fontRef idx="minor"/>
       </dsp:style>
+      <dsp:txBody>
+        <a:bodyPr spcFirstLastPara="0" vert="horz" wrap="square" lIns="20320" tIns="20320" rIns="20320" bIns="20320" numCol="1" spcCol="1270" anchor="ctr" anchorCtr="0">
+          <a:noAutofit/>
+        </a:bodyPr>
+        <a:lstStyle/>
+        <a:p>
+          <a:pPr lvl="0" algn="l" defTabSz="711200">
+            <a:lnSpc>
+              <a:spcPct val="90000"/>
+            </a:lnSpc>
+            <a:spcBef>
+              <a:spcPct val="0"/>
+            </a:spcBef>
+            <a:spcAft>
+              <a:spcPct val="10000"/>
+            </a:spcAft>
+          </a:pPr>
+          <a:r>
+            <a:rPr lang="sr-Latn-BA" sz="1600" kern="1200" dirty="0" smtClean="0"/>
+            <a:t>Registrovani</a:t>
+          </a:r>
+          <a:r>
+            <a:rPr lang="sr-Latn-BA" sz="1300" kern="1200" dirty="0" smtClean="0"/>
+            <a:t> </a:t>
+          </a:r>
+          <a:r>
+            <a:rPr lang="sr-Latn-BA" sz="1600" kern="1200" dirty="0" smtClean="0"/>
+            <a:t>korisnik</a:t>
+          </a:r>
+          <a:endParaRPr lang="en-US" sz="1300" kern="1200" dirty="0"/>
+        </a:p>
+      </dsp:txBody>
+      <dsp:txXfrm>
+        <a:off x="4709252" y="2052723"/>
+        <a:ext cx="1485084" cy="857662"/>
+      </dsp:txXfrm>
+    </dsp:sp>
+    <dsp:sp modelId="{6D18923C-0A76-462F-AC28-8FDE4EF4C870}">
+      <dsp:nvSpPr>
+        <dsp:cNvPr id="0" name=""/>
+        <dsp:cNvSpPr/>
+      </dsp:nvSpPr>
+      <dsp:spPr>
+        <a:xfrm>
+          <a:off x="2633744" y="2825578"/>
+          <a:ext cx="886184" cy="885999"/>
+        </a:xfrm>
+        <a:prstGeom prst="ellipse">
+          <a:avLst/>
+        </a:prstGeom>
+        <a:blipFill>
+          <a:blip xmlns:r="http://schemas.openxmlformats.org/officeDocument/2006/relationships" r:embed="rId2">
+            <a:extLst>
+              <a:ext uri="{28A0092B-C50C-407E-A947-70E740481C1C}">
+                <a14:useLocalDpi xmlns:a14="http://schemas.microsoft.com/office/drawing/2010/main" val="0"/>
+              </a:ext>
+            </a:extLst>
+          </a:blip>
+          <a:srcRect/>
+          <a:stretch>
+            <a:fillRect l="-25000" r="-25000"/>
+          </a:stretch>
+        </a:blipFill>
+        <a:ln w="15875" cap="rnd" cmpd="sng" algn="ctr">
+          <a:solidFill>
+            <a:schemeClr val="lt1">
+              <a:hueOff val="0"/>
+              <a:satOff val="0"/>
+              <a:lumOff val="0"/>
+              <a:alphaOff val="0"/>
+            </a:schemeClr>
+          </a:solidFill>
+          <a:prstDash val="solid"/>
+        </a:ln>
+        <a:effectLst/>
+      </dsp:spPr>
+      <dsp:style>
+        <a:lnRef idx="2">
+          <a:scrgbClr r="0" g="0" b="0"/>
+        </a:lnRef>
+        <a:fillRef idx="1">
+          <a:scrgbClr r="0" g="0" b="0"/>
+        </a:fillRef>
+        <a:effectRef idx="0">
+          <a:scrgbClr r="0" g="0" b="0"/>
+        </a:effectRef>
+        <a:fontRef idx="minor"/>
+      </dsp:style>
+    </dsp:sp>
+    <dsp:sp modelId="{96ED8390-1DF1-4967-880A-465FD76D0DE8}">
+      <dsp:nvSpPr>
+        <dsp:cNvPr id="0" name=""/>
+        <dsp:cNvSpPr/>
+      </dsp:nvSpPr>
+      <dsp:spPr>
+        <a:xfrm>
+          <a:off x="3939884" y="2910385"/>
+          <a:ext cx="1719551" cy="857662"/>
+        </a:xfrm>
+        <a:prstGeom prst="rect">
+          <a:avLst/>
+        </a:prstGeom>
+        <a:noFill/>
+        <a:ln>
+          <a:noFill/>
+        </a:ln>
+        <a:effectLst/>
+      </dsp:spPr>
+      <dsp:style>
+        <a:lnRef idx="0">
+          <a:scrgbClr r="0" g="0" b="0"/>
+        </a:lnRef>
+        <a:fillRef idx="0">
+          <a:scrgbClr r="0" g="0" b="0"/>
+        </a:fillRef>
+        <a:effectRef idx="0">
+          <a:scrgbClr r="0" g="0" b="0"/>
+        </a:effectRef>
+        <a:fontRef idx="minor"/>
+      </dsp:style>
+      <dsp:txBody>
+        <a:bodyPr spcFirstLastPara="0" vert="horz" wrap="square" lIns="20320" tIns="20320" rIns="20320" bIns="20320" numCol="1" spcCol="1270" anchor="ctr" anchorCtr="0">
+          <a:noAutofit/>
+        </a:bodyPr>
+        <a:lstStyle/>
+        <a:p>
+          <a:pPr lvl="0" algn="l" defTabSz="711200">
+            <a:lnSpc>
+              <a:spcPct val="90000"/>
+            </a:lnSpc>
+            <a:spcBef>
+              <a:spcPct val="0"/>
+            </a:spcBef>
+            <a:spcAft>
+              <a:spcPct val="10000"/>
+            </a:spcAft>
+          </a:pPr>
+          <a:r>
+            <a:rPr lang="sr-Latn-BA" sz="1600" kern="1200" dirty="0" smtClean="0"/>
+            <a:t>Neregistrovani korisnik</a:t>
+          </a:r>
+          <a:endParaRPr lang="en-US" sz="1600" kern="1200" dirty="0"/>
+        </a:p>
+      </dsp:txBody>
+      <dsp:txXfrm>
+        <a:off x="3939884" y="2910385"/>
+        <a:ext cx="1719551" cy="857662"/>
+      </dsp:txXfrm>
     </dsp:sp>
   </dsp:spTree>
 </dsp:drawing>
 </file>
 
 <file path=ppt/diagrams/layout1.xml><?xml version="1.0" encoding="utf-8"?>
-<dgm:layoutDef xmlns:dgm="http://schemas.openxmlformats.org/drawingml/2006/diagram" xmlns:a="http://schemas.openxmlformats.org/drawingml/2006/main" uniqueId="urn:microsoft.com/office/officeart/2005/8/layout/vList3">
-  <dgm:title val=""/>
-  <dgm:desc val=""/>
+<dgm:layoutDef xmlns:dgm="http://schemas.openxmlformats.org/drawingml/2006/diagram" xmlns:a="http://schemas.openxmlformats.org/drawingml/2006/main" uniqueId="urn:microsoft.com/office/officeart/2011/layout/RadialPictureList">
+  <dgm:title val="Radial Picture List"/>
+  <dgm:desc val="Use to show relationships to a central idea. The Level 1 shape contains text and all Level 2 shapes contain a picture with corresponding text. Limited to four Level 2 pictures.  Unused pictures do not appear, but remain available if you switch layouts. Works best with a small amount of Level 2 text."/>
   <dgm:catLst>
-    <dgm:cat type="list" pri="14000"/>
-    <dgm:cat type="convert" pri="3000"/>
-    <dgm:cat type="picture" pri="27000"/>
-    <dgm:cat type="pictureconvert" pri="27000"/>
+    <dgm:cat type="picture" pri="2500"/>
+    <dgm:cat type="officeonline" pri="2500"/>
   </dgm:catLst>
-  <dgm:sampData useDef="1">
+  <dgm:sampData>
     <dgm:dataModel>
-      <dgm:ptLst/>
+      <dgm:ptLst>
+        <dgm:pt modelId="0" type="doc"/>
+        <dgm:pt modelId="10">
+          <dgm:prSet phldr="1"/>
+        </dgm:pt>
+        <dgm:pt modelId="11">
+          <dgm:prSet phldr="1"/>
+        </dgm:pt>
+        <dgm:pt modelId="12">
+          <dgm:prSet phldr="1"/>
+        </dgm:pt>
+        <dgm:pt modelId="13">
+          <dgm:prSet phldr="1"/>
+        </dgm:pt>
+      </dgm:ptLst>
+      <dgm:cxnLst>
+        <dgm:cxn modelId="1" srcId="0" destId="10" srcOrd="0" destOrd="0"/>
+        <dgm:cxn modelId="2" srcId="10" destId="11" srcOrd="0" destOrd="0"/>
+        <dgm:cxn modelId="3" srcId="10" destId="12" srcOrd="1" destOrd="0"/>
+        <dgm:cxn modelId="4" srcId="10" destId="13" srcOrd="2" destOrd="0"/>
+      </dgm:cxnLst>
       <dgm:bg/>
       <dgm:whole/>
     </dgm:dataModel>
@@ -1640,12 +1939,20 @@
     <dgm:dataModel>
       <dgm:ptLst>
         <dgm:pt modelId="0" type="doc"/>
-        <dgm:pt modelId="1"/>
-        <dgm:pt modelId="2"/>
+        <dgm:pt modelId="10">
+          <dgm:prSet phldr="1"/>
+        </dgm:pt>
+        <dgm:pt modelId="11">
+          <dgm:prSet phldr="1"/>
+        </dgm:pt>
+        <dgm:pt modelId="12">
+          <dgm:prSet phldr="1"/>
+        </dgm:pt>
       </dgm:ptLst>
       <dgm:cxnLst>
-        <dgm:cxn modelId="3" srcId="0" destId="1" srcOrd="0" destOrd="0"/>
-        <dgm:cxn modelId="4" srcId="0" destId="2" srcOrd="1" destOrd="0"/>
+        <dgm:cxn modelId="1" srcId="0" destId="10" srcOrd="0" destOrd="0"/>
+        <dgm:cxn modelId="2" srcId="10" destId="11" srcOrd="0" destOrd="0"/>
+        <dgm:cxn modelId="3" srcId="10" destId="12" srcOrd="1" destOrd="0"/>
       </dgm:cxnLst>
       <dgm:bg/>
       <dgm:whole/>
@@ -1655,139 +1962,736 @@
     <dgm:dataModel>
       <dgm:ptLst>
         <dgm:pt modelId="0" type="doc"/>
-        <dgm:pt modelId="1"/>
-        <dgm:pt modelId="2"/>
-        <dgm:pt modelId="3"/>
-        <dgm:pt modelId="4"/>
+        <dgm:pt modelId="10">
+          <dgm:prSet phldr="1"/>
+        </dgm:pt>
+        <dgm:pt modelId="11">
+          <dgm:prSet phldr="1"/>
+        </dgm:pt>
+        <dgm:pt modelId="12">
+          <dgm:prSet phldr="1"/>
+        </dgm:pt>
+        <dgm:pt modelId="13">
+          <dgm:prSet phldr="1"/>
+        </dgm:pt>
+        <dgm:pt modelId="14">
+          <dgm:prSet phldr="1"/>
+        </dgm:pt>
       </dgm:ptLst>
       <dgm:cxnLst>
-        <dgm:cxn modelId="5" srcId="0" destId="1" srcOrd="0" destOrd="0"/>
-        <dgm:cxn modelId="6" srcId="0" destId="2" srcOrd="1" destOrd="0"/>
-        <dgm:cxn modelId="7" srcId="0" destId="3" srcOrd="2" destOrd="0"/>
-        <dgm:cxn modelId="8" srcId="0" destId="4" srcOrd="3" destOrd="0"/>
+        <dgm:cxn modelId="1" srcId="0" destId="10" srcOrd="0" destOrd="0"/>
+        <dgm:cxn modelId="2" srcId="10" destId="11" srcOrd="0" destOrd="0"/>
+        <dgm:cxn modelId="3" srcId="10" destId="12" srcOrd="1" destOrd="0"/>
+        <dgm:cxn modelId="4" srcId="10" destId="13" srcOrd="2" destOrd="0"/>
+        <dgm:cxn modelId="5" srcId="10" destId="14" srcOrd="3" destOrd="0"/>
       </dgm:cxnLst>
       <dgm:bg/>
       <dgm:whole/>
     </dgm:dataModel>
   </dgm:clrData>
-  <dgm:layoutNode name="linearFlow">
+  <dgm:layoutNode name="Name0">
     <dgm:varLst>
+      <dgm:chMax val="1"/>
+      <dgm:chPref val="1"/>
       <dgm:dir/>
-      <dgm:resizeHandles val="exact"/>
+      <dgm:resizeHandles/>
     </dgm:varLst>
-    <dgm:alg type="lin">
-      <dgm:param type="linDir" val="fromT"/>
-      <dgm:param type="vertAlign" val="mid"/>
-      <dgm:param type="horzAlign" val="ctr"/>
-    </dgm:alg>
     <dgm:shape xmlns:r="http://schemas.openxmlformats.org/officeDocument/2006/relationships" r:blip="">
       <dgm:adjLst/>
     </dgm:shape>
-    <dgm:presOf/>
-    <dgm:constrLst>
-      <dgm:constr type="w" for="ch" forName="composite" refType="w"/>
-      <dgm:constr type="h" for="ch" forName="composite" refType="h"/>
-      <dgm:constr type="h" for="ch" forName="spacing" refType="h" refFor="ch" refForName="composite" fact="0.25"/>
-      <dgm:constr type="h" for="ch" forName="spacing" refType="w" op="lte" fact="0.1"/>
-      <dgm:constr type="primFontSz" for="des" ptType="node" op="equ" val="65"/>
-    </dgm:constrLst>
-    <dgm:ruleLst/>
-    <dgm:forEach name="Name0" axis="ch" ptType="node">
-      <dgm:layoutNode name="composite">
-        <dgm:alg type="composite"/>
-        <dgm:shape xmlns:r="http://schemas.openxmlformats.org/officeDocument/2006/relationships" r:blip="">
-          <dgm:adjLst/>
-        </dgm:shape>
-        <dgm:presOf/>
-        <dgm:choose name="Name1">
-          <dgm:if name="Name2" func="var" arg="dir" op="equ" val="norm">
+    <dgm:choose name="Name1">
+      <dgm:if name="Name2" func="var" arg="dir" op="equ" val="norm">
+        <dgm:choose name="Name3">
+          <dgm:if name="Name4" axis="ch ch" ptType="node node" st="1 1" cnt="1 0" func="cnt" op="equ" val="0">
+            <dgm:alg type="composite">
+              <dgm:param type="ar" val="1"/>
+            </dgm:alg>
             <dgm:constrLst>
-              <dgm:constr type="w" for="ch" forName="imgShp" refType="w" fact="0.335"/>
-              <dgm:constr type="h" for="ch" forName="imgShp" refType="w" refFor="ch" refForName="imgShp" op="equ"/>
-              <dgm:constr type="h" for="ch" forName="imgShp" refType="h" op="lte"/>
-              <dgm:constr type="ctrY" for="ch" forName="imgShp" refType="h" fact="0.5"/>
-              <dgm:constr type="l" for="ch" forName="imgShp"/>
-              <dgm:constr type="w" for="ch" forName="txShp" refType="w" op="equ" fact="0.665"/>
-              <dgm:constr type="h" for="ch" forName="txShp" refType="h" refFor="ch" refForName="imgShp" op="equ"/>
-              <dgm:constr type="ctrY" for="ch" forName="txShp" refType="h" fact="0.5"/>
-              <dgm:constr type="l" for="ch" forName="txShp" refType="w" refFor="ch" refForName="imgShp" fact="0.5"/>
-              <dgm:constr type="lMarg" for="ch" forName="txShp" refType="w" refFor="ch" refForName="imgShp" fact="1.25"/>
+              <dgm:constr type="primFontSz" for="des" forName="Parent" val="65"/>
+              <dgm:constr type="l" for="ch" forName="Parent" refType="w" fact="0"/>
+              <dgm:constr type="t" for="ch" forName="Parent" refType="h" fact="0"/>
+              <dgm:constr type="w" for="ch" forName="Parent" refType="w"/>
+              <dgm:constr type="h" for="ch" forName="Parent" refType="h"/>
             </dgm:constrLst>
           </dgm:if>
-          <dgm:else name="Name3">
+          <dgm:if name="Name5" axis="ch ch" ptType="node node" st="1 1" cnt="1 0" func="cnt" op="equ" val="1">
+            <dgm:alg type="composite">
+              <dgm:param type="ar" val="1.4218"/>
+            </dgm:alg>
             <dgm:constrLst>
-              <dgm:constr type="w" for="ch" forName="imgShp" refType="w" fact="0.335"/>
-              <dgm:constr type="h" for="ch" forName="imgShp" refType="w" refFor="ch" refForName="imgShp" op="equ"/>
-              <dgm:constr type="h" for="ch" forName="imgShp" refType="h" op="lte"/>
-              <dgm:constr type="ctrY" for="ch" forName="imgShp" refType="h" fact="0.5"/>
-              <dgm:constr type="r" for="ch" forName="imgShp" refType="w"/>
-              <dgm:constr type="w" for="ch" forName="txShp" refType="w" op="equ" fact="0.665"/>
-              <dgm:constr type="h" for="ch" forName="txShp" refType="h" refFor="ch" refForName="imgShp" op="equ"/>
-              <dgm:constr type="ctrY" for="ch" forName="txShp" refType="h" fact="0.5"/>
-              <dgm:constr type="r" for="ch" forName="txShp" refType="ctrX" refFor="ch" refForName="imgShp"/>
-              <dgm:constr type="rMarg" for="ch" forName="txShp" refType="w" refFor="ch" refForName="imgShp" fact="1.25"/>
+              <dgm:constr type="primFontSz" for="des" forName="Child1" val="65"/>
+              <dgm:constr type="primFontSz" for="des" forName="Parent" val="65"/>
+              <dgm:constr type="primFontSz" for="des" forName="Child1" refType="primFontSz" refFor="des" refForName="Parent" op="lte"/>
+              <dgm:constr type="l" for="ch" forName="Accent" refType="w" fact="0"/>
+              <dgm:constr type="t" for="ch" forName="Accent" refType="h" fact="0"/>
+              <dgm:constr type="w" for="ch" forName="Accent" refType="w" fact="0.6747"/>
+              <dgm:constr type="h" for="ch" forName="Accent" refType="h"/>
+              <dgm:constr type="l" for="ch" forName="Child1" refType="w" fact="0.76"/>
+              <dgm:constr type="t" for="ch" forName="Child1" refType="h" fact="0.3739"/>
+              <dgm:constr type="w" for="ch" forName="Child1" refType="w" fact="0.24"/>
+              <dgm:constr type="h" for="ch" forName="Child1" refType="h" fact="0.255"/>
+              <dgm:constr type="l" for="ch" forName="Parent" refType="w" fact="0.1726"/>
+              <dgm:constr type="t" for="ch" forName="Parent" refType="h" fact="0.2646"/>
+              <dgm:constr type="w" for="ch" forName="Parent" refType="w" fact="0.3347"/>
+              <dgm:constr type="h" for="ch" forName="Parent" refType="h" fact="0.4759"/>
+              <dgm:constr type="l" for="ch" forName="Image1" refType="w" fact="0.5661"/>
+              <dgm:constr type="t" for="ch" forName="Image1" refType="h" fact="0.3744"/>
+              <dgm:constr type="w" for="ch" forName="Image1" refType="w" fact="0.1793"/>
+              <dgm:constr type="h" for="ch" forName="Image1" refType="h" fact="0.255"/>
+            </dgm:constrLst>
+          </dgm:if>
+          <dgm:if name="Name6" axis="ch ch" ptType="node node" st="1 1" cnt="1 0" func="cnt" op="equ" val="2">
+            <dgm:alg type="composite">
+              <dgm:param type="ar" val="1.381"/>
+            </dgm:alg>
+            <dgm:constrLst>
+              <dgm:constr type="primFontSz" for="des" forName="Child1" val="65"/>
+              <dgm:constr type="primFontSz" for="des" forName="Parent" val="65"/>
+              <dgm:constr type="primFontSz" for="des" forName="Child1" refType="primFontSz" refFor="des" refForName="Parent" op="lte"/>
+              <dgm:constr type="primFontSz" for="des" forName="Child2" refType="primFontSz" refFor="des" refForName="Parent" op="lte"/>
+              <dgm:constr type="primFontSz" for="des" forName="Child2" refType="primFontSz" refFor="des" refForName="Child1" op="equ"/>
+              <dgm:constr type="l" for="ch" forName="Accent" refType="w" fact="0"/>
+              <dgm:constr type="t" for="ch" forName="Accent" refType="h" fact="0"/>
+              <dgm:constr type="w" for="ch" forName="Accent" refType="w" fact="0.6946"/>
+              <dgm:constr type="h" for="ch" forName="Accent" refType="h"/>
+              <dgm:constr type="l" for="ch" forName="Parent" refType="w" fact="0.1777"/>
+              <dgm:constr type="t" for="ch" forName="Parent" refType="h" fact="0.2646"/>
+              <dgm:constr type="w" for="ch" forName="Parent" refType="w" fact="0.3446"/>
+              <dgm:constr type="h" for="ch" forName="Parent" refType="h" fact="0.4759"/>
+              <dgm:constr type="l" for="ch" forName="Image1" refType="w" fact="0.5531"/>
+              <dgm:constr type="t" for="ch" forName="Image1" refType="h" fact="0.1585"/>
+              <dgm:constr type="w" for="ch" forName="Image1" refType="w" fact="0.1846"/>
+              <dgm:constr type="h" for="ch" forName="Image1" refType="h" fact="0.255"/>
+              <dgm:constr type="l" for="ch" forName="Image2" refType="w" fact="0.5531"/>
+              <dgm:constr type="t" for="ch" forName="Image2" refType="h" fact="0.5624"/>
+              <dgm:constr type="w" for="ch" forName="Image2" refType="w" fact="0.1846"/>
+              <dgm:constr type="h" for="ch" forName="Image2" refType="h" fact="0.255"/>
+              <dgm:constr type="l" for="ch" forName="Child1" refType="w" fact="0.7529"/>
+              <dgm:constr type="t" for="ch" forName="Child1" refType="h" fact="0.1618"/>
+              <dgm:constr type="w" for="ch" forName="Child1" refType="w" fact="0.2471"/>
+              <dgm:constr type="h" for="ch" forName="Child1" refType="h" fact="0.2468"/>
+              <dgm:constr type="l" for="ch" forName="Child2" refType="w" fact="0.7529"/>
+              <dgm:constr type="t" for="ch" forName="Child2" refType="h" fact="0.5657"/>
+              <dgm:constr type="w" for="ch" forName="Child2" refType="w" fact="0.2471"/>
+              <dgm:constr type="h" for="ch" forName="Child2" refType="h" fact="0.2468"/>
+            </dgm:constrLst>
+          </dgm:if>
+          <dgm:if name="Name7" axis="ch ch" ptType="node node" st="1 1" cnt="1 0" func="cnt" op="equ" val="3">
+            <dgm:alg type="composite">
+              <dgm:param type="ar" val="1.4218"/>
+            </dgm:alg>
+            <dgm:constrLst>
+              <dgm:constr type="primFontSz" for="des" forName="Child1" val="65"/>
+              <dgm:constr type="primFontSz" for="des" forName="Parent" val="65"/>
+              <dgm:constr type="primFontSz" for="des" forName="Child1" refType="primFontSz" refFor="des" refForName="Parent" op="lte"/>
+              <dgm:constr type="primFontSz" for="des" forName="Child2" refType="primFontSz" refFor="des" refForName="Parent" op="lte"/>
+              <dgm:constr type="primFontSz" for="des" forName="Child3" refType="primFontSz" refFor="des" refForName="Parent" op="lte"/>
+              <dgm:constr type="primFontSz" for="des" forName="Child2" refType="primFontSz" refFor="des" refForName="Child1" op="equ"/>
+              <dgm:constr type="primFontSz" for="des" forName="Child3" refType="primFontSz" refFor="des" refForName="Child1" op="equ"/>
+              <dgm:constr type="l" for="ch" forName="Accent" refType="w" fact="0"/>
+              <dgm:constr type="t" for="ch" forName="Accent" refType="h" fact="0"/>
+              <dgm:constr type="w" for="ch" forName="Accent" refType="w" fact="0.6747"/>
+              <dgm:constr type="h" for="ch" forName="Accent" refType="h"/>
+              <dgm:constr type="l" for="ch" forName="Parent" refType="w" fact="0.1726"/>
+              <dgm:constr type="t" for="ch" forName="Parent" refType="h" fact="0.2646"/>
+              <dgm:constr type="w" for="ch" forName="Parent" refType="w" fact="0.3347"/>
+              <dgm:constr type="h" for="ch" forName="Parent" refType="h" fact="0.4759"/>
+              <dgm:constr type="l" for="ch" forName="Image1" refType="w" fact="0.4968"/>
+              <dgm:constr type="t" for="ch" forName="Image1" refType="h" fact="0.0843"/>
+              <dgm:constr type="w" for="ch" forName="Image1" refType="w" fact="0.1793"/>
+              <dgm:constr type="h" for="ch" forName="Image1" refType="h" fact="0.255"/>
+              <dgm:constr type="l" for="ch" forName="Image2" refType="w" fact="0.5661"/>
+              <dgm:constr type="t" for="ch" forName="Image2" refType="h" fact="0.3744"/>
+              <dgm:constr type="w" for="ch" forName="Image2" refType="w" fact="0.1793"/>
+              <dgm:constr type="h" for="ch" forName="Image2" refType="h" fact="0.255"/>
+              <dgm:constr type="l" for="ch" forName="Image3" refType="w" fact="0.4968"/>
+              <dgm:constr type="t" for="ch" forName="Image3" refType="h" fact="0.6686"/>
+              <dgm:constr type="w" for="ch" forName="Image3" refType="w" fact="0.1793"/>
+              <dgm:constr type="h" for="ch" forName="Image3" refType="h" fact="0.255"/>
+              <dgm:constr type="l" for="ch" forName="Child1" refType="w" fact="0.6897"/>
+              <dgm:constr type="t" for="ch" forName="Child1" refType="h" fact="0.0884"/>
+              <dgm:constr type="w" for="ch" forName="Child1" refType="w" fact="0.24"/>
+              <dgm:constr type="h" for="ch" forName="Child1" refType="h" fact="0.2468"/>
+              <dgm:constr type="l" for="ch" forName="Child2" refType="w" fact="0.76"/>
+              <dgm:constr type="t" for="ch" forName="Child2" refType="h" fact="0.378"/>
+              <dgm:constr type="w" for="ch" forName="Child2" refType="w" fact="0.24"/>
+              <dgm:constr type="h" for="ch" forName="Child2" refType="h" fact="0.2468"/>
+              <dgm:constr type="l" for="ch" forName="Child3" refType="w" fact="0.6897"/>
+              <dgm:constr type="t" for="ch" forName="Child3" refType="h" fact="0.6738"/>
+              <dgm:constr type="w" for="ch" forName="Child3" refType="w" fact="0.24"/>
+              <dgm:constr type="h" for="ch" forName="Child3" refType="h" fact="0.2468"/>
+            </dgm:constrLst>
+          </dgm:if>
+          <dgm:else name="Name8">
+            <dgm:alg type="composite">
+              <dgm:param type="ar" val="1.2852"/>
+            </dgm:alg>
+            <dgm:constrLst>
+              <dgm:constr type="primFontSz" for="des" forName="Child1" val="65"/>
+              <dgm:constr type="primFontSz" for="des" forName="Parent" val="65"/>
+              <dgm:constr type="primFontSz" for="des" forName="Child1" refType="primFontSz" refFor="des" refForName="Parent" op="lte"/>
+              <dgm:constr type="primFontSz" for="des" forName="Child2" refType="primFontSz" refFor="des" refForName="Parent" op="lte"/>
+              <dgm:constr type="primFontSz" for="des" forName="Child3" refType="primFontSz" refFor="des" refForName="Parent" op="lte"/>
+              <dgm:constr type="primFontSz" for="des" forName="Child4" refType="primFontSz" refFor="des" refForName="Parent" op="lte"/>
+              <dgm:constr type="primFontSz" for="des" forName="Child2" refType="primFontSz" refFor="des" refForName="Child1" op="equ"/>
+              <dgm:constr type="primFontSz" for="des" forName="Child3" refType="primFontSz" refFor="des" refForName="Child1" op="equ"/>
+              <dgm:constr type="primFontSz" for="des" forName="Child4" refType="primFontSz" refFor="des" refForName="Child1" op="equ"/>
+              <dgm:constr type="l" for="ch" forName="Accent" refType="w" fact="0"/>
+              <dgm:constr type="t" for="ch" forName="Accent" refType="h" fact="0.0361"/>
+              <dgm:constr type="w" for="ch" forName="Accent" refType="w" fact="0.6865"/>
+              <dgm:constr type="h" for="ch" forName="Accent" refType="h" fact="0.9197"/>
+              <dgm:constr type="l" for="ch" forName="Parent" refType="w" fact="0.1756"/>
+              <dgm:constr type="t" for="ch" forName="Parent" refType="h" fact="0.2795"/>
+              <dgm:constr type="w" for="ch" forName="Parent" refType="w" fact="0.3406"/>
+              <dgm:constr type="h" for="ch" forName="Parent" refType="h" fact="0.4377"/>
+              <dgm:constr type="l" for="ch" forName="Image1" refType="w" fact="0.425"/>
+              <dgm:constr type="t" for="ch" forName="Image1" refType="h" fact="0"/>
+              <dgm:constr type="w" for="ch" forName="Image1" refType="w" fact="0.1825"/>
+              <dgm:constr type="h" for="ch" forName="Image1" refType="h" fact="0.2345"/>
+              <dgm:constr type="l" for="ch" forName="Image2" refType="w" fact="0.5598"/>
+              <dgm:constr type="t" for="ch" forName="Image2" refType="h" fact="0.2184"/>
+              <dgm:constr type="w" for="ch" forName="Image2" refType="w" fact="0.1825"/>
+              <dgm:constr type="h" for="ch" forName="Image2" refType="h" fact="0.2345"/>
+              <dgm:constr type="l" for="ch" forName="Image3" refType="w" fact="0.5591"/>
+              <dgm:constr type="t" for="ch" forName="Image3" refType="h" fact="0.5395"/>
+              <dgm:constr type="w" for="ch" forName="Image3" refType="w" fact="0.1825"/>
+              <dgm:constr type="h" for="ch" forName="Image3" refType="h" fact="0.2345"/>
+              <dgm:constr type="l" for="ch" forName="Image4" refType="w" fact="0.425"/>
+              <dgm:constr type="t" for="ch" forName="Image4" refType="h" fact="0.7655"/>
+              <dgm:constr type="w" for="ch" forName="Image4" refType="w" fact="0.1825"/>
+              <dgm:constr type="h" for="ch" forName="Image4" refType="h" fact="0.2345"/>
+              <dgm:constr type="l" for="ch" forName="Child1" refType="w" fact="0.6214"/>
+              <dgm:constr type="t" for="ch" forName="Child1" refType="h" fact="0.003"/>
+              <dgm:constr type="w" for="ch" forName="Child1" refType="w" fact="0.2443"/>
+              <dgm:constr type="h" for="ch" forName="Child1" refType="h" fact="0.227"/>
+              <dgm:constr type="l" for="ch" forName="Child2" refType="w" fact="0.7557"/>
+              <dgm:constr type="t" for="ch" forName="Child2" refType="h" fact="0.2225"/>
+              <dgm:constr type="w" for="ch" forName="Child2" refType="w" fact="0.2443"/>
+              <dgm:constr type="h" for="ch" forName="Child2" refType="h" fact="0.227"/>
+              <dgm:constr type="l" for="ch" forName="Child3" refType="w" fact="0.7557"/>
+              <dgm:constr type="t" for="ch" forName="Child3" refType="h" fact="0.5433"/>
+              <dgm:constr type="w" for="ch" forName="Child3" refType="w" fact="0.2443"/>
+              <dgm:constr type="h" for="ch" forName="Child3" refType="h" fact="0.227"/>
+              <dgm:constr type="l" for="ch" forName="Child4" refType="w" fact="0.6214"/>
+              <dgm:constr type="t" for="ch" forName="Child4" refType="h" fact="0.7703"/>
+              <dgm:constr type="w" for="ch" forName="Child4" refType="w" fact="0.2443"/>
+              <dgm:constr type="h" for="ch" forName="Child4" refType="h" fact="0.227"/>
             </dgm:constrLst>
           </dgm:else>
         </dgm:choose>
-        <dgm:ruleLst/>
-        <dgm:layoutNode name="imgShp" styleLbl="fgImgPlace1">
+      </dgm:if>
+      <dgm:else name="Name9">
+        <dgm:choose name="Name10">
+          <dgm:if name="Name11" axis="ch ch" ptType="node node" st="1 1" cnt="1 0" func="cnt" op="equ" val="0">
+            <dgm:alg type="composite">
+              <dgm:param type="ar" val="1"/>
+            </dgm:alg>
+            <dgm:constrLst>
+              <dgm:constr type="primFontSz" for="des" forName="Parent" val="65"/>
+              <dgm:constr type="l" for="ch" forName="Parent" refType="w" fact="0"/>
+              <dgm:constr type="t" for="ch" forName="Parent" refType="h" fact="0"/>
+              <dgm:constr type="w" for="ch" forName="Parent" refType="w"/>
+              <dgm:constr type="h" for="ch" forName="Parent" refType="h"/>
+            </dgm:constrLst>
+          </dgm:if>
+          <dgm:if name="Name12" axis="ch ch" ptType="node node" st="1 1" cnt="1 0" func="cnt" op="equ" val="1">
+            <dgm:alg type="composite">
+              <dgm:param type="ar" val="1.4218"/>
+            </dgm:alg>
+            <dgm:constrLst>
+              <dgm:constr type="primFontSz" for="des" forName="Child1" val="65"/>
+              <dgm:constr type="primFontSz" for="des" forName="Parent" val="65"/>
+              <dgm:constr type="primFontSz" for="des" forName="Child1" refType="primFontSz" refFor="des" refForName="Parent" op="lte"/>
+              <dgm:constr type="r" for="ch" forName="Accent" refType="w"/>
+              <dgm:constr type="t" for="ch" forName="Accent" refType="h" fact="0"/>
+              <dgm:constr type="w" for="ch" forName="Accent" refType="w" fact="0.6747"/>
+              <dgm:constr type="h" for="ch" forName="Accent" refType="h"/>
+              <dgm:constr type="r" for="ch" forName="Child1" refType="w" fact="0.24"/>
+              <dgm:constr type="t" for="ch" forName="Child1" refType="h" fact="0.3739"/>
+              <dgm:constr type="w" for="ch" forName="Child1" refType="w" fact="0.24"/>
+              <dgm:constr type="h" for="ch" forName="Child1" refType="h" fact="0.255"/>
+              <dgm:constr type="r" for="ch" forName="Parent" refType="w" fact="0.8274"/>
+              <dgm:constr type="t" for="ch" forName="Parent" refType="h" fact="0.2646"/>
+              <dgm:constr type="w" for="ch" forName="Parent" refType="w" fact="0.3347"/>
+              <dgm:constr type="h" for="ch" forName="Parent" refType="h" fact="0.4759"/>
+              <dgm:constr type="r" for="ch" forName="Image1" refType="w" fact="0.4339"/>
+              <dgm:constr type="t" for="ch" forName="Image1" refType="h" fact="0.3744"/>
+              <dgm:constr type="w" for="ch" forName="Image1" refType="w" fact="0.1793"/>
+              <dgm:constr type="h" for="ch" forName="Image1" refType="h" fact="0.255"/>
+            </dgm:constrLst>
+          </dgm:if>
+          <dgm:if name="Name13" axis="ch ch" ptType="node node" st="1 1" cnt="1 0" func="cnt" op="equ" val="2">
+            <dgm:alg type="composite">
+              <dgm:param type="ar" val="1.381"/>
+            </dgm:alg>
+            <dgm:constrLst>
+              <dgm:constr type="primFontSz" for="des" forName="Child1" val="65"/>
+              <dgm:constr type="primFontSz" for="des" forName="Parent" val="65"/>
+              <dgm:constr type="primFontSz" for="des" forName="Child1" refType="primFontSz" refFor="des" refForName="Parent" op="lte"/>
+              <dgm:constr type="primFontSz" for="des" forName="Child2" refType="primFontSz" refFor="des" refForName="Parent" op="lte"/>
+              <dgm:constr type="primFontSz" for="des" forName="Child2" refType="primFontSz" refFor="des" refForName="Child1" op="equ"/>
+              <dgm:constr type="r" for="ch" forName="Accent" refType="w"/>
+              <dgm:constr type="t" for="ch" forName="Accent" refType="h" fact="0"/>
+              <dgm:constr type="w" for="ch" forName="Accent" refType="w" fact="0.6946"/>
+              <dgm:constr type="h" for="ch" forName="Accent" refType="h"/>
+              <dgm:constr type="r" for="ch" forName="Parent" refType="w" fact="0.8223"/>
+              <dgm:constr type="t" for="ch" forName="Parent" refType="h" fact="0.2646"/>
+              <dgm:constr type="w" for="ch" forName="Parent" refType="w" fact="0.3446"/>
+              <dgm:constr type="h" for="ch" forName="Parent" refType="h" fact="0.4759"/>
+              <dgm:constr type="r" for="ch" forName="Image1" refType="w" fact="0.4469"/>
+              <dgm:constr type="t" for="ch" forName="Image1" refType="h" fact="0.1585"/>
+              <dgm:constr type="w" for="ch" forName="Image1" refType="w" fact="0.1846"/>
+              <dgm:constr type="h" for="ch" forName="Image1" refType="h" fact="0.255"/>
+              <dgm:constr type="r" for="ch" forName="Image2" refType="w" fact="0.4469"/>
+              <dgm:constr type="t" for="ch" forName="Image2" refType="h" fact="0.5624"/>
+              <dgm:constr type="w" for="ch" forName="Image2" refType="w" fact="0.1846"/>
+              <dgm:constr type="h" for="ch" forName="Image2" refType="h" fact="0.255"/>
+              <dgm:constr type="r" for="ch" forName="Child1" refType="w" fact="0.2471"/>
+              <dgm:constr type="t" for="ch" forName="Child1" refType="h" fact="0.1618"/>
+              <dgm:constr type="w" for="ch" forName="Child1" refType="w" fact="0.2471"/>
+              <dgm:constr type="h" for="ch" forName="Child1" refType="h" fact="0.2468"/>
+              <dgm:constr type="r" for="ch" forName="Child2" refType="w" fact="0.2471"/>
+              <dgm:constr type="t" for="ch" forName="Child2" refType="h" fact="0.5657"/>
+              <dgm:constr type="w" for="ch" forName="Child2" refType="w" fact="0.2471"/>
+              <dgm:constr type="h" for="ch" forName="Child2" refType="h" fact="0.2468"/>
+            </dgm:constrLst>
+          </dgm:if>
+          <dgm:if name="Name14" axis="ch ch" ptType="node node" st="1 1" cnt="1 0" func="cnt" op="equ" val="3">
+            <dgm:alg type="composite">
+              <dgm:param type="ar" val="1.4218"/>
+            </dgm:alg>
+            <dgm:constrLst>
+              <dgm:constr type="primFontSz" for="des" forName="Child1" val="65"/>
+              <dgm:constr type="primFontSz" for="des" forName="Parent" val="65"/>
+              <dgm:constr type="primFontSz" for="des" forName="Child1" refType="primFontSz" refFor="des" refForName="Parent" op="lte"/>
+              <dgm:constr type="primFontSz" for="des" forName="Child2" refType="primFontSz" refFor="des" refForName="Parent" op="lte"/>
+              <dgm:constr type="primFontSz" for="des" forName="Child3" refType="primFontSz" refFor="des" refForName="Parent" op="lte"/>
+              <dgm:constr type="primFontSz" for="des" forName="Child2" refType="primFontSz" refFor="des" refForName="Child1" op="equ"/>
+              <dgm:constr type="primFontSz" for="des" forName="Child3" refType="primFontSz" refFor="des" refForName="Child1" op="equ"/>
+              <dgm:constr type="r" for="ch" forName="Accent" refType="w"/>
+              <dgm:constr type="t" for="ch" forName="Accent" refType="h" fact="0"/>
+              <dgm:constr type="w" for="ch" forName="Accent" refType="w" fact="0.6747"/>
+              <dgm:constr type="h" for="ch" forName="Accent" refType="h"/>
+              <dgm:constr type="r" for="ch" forName="Parent" refType="w" fact="0.8274"/>
+              <dgm:constr type="t" for="ch" forName="Parent" refType="h" fact="0.2646"/>
+              <dgm:constr type="w" for="ch" forName="Parent" refType="w" fact="0.3347"/>
+              <dgm:constr type="h" for="ch" forName="Parent" refType="h" fact="0.4759"/>
+              <dgm:constr type="r" for="ch" forName="Image1" refType="w" fact="0.5032"/>
+              <dgm:constr type="t" for="ch" forName="Image1" refType="h" fact="0.0843"/>
+              <dgm:constr type="w" for="ch" forName="Image1" refType="w" fact="0.1793"/>
+              <dgm:constr type="h" for="ch" forName="Image1" refType="h" fact="0.255"/>
+              <dgm:constr type="r" for="ch" forName="Image2" refType="w" fact="0.4339"/>
+              <dgm:constr type="t" for="ch" forName="Image2" refType="h" fact="0.3744"/>
+              <dgm:constr type="w" for="ch" forName="Image2" refType="w" fact="0.1793"/>
+              <dgm:constr type="h" for="ch" forName="Image2" refType="h" fact="0.255"/>
+              <dgm:constr type="r" for="ch" forName="Image3" refType="w" fact="0.5032"/>
+              <dgm:constr type="t" for="ch" forName="Image3" refType="h" fact="0.6686"/>
+              <dgm:constr type="w" for="ch" forName="Image3" refType="w" fact="0.1793"/>
+              <dgm:constr type="h" for="ch" forName="Image3" refType="h" fact="0.255"/>
+              <dgm:constr type="r" for="ch" forName="Child1" refType="w" fact="0.3103"/>
+              <dgm:constr type="t" for="ch" forName="Child1" refType="h" fact="0.0884"/>
+              <dgm:constr type="w" for="ch" forName="Child1" refType="w" fact="0.24"/>
+              <dgm:constr type="h" for="ch" forName="Child1" refType="h" fact="0.2468"/>
+              <dgm:constr type="r" for="ch" forName="Child2" refType="w" fact="0.24"/>
+              <dgm:constr type="t" for="ch" forName="Child2" refType="h" fact="0.378"/>
+              <dgm:constr type="w" for="ch" forName="Child2" refType="w" fact="0.24"/>
+              <dgm:constr type="h" for="ch" forName="Child2" refType="h" fact="0.2468"/>
+              <dgm:constr type="r" for="ch" forName="Child3" refType="w" fact="0.3103"/>
+              <dgm:constr type="t" for="ch" forName="Child3" refType="h" fact="0.6738"/>
+              <dgm:constr type="w" for="ch" forName="Child3" refType="w" fact="0.24"/>
+              <dgm:constr type="h" for="ch" forName="Child3" refType="h" fact="0.2468"/>
+            </dgm:constrLst>
+          </dgm:if>
+          <dgm:else name="Name15">
+            <dgm:alg type="composite">
+              <dgm:param type="ar" val="1.2852"/>
+            </dgm:alg>
+            <dgm:constrLst>
+              <dgm:constr type="primFontSz" for="des" forName="Child1" val="65"/>
+              <dgm:constr type="primFontSz" for="des" forName="Parent" val="65"/>
+              <dgm:constr type="primFontSz" for="des" forName="Child1" refType="primFontSz" refFor="des" refForName="Parent" op="lte"/>
+              <dgm:constr type="primFontSz" for="des" forName="Child2" refType="primFontSz" refFor="des" refForName="Parent" op="lte"/>
+              <dgm:constr type="primFontSz" for="des" forName="Child3" refType="primFontSz" refFor="des" refForName="Parent" op="lte"/>
+              <dgm:constr type="primFontSz" for="des" forName="Child4" refType="primFontSz" refFor="des" refForName="Parent" op="lte"/>
+              <dgm:constr type="primFontSz" for="des" forName="Child2" refType="primFontSz" refFor="des" refForName="Child1" op="equ"/>
+              <dgm:constr type="primFontSz" for="des" forName="Child3" refType="primFontSz" refFor="des" refForName="Child1" op="equ"/>
+              <dgm:constr type="primFontSz" for="des" forName="Child4" refType="primFontSz" refFor="des" refForName="Child1" op="equ"/>
+              <dgm:constr type="r" for="ch" forName="Accent" refType="w"/>
+              <dgm:constr type="t" for="ch" forName="Accent" refType="h" fact="0.0361"/>
+              <dgm:constr type="w" for="ch" forName="Accent" refType="w" fact="0.6865"/>
+              <dgm:constr type="h" for="ch" forName="Accent" refType="h" fact="0.9197"/>
+              <dgm:constr type="r" for="ch" forName="Parent" refType="w" fact="0.8244"/>
+              <dgm:constr type="t" for="ch" forName="Parent" refType="h" fact="0.2795"/>
+              <dgm:constr type="w" for="ch" forName="Parent" refType="w" fact="0.3406"/>
+              <dgm:constr type="h" for="ch" forName="Parent" refType="h" fact="0.4377"/>
+              <dgm:constr type="r" for="ch" forName="Image1" refType="w" fact="0.575"/>
+              <dgm:constr type="t" for="ch" forName="Image1" refType="h" fact="0"/>
+              <dgm:constr type="w" for="ch" forName="Image1" refType="w" fact="0.1825"/>
+              <dgm:constr type="h" for="ch" forName="Image1" refType="h" fact="0.2345"/>
+              <dgm:constr type="r" for="ch" forName="Image2" refType="w" fact="0.4402"/>
+              <dgm:constr type="t" for="ch" forName="Image2" refType="h" fact="0.2184"/>
+              <dgm:constr type="w" for="ch" forName="Image2" refType="w" fact="0.1825"/>
+              <dgm:constr type="h" for="ch" forName="Image2" refType="h" fact="0.2345"/>
+              <dgm:constr type="r" for="ch" forName="Image3" refType="w" fact="0.4409"/>
+              <dgm:constr type="t" for="ch" forName="Image3" refType="h" fact="0.5395"/>
+              <dgm:constr type="w" for="ch" forName="Image3" refType="w" fact="0.1825"/>
+              <dgm:constr type="h" for="ch" forName="Image3" refType="h" fact="0.2345"/>
+              <dgm:constr type="r" for="ch" forName="Image4" refType="w" fact="0.575"/>
+              <dgm:constr type="t" for="ch" forName="Image4" refType="h" fact="0.7655"/>
+              <dgm:constr type="w" for="ch" forName="Image4" refType="w" fact="0.1825"/>
+              <dgm:constr type="h" for="ch" forName="Image4" refType="h" fact="0.2345"/>
+              <dgm:constr type="r" for="ch" forName="Child1" refType="w" fact="0.3786"/>
+              <dgm:constr type="t" for="ch" forName="Child1" refType="h" fact="0.003"/>
+              <dgm:constr type="w" for="ch" forName="Child1" refType="w" fact="0.2443"/>
+              <dgm:constr type="h" for="ch" forName="Child1" refType="h" fact="0.227"/>
+              <dgm:constr type="r" for="ch" forName="Child2" refType="w" fact="0.2443"/>
+              <dgm:constr type="t" for="ch" forName="Child2" refType="h" fact="0.2225"/>
+              <dgm:constr type="w" for="ch" forName="Child2" refType="w" fact="0.2443"/>
+              <dgm:constr type="h" for="ch" forName="Child2" refType="h" fact="0.227"/>
+              <dgm:constr type="r" for="ch" forName="Child3" refType="w" fact="0.2443"/>
+              <dgm:constr type="t" for="ch" forName="Child3" refType="h" fact="0.5433"/>
+              <dgm:constr type="w" for="ch" forName="Child3" refType="w" fact="0.2443"/>
+              <dgm:constr type="h" for="ch" forName="Child3" refType="h" fact="0.227"/>
+              <dgm:constr type="r" for="ch" forName="Child4" refType="w" fact="0.3786"/>
+              <dgm:constr type="t" for="ch" forName="Child4" refType="h" fact="0.7703"/>
+              <dgm:constr type="w" for="ch" forName="Child4" refType="w" fact="0.2443"/>
+              <dgm:constr type="h" for="ch" forName="Child4" refType="h" fact="0.227"/>
+            </dgm:constrLst>
+          </dgm:else>
+        </dgm:choose>
+      </dgm:else>
+    </dgm:choose>
+    <dgm:forEach name="wrapper" axis="self" ptType="parTrans">
+      <dgm:forEach name="ImageRepeat" axis="self">
+        <dgm:layoutNode name="Image" styleLbl="fgImgPlace1">
           <dgm:alg type="sp"/>
           <dgm:shape xmlns:r="http://schemas.openxmlformats.org/officeDocument/2006/relationships" type="ellipse" r:blip="" blipPhldr="1">
             <dgm:adjLst/>
           </dgm:shape>
           <dgm:presOf/>
-          <dgm:constrLst/>
-          <dgm:ruleLst/>
-        </dgm:layoutNode>
-        <dgm:layoutNode name="txShp">
-          <dgm:varLst>
-            <dgm:bulletEnabled val="1"/>
-          </dgm:varLst>
-          <dgm:alg type="tx"/>
-          <dgm:choose name="Name4">
-            <dgm:if name="Name5" func="var" arg="dir" op="equ" val="norm">
-              <dgm:shape xmlns:r="http://schemas.openxmlformats.org/officeDocument/2006/relationships" rot="180" type="homePlate" r:blip="" zOrderOff="-1">
-                <dgm:adjLst/>
-              </dgm:shape>
-            </dgm:if>
-            <dgm:else name="Name6">
-              <dgm:shape xmlns:r="http://schemas.openxmlformats.org/officeDocument/2006/relationships" type="homePlate" r:blip="" zOrderOff="-1">
-                <dgm:adjLst/>
-              </dgm:shape>
-            </dgm:else>
-          </dgm:choose>
-          <dgm:presOf axis="desOrSelf" ptType="node"/>
-          <dgm:constrLst>
-            <dgm:constr type="tMarg" refType="primFontSz" fact="0.3"/>
-            <dgm:constr type="bMarg" refType="primFontSz" fact="0.3"/>
-          </dgm:constrLst>
-          <dgm:ruleLst>
-            <dgm:rule type="primFontSz" val="5" fact="NaN" max="NaN"/>
-          </dgm:ruleLst>
-        </dgm:layoutNode>
-      </dgm:layoutNode>
-      <dgm:forEach name="Name7" axis="followSib" ptType="sibTrans" cnt="1">
-        <dgm:layoutNode name="spacing">
-          <dgm:alg type="sp"/>
-          <dgm:shape xmlns:r="http://schemas.openxmlformats.org/officeDocument/2006/relationships" r:blip="">
-            <dgm:adjLst/>
-          </dgm:shape>
-          <dgm:presOf axis="self"/>
-          <dgm:constrLst/>
-          <dgm:ruleLst/>
         </dgm:layoutNode>
       </dgm:forEach>
+    </dgm:forEach>
+    <dgm:forEach name="Name16" axis="ch" ptType="node" cnt="1">
+      <dgm:layoutNode name="Parent" styleLbl="node1">
+        <dgm:varLst>
+          <dgm:chMax val="4"/>
+          <dgm:chPref val="3"/>
+        </dgm:varLst>
+        <dgm:alg type="tx"/>
+        <dgm:shape xmlns:r="http://schemas.openxmlformats.org/officeDocument/2006/relationships" type="ellipse" r:blip="">
+          <dgm:adjLst/>
+        </dgm:shape>
+        <dgm:presOf axis="self" ptType="node"/>
+        <dgm:constrLst>
+          <dgm:constr type="lMarg" refType="primFontSz" fact="0.1"/>
+          <dgm:constr type="rMarg" refType="primFontSz" fact="0.1"/>
+          <dgm:constr type="tMarg" refType="primFontSz" fact="0.1"/>
+          <dgm:constr type="bMarg" refType="primFontSz" fact="0.1"/>
+        </dgm:constrLst>
+        <dgm:ruleLst>
+          <dgm:rule type="primFontSz" val="5" fact="NaN" max="NaN"/>
+        </dgm:ruleLst>
+      </dgm:layoutNode>
+    </dgm:forEach>
+    <dgm:forEach name="Name17" axis="ch ch" ptType="node node" st="1 1" cnt="1 1">
+      <dgm:layoutNode name="Accent" styleLbl="node1">
+        <dgm:alg type="sp"/>
+        <dgm:choose name="Name18">
+          <dgm:if name="Name19" func="var" arg="dir" op="equ" val="norm">
+            <dgm:choose name="Name20">
+              <dgm:if name="Name21" axis="followSib" ptType="node" func="cnt" op="equ" val="0">
+                <dgm:shape xmlns:r="http://schemas.openxmlformats.org/officeDocument/2006/relationships" type="blockArc" r:blip="">
+                  <dgm:adjLst>
+                    <dgm:adj idx="1" val="-49.0368"/>
+                    <dgm:adj idx="2" val="49.4265"/>
+                    <dgm:adj idx="3" val="0.0564"/>
+                  </dgm:adjLst>
+                </dgm:shape>
+              </dgm:if>
+              <dgm:if name="Name22" axis="followSib" ptType="node" func="cnt" op="equ" val="1">
+                <dgm:shape xmlns:r="http://schemas.openxmlformats.org/officeDocument/2006/relationships" type="blockArc" r:blip="">
+                  <dgm:adjLst>
+                    <dgm:adj idx="1" val="-64.2028"/>
+                    <dgm:adj idx="2" val="64.5456"/>
+                    <dgm:adj idx="3" val="0.0558"/>
+                  </dgm:adjLst>
+                </dgm:shape>
+              </dgm:if>
+              <dgm:if name="Name23" axis="followSib" ptType="node" func="cnt" op="equ" val="2">
+                <dgm:shape xmlns:r="http://schemas.openxmlformats.org/officeDocument/2006/relationships" type="blockArc" r:blip="">
+                  <dgm:adjLst>
+                    <dgm:adj idx="1" val="-67.8702"/>
+                    <dgm:adj idx="2" val="68.6519"/>
+                    <dgm:adj idx="3" val="0.0575"/>
+                  </dgm:adjLst>
+                </dgm:shape>
+              </dgm:if>
+              <dgm:else name="Name24">
+                <dgm:shape xmlns:r="http://schemas.openxmlformats.org/officeDocument/2006/relationships" type="blockArc" r:blip="">
+                  <dgm:adjLst>
+                    <dgm:adj idx="1" val="-84.8426"/>
+                    <dgm:adj idx="2" val="84.8009"/>
+                    <dgm:adj idx="3" val="0.0524"/>
+                  </dgm:adjLst>
+                </dgm:shape>
+              </dgm:else>
+            </dgm:choose>
+          </dgm:if>
+          <dgm:else name="Name25">
+            <dgm:choose name="Name26">
+              <dgm:if name="Name27" axis="followSib" ptType="node" func="cnt" op="equ" val="0">
+                <dgm:shape xmlns:r="http://schemas.openxmlformats.org/officeDocument/2006/relationships" rot="180" type="blockArc" r:blip="">
+                  <dgm:adjLst>
+                    <dgm:adj idx="1" val="-49.0368"/>
+                    <dgm:adj idx="2" val="49.4265"/>
+                    <dgm:adj idx="3" val="0.0564"/>
+                  </dgm:adjLst>
+                </dgm:shape>
+              </dgm:if>
+              <dgm:if name="Name28" axis="followSib" ptType="node" func="cnt" op="equ" val="1">
+                <dgm:shape xmlns:r="http://schemas.openxmlformats.org/officeDocument/2006/relationships" rot="180" type="blockArc" r:blip="">
+                  <dgm:adjLst>
+                    <dgm:adj idx="1" val="-64.2028"/>
+                    <dgm:adj idx="2" val="64.5456"/>
+                    <dgm:adj idx="3" val="0.0558"/>
+                  </dgm:adjLst>
+                </dgm:shape>
+              </dgm:if>
+              <dgm:if name="Name29" axis="followSib" ptType="node" func="cnt" op="equ" val="2">
+                <dgm:shape xmlns:r="http://schemas.openxmlformats.org/officeDocument/2006/relationships" rot="180" type="blockArc" r:blip="">
+                  <dgm:adjLst>
+                    <dgm:adj idx="1" val="-67.8702"/>
+                    <dgm:adj idx="2" val="68.6519"/>
+                    <dgm:adj idx="3" val="0.0575"/>
+                  </dgm:adjLst>
+                </dgm:shape>
+              </dgm:if>
+              <dgm:else name="Name30">
+                <dgm:shape xmlns:r="http://schemas.openxmlformats.org/officeDocument/2006/relationships" rot="180" type="blockArc" r:blip="">
+                  <dgm:adjLst>
+                    <dgm:adj idx="1" val="-84.8426"/>
+                    <dgm:adj idx="2" val="84.8009"/>
+                    <dgm:adj idx="3" val="0.0524"/>
+                  </dgm:adjLst>
+                </dgm:shape>
+              </dgm:else>
+            </dgm:choose>
+          </dgm:else>
+        </dgm:choose>
+        <dgm:presOf/>
+      </dgm:layoutNode>
+      <dgm:layoutNode name="Image1" styleLbl="fgImgPlace1">
+        <dgm:alg type="sp"/>
+        <dgm:shape xmlns:r="http://schemas.openxmlformats.org/officeDocument/2006/relationships" type="ellipse" r:blip="" blipPhldr="1">
+          <dgm:adjLst/>
+        </dgm:shape>
+        <dgm:presOf/>
+      </dgm:layoutNode>
+      <dgm:layoutNode name="Child1" styleLbl="revTx">
+        <dgm:varLst>
+          <dgm:chMax val="0"/>
+          <dgm:chPref val="0"/>
+          <dgm:bulletEnabled val="1"/>
+        </dgm:varLst>
+        <dgm:choose name="Name31">
+          <dgm:if name="Name32" func="var" arg="dir" op="equ" val="norm">
+            <dgm:alg type="tx">
+              <dgm:param type="parTxLTRAlign" val="l"/>
+              <dgm:param type="shpTxLTRAlignCh" val="l"/>
+              <dgm:param type="parTxRTLAlign" val="l"/>
+              <dgm:param type="shpTxRTLAlignCh" val="l"/>
+              <dgm:param type="lnSpAfParP" val="10"/>
+            </dgm:alg>
+          </dgm:if>
+          <dgm:else name="Name33">
+            <dgm:alg type="tx">
+              <dgm:param type="parTxLTRAlign" val="r"/>
+              <dgm:param type="shpTxLTRAlignCh" val="r"/>
+              <dgm:param type="parTxRTLAlign" val="r"/>
+              <dgm:param type="shpTxRTLAlignCh" val="r"/>
+              <dgm:param type="lnSpAfParP" val="10"/>
+            </dgm:alg>
+          </dgm:else>
+        </dgm:choose>
+        <dgm:shape xmlns:r="http://schemas.openxmlformats.org/officeDocument/2006/relationships" type="rect" r:blip="">
+          <dgm:adjLst/>
+        </dgm:shape>
+        <dgm:presOf axis="desOrSelf" ptType="node"/>
+        <dgm:constrLst>
+          <dgm:constr type="lMarg" refType="primFontSz" fact="0.1"/>
+          <dgm:constr type="rMarg" refType="primFontSz" fact="0.1"/>
+          <dgm:constr type="tMarg" refType="primFontSz" fact="0.1"/>
+          <dgm:constr type="bMarg" refType="primFontSz" fact="0.1"/>
+        </dgm:constrLst>
+        <dgm:ruleLst>
+          <dgm:rule type="primFontSz" val="5" fact="NaN" max="NaN"/>
+        </dgm:ruleLst>
+      </dgm:layoutNode>
+    </dgm:forEach>
+    <dgm:forEach name="Name34" axis="ch ch" ptType="node node" st="1 2" cnt="1 1">
+      <dgm:layoutNode name="Image2">
+        <dgm:alg type="sp"/>
+        <dgm:shape xmlns:r="http://schemas.openxmlformats.org/officeDocument/2006/relationships" r:blip="">
+          <dgm:adjLst/>
+        </dgm:shape>
+        <dgm:presOf/>
+        <dgm:constrLst/>
+        <dgm:forEach name="Name35" ref="ImageRepeat"/>
+      </dgm:layoutNode>
+      <dgm:layoutNode name="Child2" styleLbl="revTx">
+        <dgm:varLst>
+          <dgm:chMax val="0"/>
+          <dgm:chPref val="0"/>
+          <dgm:bulletEnabled val="1"/>
+        </dgm:varLst>
+        <dgm:choose name="Name36">
+          <dgm:if name="Name37" func="var" arg="dir" op="equ" val="norm">
+            <dgm:alg type="tx">
+              <dgm:param type="parTxLTRAlign" val="l"/>
+              <dgm:param type="shpTxLTRAlignCh" val="l"/>
+              <dgm:param type="parTxRTLAlign" val="l"/>
+              <dgm:param type="shpTxRTLAlignCh" val="l"/>
+              <dgm:param type="lnSpAfParP" val="10"/>
+            </dgm:alg>
+          </dgm:if>
+          <dgm:else name="Name38">
+            <dgm:alg type="tx">
+              <dgm:param type="parTxLTRAlign" val="r"/>
+              <dgm:param type="shpTxLTRAlignCh" val="r"/>
+              <dgm:param type="parTxRTLAlign" val="r"/>
+              <dgm:param type="shpTxRTLAlignCh" val="r"/>
+              <dgm:param type="lnSpAfParP" val="10"/>
+            </dgm:alg>
+          </dgm:else>
+        </dgm:choose>
+        <dgm:shape xmlns:r="http://schemas.openxmlformats.org/officeDocument/2006/relationships" type="rect" r:blip="">
+          <dgm:adjLst/>
+        </dgm:shape>
+        <dgm:presOf axis="desOrSelf" ptType="node"/>
+        <dgm:constrLst>
+          <dgm:constr type="lMarg" refType="primFontSz" fact="0.1"/>
+          <dgm:constr type="rMarg" refType="primFontSz" fact="0.1"/>
+          <dgm:constr type="tMarg" refType="primFontSz" fact="0.1"/>
+          <dgm:constr type="bMarg" refType="primFontSz" fact="0.1"/>
+        </dgm:constrLst>
+        <dgm:ruleLst>
+          <dgm:rule type="primFontSz" val="5" fact="NaN" max="NaN"/>
+        </dgm:ruleLst>
+      </dgm:layoutNode>
+    </dgm:forEach>
+    <dgm:forEach name="Name39" axis="ch ch" ptType="node node" st="1 3" cnt="1 1">
+      <dgm:layoutNode name="Image3">
+        <dgm:alg type="sp"/>
+        <dgm:shape xmlns:r="http://schemas.openxmlformats.org/officeDocument/2006/relationships" r:blip="">
+          <dgm:adjLst/>
+        </dgm:shape>
+        <dgm:presOf/>
+        <dgm:constrLst/>
+        <dgm:forEach name="Name40" ref="ImageRepeat"/>
+      </dgm:layoutNode>
+      <dgm:layoutNode name="Child3" styleLbl="revTx">
+        <dgm:varLst>
+          <dgm:chMax val="0"/>
+          <dgm:chPref val="0"/>
+          <dgm:bulletEnabled val="1"/>
+        </dgm:varLst>
+        <dgm:choose name="Name41">
+          <dgm:if name="Name42" func="var" arg="dir" op="equ" val="norm">
+            <dgm:alg type="tx">
+              <dgm:param type="parTxLTRAlign" val="l"/>
+              <dgm:param type="shpTxLTRAlignCh" val="l"/>
+              <dgm:param type="parTxRTLAlign" val="l"/>
+              <dgm:param type="shpTxRTLAlignCh" val="l"/>
+              <dgm:param type="lnSpAfParP" val="10"/>
+            </dgm:alg>
+          </dgm:if>
+          <dgm:else name="Name43">
+            <dgm:alg type="tx">
+              <dgm:param type="parTxLTRAlign" val="r"/>
+              <dgm:param type="shpTxLTRAlignCh" val="r"/>
+              <dgm:param type="parTxRTLAlign" val="r"/>
+              <dgm:param type="shpTxRTLAlignCh" val="r"/>
+              <dgm:param type="lnSpAfParP" val="10"/>
+            </dgm:alg>
+          </dgm:else>
+        </dgm:choose>
+        <dgm:shape xmlns:r="http://schemas.openxmlformats.org/officeDocument/2006/relationships" type="rect" r:blip="">
+          <dgm:adjLst/>
+        </dgm:shape>
+        <dgm:presOf axis="desOrSelf" ptType="node"/>
+        <dgm:constrLst>
+          <dgm:constr type="lMarg" refType="primFontSz" fact="0.1"/>
+          <dgm:constr type="rMarg" refType="primFontSz" fact="0.1"/>
+          <dgm:constr type="tMarg" refType="primFontSz" fact="0.1"/>
+          <dgm:constr type="bMarg" refType="primFontSz" fact="0.1"/>
+        </dgm:constrLst>
+        <dgm:ruleLst>
+          <dgm:rule type="primFontSz" val="5" fact="NaN" max="NaN"/>
+        </dgm:ruleLst>
+      </dgm:layoutNode>
+    </dgm:forEach>
+    <dgm:forEach name="Name44" axis="ch ch" ptType="node node" st="1 4" cnt="1 1">
+      <dgm:layoutNode name="Image4">
+        <dgm:alg type="sp"/>
+        <dgm:shape xmlns:r="http://schemas.openxmlformats.org/officeDocument/2006/relationships" r:blip="">
+          <dgm:adjLst/>
+        </dgm:shape>
+        <dgm:presOf/>
+        <dgm:constrLst/>
+        <dgm:forEach name="Name45" ref="ImageRepeat"/>
+      </dgm:layoutNode>
+      <dgm:layoutNode name="Child4" styleLbl="revTx">
+        <dgm:varLst>
+          <dgm:chMax val="0"/>
+          <dgm:chPref val="0"/>
+          <dgm:bulletEnabled val="1"/>
+        </dgm:varLst>
+        <dgm:choose name="Name46">
+          <dgm:if name="Name47" func="var" arg="dir" op="equ" val="norm">
+            <dgm:alg type="tx">
+              <dgm:param type="parTxLTRAlign" val="l"/>
+              <dgm:param type="shpTxLTRAlignCh" val="l"/>
+              <dgm:param type="parTxRTLAlign" val="l"/>
+              <dgm:param type="shpTxRTLAlignCh" val="l"/>
+              <dgm:param type="lnSpAfParP" val="10"/>
+            </dgm:alg>
+          </dgm:if>
+          <dgm:else name="Name48">
+            <dgm:alg type="tx">
+              <dgm:param type="parTxLTRAlign" val="r"/>
+              <dgm:param type="shpTxLTRAlignCh" val="r"/>
+              <dgm:param type="parTxRTLAlign" val="r"/>
+              <dgm:param type="shpTxRTLAlignCh" val="r"/>
+              <dgm:param type="lnSpAfParP" val="10"/>
+            </dgm:alg>
+          </dgm:else>
+        </dgm:choose>
+        <dgm:shape xmlns:r="http://schemas.openxmlformats.org/officeDocument/2006/relationships" type="rect" r:blip="">
+          <dgm:adjLst/>
+        </dgm:shape>
+        <dgm:presOf axis="desOrSelf" ptType="node"/>
+        <dgm:constrLst>
+          <dgm:constr type="lMarg" refType="primFontSz" fact="0.1"/>
+          <dgm:constr type="rMarg" refType="primFontSz" fact="0.1"/>
+          <dgm:constr type="tMarg" refType="primFontSz" fact="0.1"/>
+          <dgm:constr type="bMarg" refType="primFontSz" fact="0.1"/>
+        </dgm:constrLst>
+        <dgm:ruleLst>
+          <dgm:rule type="primFontSz" val="5" fact="NaN" max="NaN"/>
+        </dgm:ruleLst>
+      </dgm:layoutNode>
     </dgm:forEach>
   </dgm:layoutNode>
 </dgm:layoutDef>
 </file>
 
 <file path=ppt/diagrams/quickStyle1.xml><?xml version="1.0" encoding="utf-8"?>
-<dgm:styleDef xmlns:dgm="http://schemas.openxmlformats.org/drawingml/2006/diagram" xmlns:a="http://schemas.openxmlformats.org/drawingml/2006/main" uniqueId="urn:microsoft.com/office/officeart/2005/8/quickstyle/simple4">
+<dgm:styleDef xmlns:dgm="http://schemas.openxmlformats.org/drawingml/2006/diagram" xmlns:a="http://schemas.openxmlformats.org/drawingml/2006/main" uniqueId="urn:microsoft.com/office/officeart/2005/8/quickstyle/simple1">
   <dgm:title val=""/>
   <dgm:desc val=""/>
   <dgm:catLst>
-    <dgm:cat type="simple" pri="10400"/>
+    <dgm:cat type="simple" pri="10100"/>
   </dgm:catLst>
   <dgm:scene3d>
     <a:camera prst="orthographicFront"/>
@@ -1801,13 +2705,13 @@
     <dgm:sp3d/>
     <dgm:txPr/>
     <dgm:style>
-      <a:lnRef idx="0">
+      <a:lnRef idx="2">
         <a:scrgbClr r="0" g="0" b="0"/>
       </a:lnRef>
-      <a:fillRef idx="3">
+      <a:fillRef idx="1">
         <a:scrgbClr r="0" g="0" b="0"/>
       </a:fillRef>
-      <a:effectRef idx="2">
+      <a:effectRef idx="0">
         <a:scrgbClr r="0" g="0" b="0"/>
       </a:effectRef>
       <a:fontRef idx="minor">
@@ -1823,13 +2727,13 @@
     <dgm:sp3d/>
     <dgm:txPr/>
     <dgm:style>
-      <a:lnRef idx="1">
+      <a:lnRef idx="2">
         <a:scrgbClr r="0" g="0" b="0"/>
       </a:lnRef>
-      <a:fillRef idx="3">
+      <a:fillRef idx="1">
         <a:scrgbClr r="0" g="0" b="0"/>
       </a:fillRef>
-      <a:effectRef idx="2">
+      <a:effectRef idx="0">
         <a:scrgbClr r="0" g="0" b="0"/>
       </a:effectRef>
       <a:fontRef idx="minor">
@@ -1845,10 +2749,10 @@
     <dgm:sp3d/>
     <dgm:txPr/>
     <dgm:style>
-      <a:lnRef idx="0">
+      <a:lnRef idx="2">
         <a:scrgbClr r="0" g="0" b="0"/>
       </a:lnRef>
-      <a:fillRef idx="3">
+      <a:fillRef idx="1">
         <a:scrgbClr r="0" g="0" b="0"/>
       </a:fillRef>
       <a:effectRef idx="0">
@@ -1867,13 +2771,13 @@
     <dgm:sp3d/>
     <dgm:txPr/>
     <dgm:style>
-      <a:lnRef idx="1">
+      <a:lnRef idx="2">
         <a:scrgbClr r="0" g="0" b="0"/>
       </a:lnRef>
-      <a:fillRef idx="3">
+      <a:fillRef idx="1">
         <a:scrgbClr r="0" g="0" b="0"/>
       </a:fillRef>
-      <a:effectRef idx="2">
+      <a:effectRef idx="0">
         <a:scrgbClr r="0" g="0" b="0"/>
       </a:effectRef>
       <a:fontRef idx="minor">
@@ -1889,13 +2793,13 @@
     <dgm:sp3d/>
     <dgm:txPr/>
     <dgm:style>
-      <a:lnRef idx="0">
+      <a:lnRef idx="2">
         <a:scrgbClr r="0" g="0" b="0"/>
       </a:lnRef>
-      <a:fillRef idx="3">
+      <a:fillRef idx="1">
         <a:scrgbClr r="0" g="0" b="0"/>
       </a:fillRef>
-      <a:effectRef idx="2">
+      <a:effectRef idx="0">
         <a:scrgbClr r="0" g="0" b="0"/>
       </a:effectRef>
       <a:fontRef idx="minor">
@@ -1911,13 +2815,13 @@
     <dgm:sp3d/>
     <dgm:txPr/>
     <dgm:style>
-      <a:lnRef idx="0">
+      <a:lnRef idx="2">
         <a:scrgbClr r="0" g="0" b="0"/>
       </a:lnRef>
-      <a:fillRef idx="3">
+      <a:fillRef idx="1">
         <a:scrgbClr r="0" g="0" b="0"/>
       </a:fillRef>
-      <a:effectRef idx="2">
+      <a:effectRef idx="0">
         <a:scrgbClr r="0" g="0" b="0"/>
       </a:effectRef>
       <a:fontRef idx="minor">
@@ -1933,13 +2837,13 @@
     <dgm:sp3d/>
     <dgm:txPr/>
     <dgm:style>
-      <a:lnRef idx="0">
+      <a:lnRef idx="2">
         <a:scrgbClr r="0" g="0" b="0"/>
       </a:lnRef>
-      <a:fillRef idx="3">
+      <a:fillRef idx="1">
         <a:scrgbClr r="0" g="0" b="0"/>
       </a:fillRef>
-      <a:effectRef idx="2">
+      <a:effectRef idx="0">
         <a:scrgbClr r="0" g="0" b="0"/>
       </a:effectRef>
       <a:fontRef idx="minor">
@@ -1955,13 +2859,13 @@
     <dgm:sp3d/>
     <dgm:txPr/>
     <dgm:style>
-      <a:lnRef idx="0">
+      <a:lnRef idx="2">
         <a:scrgbClr r="0" g="0" b="0"/>
       </a:lnRef>
-      <a:fillRef idx="3">
+      <a:fillRef idx="1">
         <a:scrgbClr r="0" g="0" b="0"/>
       </a:fillRef>
-      <a:effectRef idx="2">
+      <a:effectRef idx="0">
         <a:scrgbClr r="0" g="0" b="0"/>
       </a:effectRef>
       <a:fontRef idx="minor">
@@ -1977,13 +2881,13 @@
     <dgm:sp3d/>
     <dgm:txPr/>
     <dgm:style>
-      <a:lnRef idx="0">
+      <a:lnRef idx="2">
         <a:scrgbClr r="0" g="0" b="0"/>
       </a:lnRef>
       <a:fillRef idx="1">
         <a:scrgbClr r="0" g="0" b="0"/>
       </a:fillRef>
-      <a:effectRef idx="2">
+      <a:effectRef idx="0">
         <a:scrgbClr r="0" g="0" b="0"/>
       </a:effectRef>
       <a:fontRef idx="minor"/>
@@ -1997,13 +2901,13 @@
     <dgm:sp3d/>
     <dgm:txPr/>
     <dgm:style>
-      <a:lnRef idx="0">
+      <a:lnRef idx="2">
         <a:scrgbClr r="0" g="0" b="0"/>
       </a:lnRef>
       <a:fillRef idx="1">
         <a:scrgbClr r="0" g="0" b="0"/>
       </a:fillRef>
-      <a:effectRef idx="2">
+      <a:effectRef idx="0">
         <a:scrgbClr r="0" g="0" b="0"/>
       </a:effectRef>
       <a:fontRef idx="minor"/>
@@ -2017,13 +2921,13 @@
     <dgm:sp3d/>
     <dgm:txPr/>
     <dgm:style>
-      <a:lnRef idx="0">
+      <a:lnRef idx="2">
         <a:scrgbClr r="0" g="0" b="0"/>
       </a:lnRef>
       <a:fillRef idx="1">
         <a:scrgbClr r="0" g="0" b="0"/>
       </a:fillRef>
-      <a:effectRef idx="2">
+      <a:effectRef idx="0">
         <a:scrgbClr r="0" g="0" b="0"/>
       </a:effectRef>
       <a:fontRef idx="minor"/>
@@ -2040,10 +2944,10 @@
       <a:lnRef idx="0">
         <a:scrgbClr r="0" g="0" b="0"/>
       </a:lnRef>
-      <a:fillRef idx="3">
+      <a:fillRef idx="1">
         <a:scrgbClr r="0" g="0" b="0"/>
       </a:fillRef>
-      <a:effectRef idx="2">
+      <a:effectRef idx="0">
         <a:scrgbClr r="0" g="0" b="0"/>
       </a:effectRef>
       <a:fontRef idx="minor">
@@ -2062,10 +2966,10 @@
       <a:lnRef idx="0">
         <a:scrgbClr r="0" g="0" b="0"/>
       </a:lnRef>
-      <a:fillRef idx="3">
+      <a:fillRef idx="1">
         <a:scrgbClr r="0" g="0" b="0"/>
       </a:fillRef>
-      <a:effectRef idx="2">
+      <a:effectRef idx="0">
         <a:scrgbClr r="0" g="0" b="0"/>
       </a:effectRef>
       <a:fontRef idx="minor">
@@ -2084,10 +2988,10 @@
       <a:lnRef idx="0">
         <a:scrgbClr r="0" g="0" b="0"/>
       </a:lnRef>
-      <a:fillRef idx="3">
+      <a:fillRef idx="1">
         <a:scrgbClr r="0" g="0" b="0"/>
       </a:fillRef>
-      <a:effectRef idx="2">
+      <a:effectRef idx="0">
         <a:scrgbClr r="0" g="0" b="0"/>
       </a:effectRef>
       <a:fontRef idx="minor">
@@ -2129,7 +3033,7 @@
       <a:fillRef idx="1">
         <a:scrgbClr r="0" g="0" b="0"/>
       </a:fillRef>
-      <a:effectRef idx="1">
+      <a:effectRef idx="0">
         <a:scrgbClr r="0" g="0" b="0"/>
       </a:effectRef>
       <a:fontRef idx="minor"/>
@@ -2143,13 +3047,13 @@
     <dgm:sp3d/>
     <dgm:txPr/>
     <dgm:style>
-      <a:lnRef idx="0">
+      <a:lnRef idx="2">
         <a:scrgbClr r="0" g="0" b="0"/>
       </a:lnRef>
-      <a:fillRef idx="3">
+      <a:fillRef idx="1">
         <a:scrgbClr r="0" g="0" b="0"/>
       </a:fillRef>
-      <a:effectRef idx="2">
+      <a:effectRef idx="0">
         <a:scrgbClr r="0" g="0" b="0"/>
       </a:effectRef>
       <a:fontRef idx="minor">
@@ -2165,13 +3069,13 @@
     <dgm:sp3d/>
     <dgm:txPr/>
     <dgm:style>
-      <a:lnRef idx="0">
+      <a:lnRef idx="2">
         <a:scrgbClr r="0" g="0" b="0"/>
       </a:lnRef>
-      <a:fillRef idx="3">
+      <a:fillRef idx="1">
         <a:scrgbClr r="0" g="0" b="0"/>
       </a:fillRef>
-      <a:effectRef idx="2">
+      <a:effectRef idx="0">
         <a:scrgbClr r="0" g="0" b="0"/>
       </a:effectRef>
       <a:fontRef idx="minor">
@@ -2187,13 +3091,13 @@
     <dgm:sp3d/>
     <dgm:txPr/>
     <dgm:style>
-      <a:lnRef idx="0">
+      <a:lnRef idx="2">
         <a:scrgbClr r="0" g="0" b="0"/>
       </a:lnRef>
-      <a:fillRef idx="3">
+      <a:fillRef idx="1">
         <a:scrgbClr r="0" g="0" b="0"/>
       </a:fillRef>
-      <a:effectRef idx="2">
+      <a:effectRef idx="0">
         <a:scrgbClr r="0" g="0" b="0"/>
       </a:effectRef>
       <a:fontRef idx="minor">
@@ -2209,13 +3113,13 @@
     <dgm:sp3d/>
     <dgm:txPr/>
     <dgm:style>
-      <a:lnRef idx="0">
+      <a:lnRef idx="2">
         <a:scrgbClr r="0" g="0" b="0"/>
       </a:lnRef>
-      <a:fillRef idx="3">
+      <a:fillRef idx="1">
         <a:scrgbClr r="0" g="0" b="0"/>
       </a:fillRef>
-      <a:effectRef idx="2">
+      <a:effectRef idx="0">
         <a:scrgbClr r="0" g="0" b="0"/>
       </a:effectRef>
       <a:fontRef idx="minor">
@@ -2231,13 +3135,13 @@
     <dgm:sp3d/>
     <dgm:txPr/>
     <dgm:style>
-      <a:lnRef idx="0">
+      <a:lnRef idx="2">
         <a:scrgbClr r="0" g="0" b="0"/>
       </a:lnRef>
-      <a:fillRef idx="3">
+      <a:fillRef idx="1">
         <a:scrgbClr r="0" g="0" b="0"/>
       </a:fillRef>
-      <a:effectRef idx="2">
+      <a:effectRef idx="0">
         <a:scrgbClr r="0" g="0" b="0"/>
       </a:effectRef>
       <a:fontRef idx="minor">
@@ -2253,13 +3157,13 @@
     <dgm:sp3d/>
     <dgm:txPr/>
     <dgm:style>
-      <a:lnRef idx="0">
+      <a:lnRef idx="2">
         <a:scrgbClr r="0" g="0" b="0"/>
       </a:lnRef>
-      <a:fillRef idx="3">
+      <a:fillRef idx="1">
         <a:scrgbClr r="0" g="0" b="0"/>
       </a:fillRef>
-      <a:effectRef idx="2">
+      <a:effectRef idx="0">
         <a:scrgbClr r="0" g="0" b="0"/>
       </a:effectRef>
       <a:fontRef idx="minor">
@@ -2275,13 +3179,13 @@
     <dgm:sp3d/>
     <dgm:txPr/>
     <dgm:style>
-      <a:lnRef idx="0">
+      <a:lnRef idx="2">
         <a:scrgbClr r="0" g="0" b="0"/>
       </a:lnRef>
-      <a:fillRef idx="3">
+      <a:fillRef idx="1">
         <a:scrgbClr r="0" g="0" b="0"/>
       </a:fillRef>
-      <a:effectRef idx="2">
+      <a:effectRef idx="0">
         <a:scrgbClr r="0" g="0" b="0"/>
       </a:effectRef>
       <a:fontRef idx="minor">
@@ -2297,13 +3201,13 @@
     <dgm:sp3d/>
     <dgm:txPr/>
     <dgm:style>
-      <a:lnRef idx="1">
+      <a:lnRef idx="2">
         <a:scrgbClr r="0" g="0" b="0"/>
       </a:lnRef>
-      <a:fillRef idx="3">
+      <a:fillRef idx="1">
         <a:scrgbClr r="0" g="0" b="0"/>
       </a:fillRef>
-      <a:effectRef idx="2">
+      <a:effectRef idx="0">
         <a:scrgbClr r="0" g="0" b="0"/>
       </a:effectRef>
       <a:fontRef idx="minor">
@@ -2319,13 +3223,13 @@
     <dgm:sp3d/>
     <dgm:txPr/>
     <dgm:style>
-      <a:lnRef idx="1">
+      <a:lnRef idx="2">
         <a:scrgbClr r="0" g="0" b="0"/>
       </a:lnRef>
-      <a:fillRef idx="3">
+      <a:fillRef idx="1">
         <a:scrgbClr r="0" g="0" b="0"/>
       </a:fillRef>
-      <a:effectRef idx="2">
+      <a:effectRef idx="0">
         <a:scrgbClr r="0" g="0" b="0"/>
       </a:effectRef>
       <a:fontRef idx="minor">
@@ -2341,7 +3245,7 @@
     <dgm:sp3d/>
     <dgm:txPr/>
     <dgm:style>
-      <a:lnRef idx="1">
+      <a:lnRef idx="2">
         <a:scrgbClr r="0" g="0" b="0"/>
       </a:lnRef>
       <a:fillRef idx="0">
@@ -2361,7 +3265,7 @@
     <dgm:sp3d/>
     <dgm:txPr/>
     <dgm:style>
-      <a:lnRef idx="1">
+      <a:lnRef idx="2">
         <a:scrgbClr r="0" g="0" b="0"/>
       </a:lnRef>
       <a:fillRef idx="0">
@@ -2381,7 +3285,7 @@
     <dgm:sp3d/>
     <dgm:txPr/>
     <dgm:style>
-      <a:lnRef idx="1">
+      <a:lnRef idx="2">
         <a:scrgbClr r="0" g="0" b="0"/>
       </a:lnRef>
       <a:fillRef idx="0">
@@ -2401,7 +3305,7 @@
     <dgm:sp3d/>
     <dgm:txPr/>
     <dgm:style>
-      <a:lnRef idx="1">
+      <a:lnRef idx="2">
         <a:scrgbClr r="0" g="0" b="0"/>
       </a:lnRef>
       <a:fillRef idx="0">
@@ -2421,7 +3325,7 @@
     <dgm:sp3d/>
     <dgm:txPr/>
     <dgm:style>
-      <a:lnRef idx="1">
+      <a:lnRef idx="2">
         <a:scrgbClr r="0" g="0" b="0"/>
       </a:lnRef>
       <a:fillRef idx="1">
@@ -2441,7 +3345,7 @@
     <dgm:sp3d/>
     <dgm:txPr/>
     <dgm:style>
-      <a:lnRef idx="1">
+      <a:lnRef idx="2">
         <a:scrgbClr r="0" g="0" b="0"/>
       </a:lnRef>
       <a:fillRef idx="1">
@@ -2461,7 +3365,7 @@
     <dgm:sp3d/>
     <dgm:txPr/>
     <dgm:style>
-      <a:lnRef idx="1">
+      <a:lnRef idx="2">
         <a:scrgbClr r="0" g="0" b="0"/>
       </a:lnRef>
       <a:fillRef idx="1">
@@ -2501,7 +3405,7 @@
     <dgm:sp3d/>
     <dgm:txPr/>
     <dgm:style>
-      <a:lnRef idx="1">
+      <a:lnRef idx="2">
         <a:scrgbClr r="0" g="0" b="0"/>
       </a:lnRef>
       <a:fillRef idx="1">
@@ -2521,7 +3425,7 @@
     <dgm:sp3d/>
     <dgm:txPr/>
     <dgm:style>
-      <a:lnRef idx="1">
+      <a:lnRef idx="2">
         <a:scrgbClr r="0" g="0" b="0"/>
       </a:lnRef>
       <a:fillRef idx="1">
@@ -2541,7 +3445,7 @@
     <dgm:sp3d/>
     <dgm:txPr/>
     <dgm:style>
-      <a:lnRef idx="1">
+      <a:lnRef idx="2">
         <a:scrgbClr r="0" g="0" b="0"/>
       </a:lnRef>
       <a:fillRef idx="1">
@@ -2561,7 +3465,7 @@
     <dgm:sp3d/>
     <dgm:txPr/>
     <dgm:style>
-      <a:lnRef idx="1">
+      <a:lnRef idx="2">
         <a:scrgbClr r="0" g="0" b="0"/>
       </a:lnRef>
       <a:fillRef idx="1">
@@ -2581,7 +3485,7 @@
     <dgm:sp3d/>
     <dgm:txPr/>
     <dgm:style>
-      <a:lnRef idx="1">
+      <a:lnRef idx="2">
         <a:scrgbClr r="0" g="0" b="0"/>
       </a:lnRef>
       <a:fillRef idx="1">
@@ -2601,7 +3505,7 @@
     <dgm:sp3d/>
     <dgm:txPr/>
     <dgm:style>
-      <a:lnRef idx="1">
+      <a:lnRef idx="2">
         <a:scrgbClr r="0" g="0" b="0"/>
       </a:lnRef>
       <a:fillRef idx="1">
@@ -2621,7 +3525,7 @@
     <dgm:sp3d/>
     <dgm:txPr/>
     <dgm:style>
-      <a:lnRef idx="1">
+      <a:lnRef idx="2">
         <a:scrgbClr r="0" g="0" b="0"/>
       </a:lnRef>
       <a:fillRef idx="1">
@@ -2641,7 +3545,7 @@
     <dgm:sp3d/>
     <dgm:txPr/>
     <dgm:style>
-      <a:lnRef idx="1">
+      <a:lnRef idx="2">
         <a:scrgbClr r="0" g="0" b="0"/>
       </a:lnRef>
       <a:fillRef idx="1">
@@ -2661,7 +3565,7 @@
     <dgm:sp3d/>
     <dgm:txPr/>
     <dgm:style>
-      <a:lnRef idx="1">
+      <a:lnRef idx="2">
         <a:scrgbClr r="0" g="0" b="0"/>
       </a:lnRef>
       <a:fillRef idx="1">
@@ -2681,7 +3585,7 @@
     <dgm:sp3d/>
     <dgm:txPr/>
     <dgm:style>
-      <a:lnRef idx="1">
+      <a:lnRef idx="2">
         <a:scrgbClr r="0" g="0" b="0"/>
       </a:lnRef>
       <a:fillRef idx="1">
@@ -2701,7 +3605,7 @@
     <dgm:sp3d/>
     <dgm:txPr/>
     <dgm:style>
-      <a:lnRef idx="1">
+      <a:lnRef idx="2">
         <a:scrgbClr r="0" g="0" b="0"/>
       </a:lnRef>
       <a:fillRef idx="1">
@@ -2727,7 +3631,7 @@
       <a:fillRef idx="1">
         <a:scrgbClr r="0" g="0" b="0"/>
       </a:fillRef>
-      <a:effectRef idx="2">
+      <a:effectRef idx="0">
         <a:scrgbClr r="0" g="0" b="0"/>
       </a:effectRef>
       <a:fontRef idx="minor"/>
@@ -2747,7 +3651,7 @@
       <a:fillRef idx="1">
         <a:scrgbClr r="0" g="0" b="0"/>
       </a:fillRef>
-      <a:effectRef idx="2">
+      <a:effectRef idx="0">
         <a:scrgbClr r="0" g="0" b="0"/>
       </a:effectRef>
       <a:fontRef idx="minor"/>
@@ -2781,13 +3685,13 @@
     <dgm:sp3d/>
     <dgm:txPr/>
     <dgm:style>
-      <a:lnRef idx="0">
+      <a:lnRef idx="2">
         <a:scrgbClr r="0" g="0" b="0"/>
       </a:lnRef>
-      <a:fillRef idx="3">
+      <a:fillRef idx="1">
         <a:scrgbClr r="0" g="0" b="0"/>
       </a:fillRef>
-      <a:effectRef idx="2">
+      <a:effectRef idx="0">
         <a:scrgbClr r="0" g="0" b="0"/>
       </a:effectRef>
       <a:fontRef idx="minor"/>
@@ -3005,7 +3909,7 @@
             <a:fld id="{B61BEF0D-F0BB-DE4B-95CE-6DB70DBA9567}" type="datetimeFigureOut">
               <a:rPr lang="en-US" dirty="0"/>
               <a:pPr/>
-              <a:t>5/4/2019</a:t>
+              <a:t>5/6/2019</a:t>
             </a:fld>
             <a:endParaRPr lang="en-US" dirty="0"/>
           </a:p>
@@ -3340,7 +4244,7 @@
             <a:fld id="{B61BEF0D-F0BB-DE4B-95CE-6DB70DBA9567}" type="datetimeFigureOut">
               <a:rPr lang="en-US" dirty="0"/>
               <a:pPr/>
-              <a:t>5/4/2019</a:t>
+              <a:t>5/6/2019</a:t>
             </a:fld>
             <a:endParaRPr lang="en-US" dirty="0"/>
           </a:p>
@@ -3738,7 +4642,7 @@
             <a:fld id="{B61BEF0D-F0BB-DE4B-95CE-6DB70DBA9567}" type="datetimeFigureOut">
               <a:rPr lang="en-US" dirty="0"/>
               <a:pPr/>
-              <a:t>5/4/2019</a:t>
+              <a:t>5/6/2019</a:t>
             </a:fld>
             <a:endParaRPr lang="en-US" dirty="0"/>
           </a:p>
@@ -4071,7 +4975,7 @@
             <a:fld id="{B61BEF0D-F0BB-DE4B-95CE-6DB70DBA9567}" type="datetimeFigureOut">
               <a:rPr lang="en-US" dirty="0"/>
               <a:pPr/>
-              <a:t>5/4/2019</a:t>
+              <a:t>5/6/2019</a:t>
             </a:fld>
             <a:endParaRPr lang="en-US" dirty="0"/>
           </a:p>
@@ -4388,7 +5292,7 @@
             <a:fld id="{B61BEF0D-F0BB-DE4B-95CE-6DB70DBA9567}" type="datetimeFigureOut">
               <a:rPr lang="en-US" dirty="0"/>
               <a:pPr/>
-              <a:t>5/4/2019</a:t>
+              <a:t>5/6/2019</a:t>
             </a:fld>
             <a:endParaRPr lang="en-US" dirty="0"/>
           </a:p>
@@ -4781,7 +5685,7 @@
             <a:fld id="{B61BEF0D-F0BB-DE4B-95CE-6DB70DBA9567}" type="datetimeFigureOut">
               <a:rPr lang="en-US" dirty="0"/>
               <a:pPr/>
-              <a:t>5/4/2019</a:t>
+              <a:t>5/6/2019</a:t>
             </a:fld>
             <a:endParaRPr lang="en-US" dirty="0"/>
           </a:p>
@@ -5035,7 +5939,7 @@
             <a:fld id="{B61BEF0D-F0BB-DE4B-95CE-6DB70DBA9567}" type="datetimeFigureOut">
               <a:rPr lang="en-US" dirty="0"/>
               <a:pPr/>
-              <a:t>5/4/2019</a:t>
+              <a:t>5/6/2019</a:t>
             </a:fld>
             <a:endParaRPr lang="en-US" dirty="0"/>
           </a:p>
@@ -5294,7 +6198,7 @@
             <a:fld id="{B61BEF0D-F0BB-DE4B-95CE-6DB70DBA9567}" type="datetimeFigureOut">
               <a:rPr lang="en-US" dirty="0"/>
               <a:pPr/>
-              <a:t>5/4/2019</a:t>
+              <a:t>5/6/2019</a:t>
             </a:fld>
             <a:endParaRPr lang="en-US" dirty="0"/>
           </a:p>
@@ -5553,7 +6457,7 @@
             <a:fld id="{B61BEF0D-F0BB-DE4B-95CE-6DB70DBA9567}" type="datetimeFigureOut">
               <a:rPr lang="en-US" dirty="0"/>
               <a:pPr/>
-              <a:t>5/4/2019</a:t>
+              <a:t>5/6/2019</a:t>
             </a:fld>
             <a:endParaRPr lang="en-US" dirty="0"/>
           </a:p>
@@ -5879,7 +6783,7 @@
             <a:fld id="{B61BEF0D-F0BB-DE4B-95CE-6DB70DBA9567}" type="datetimeFigureOut">
               <a:rPr lang="en-US" dirty="0"/>
               <a:pPr/>
-              <a:t>5/4/2019</a:t>
+              <a:t>5/6/2019</a:t>
             </a:fld>
             <a:endParaRPr lang="en-US" dirty="0"/>
           </a:p>
@@ -6199,7 +7103,7 @@
             <a:fld id="{B61BEF0D-F0BB-DE4B-95CE-6DB70DBA9567}" type="datetimeFigureOut">
               <a:rPr lang="en-US" dirty="0"/>
               <a:pPr/>
-              <a:t>5/4/2019</a:t>
+              <a:t>5/6/2019</a:t>
             </a:fld>
             <a:endParaRPr lang="en-US" dirty="0"/>
           </a:p>
@@ -6653,7 +7557,7 @@
             <a:fld id="{B61BEF0D-F0BB-DE4B-95CE-6DB70DBA9567}" type="datetimeFigureOut">
               <a:rPr lang="en-US" dirty="0"/>
               <a:pPr/>
-              <a:t>5/4/2019</a:t>
+              <a:t>5/6/2019</a:t>
             </a:fld>
             <a:endParaRPr lang="en-US" dirty="0"/>
           </a:p>
@@ -6855,7 +7759,7 @@
             <a:fld id="{B61BEF0D-F0BB-DE4B-95CE-6DB70DBA9567}" type="datetimeFigureOut">
               <a:rPr lang="en-US" dirty="0"/>
               <a:pPr/>
-              <a:t>5/4/2019</a:t>
+              <a:t>5/6/2019</a:t>
             </a:fld>
             <a:endParaRPr lang="en-US" dirty="0"/>
           </a:p>
@@ -7029,7 +7933,7 @@
             <a:fld id="{B61BEF0D-F0BB-DE4B-95CE-6DB70DBA9567}" type="datetimeFigureOut">
               <a:rPr lang="en-US" dirty="0"/>
               <a:pPr/>
-              <a:t>5/4/2019</a:t>
+              <a:t>5/6/2019</a:t>
             </a:fld>
             <a:endParaRPr lang="en-US" dirty="0"/>
           </a:p>
@@ -7359,7 +8263,7 @@
             <a:fld id="{B61BEF0D-F0BB-DE4B-95CE-6DB70DBA9567}" type="datetimeFigureOut">
               <a:rPr lang="en-US" dirty="0"/>
               <a:pPr/>
-              <a:t>5/4/2019</a:t>
+              <a:t>5/6/2019</a:t>
             </a:fld>
             <a:endParaRPr lang="en-US" dirty="0"/>
           </a:p>
@@ -7701,7 +8605,7 @@
             <a:fld id="{B61BEF0D-F0BB-DE4B-95CE-6DB70DBA9567}" type="datetimeFigureOut">
               <a:rPr lang="en-US" dirty="0"/>
               <a:pPr/>
-              <a:t>5/4/2019</a:t>
+              <a:t>5/6/2019</a:t>
             </a:fld>
             <a:endParaRPr lang="en-US" dirty="0"/>
           </a:p>
@@ -9815,7 +10719,7 @@
             <a:fld id="{B61BEF0D-F0BB-DE4B-95CE-6DB70DBA9567}" type="datetimeFigureOut">
               <a:rPr lang="en-US" dirty="0"/>
               <a:pPr/>
-              <a:t>5/4/2019</a:t>
+              <a:t>5/6/2019</a:t>
             </a:fld>
             <a:endParaRPr lang="en-US" dirty="0"/>
           </a:p>
@@ -10368,7 +11272,11 @@
           <a:p>
             <a:r>
               <a:rPr lang="sr-Latn-BA" dirty="0" smtClean="0"/>
-              <a:t>Softver za online rezervaciju ulaznica</a:t>
+              <a:t>Sistem </a:t>
+            </a:r>
+            <a:r>
+              <a:rPr lang="sr-Latn-BA" dirty="0" smtClean="0"/>
+              <a:t>za online rezervaciju ulaznica</a:t>
             </a:r>
             <a:endParaRPr lang="sr-Latn-BA" dirty="0"/>
           </a:p>
@@ -10394,6 +11302,814 @@
 </p:sld>
 </file>
 
+<file path=ppt/slides/slide10.xml><?xml version="1.0" encoding="utf-8"?>
+<p:sld xmlns:a="http://schemas.openxmlformats.org/drawingml/2006/main" xmlns:r="http://schemas.openxmlformats.org/officeDocument/2006/relationships" xmlns:p="http://schemas.openxmlformats.org/presentationml/2006/main">
+  <p:cSld>
+    <p:spTree>
+      <p:nvGrpSpPr>
+        <p:cNvPr id="1" name=""/>
+        <p:cNvGrpSpPr/>
+        <p:nvPr/>
+      </p:nvGrpSpPr>
+      <p:grpSpPr>
+        <a:xfrm>
+          <a:off x="0" y="0"/>
+          <a:ext cx="0" cy="0"/>
+          <a:chOff x="0" y="0"/>
+          <a:chExt cx="0" cy="0"/>
+        </a:xfrm>
+      </p:grpSpPr>
+      <p:sp>
+        <p:nvSpPr>
+          <p:cNvPr id="2" name="Title 1"/>
+          <p:cNvSpPr>
+            <a:spLocks noGrp="1"/>
+          </p:cNvSpPr>
+          <p:nvPr>
+            <p:ph type="title"/>
+          </p:nvPr>
+        </p:nvSpPr>
+        <p:spPr/>
+        <p:txBody>
+          <a:bodyPr/>
+          <a:lstStyle/>
+          <a:p>
+            <a:r>
+              <a:rPr lang="sr-Latn-BA" dirty="0" smtClean="0"/>
+              <a:t>Neregistrovani korisnik</a:t>
+            </a:r>
+            <a:endParaRPr lang="sr-Latn-BA" dirty="0"/>
+          </a:p>
+        </p:txBody>
+      </p:sp>
+      <p:sp>
+        <p:nvSpPr>
+          <p:cNvPr id="3" name="Content Placeholder 2"/>
+          <p:cNvSpPr>
+            <a:spLocks noGrp="1"/>
+          </p:cNvSpPr>
+          <p:nvPr>
+            <p:ph idx="1"/>
+          </p:nvPr>
+        </p:nvSpPr>
+        <p:spPr/>
+        <p:txBody>
+          <a:bodyPr/>
+          <a:lstStyle/>
+          <a:p>
+            <a:pPr>
+              <a:lnSpc>
+                <a:spcPct val="200000"/>
+              </a:lnSpc>
+            </a:pPr>
+            <a:r>
+              <a:rPr lang="sr-Latn-BA" dirty="0" smtClean="0"/>
+              <a:t>Kreiranje naloga</a:t>
+            </a:r>
+          </a:p>
+          <a:p>
+            <a:pPr>
+              <a:lnSpc>
+                <a:spcPct val="200000"/>
+              </a:lnSpc>
+            </a:pPr>
+            <a:r>
+              <a:rPr lang="sr-Latn-BA" dirty="0" smtClean="0"/>
+              <a:t>Pregled repertoara i informacija o konkretnom događaju</a:t>
+            </a:r>
+            <a:endParaRPr lang="sr-Latn-BA" dirty="0"/>
+          </a:p>
+        </p:txBody>
+      </p:sp>
+    </p:spTree>
+    <p:extLst>
+      <p:ext uri="{BB962C8B-B14F-4D97-AF65-F5344CB8AC3E}">
+        <p14:creationId xmlns:p14="http://schemas.microsoft.com/office/powerpoint/2010/main" val="3254619575"/>
+      </p:ext>
+    </p:extLst>
+  </p:cSld>
+  <p:clrMapOvr>
+    <a:masterClrMapping/>
+  </p:clrMapOvr>
+  <p:timing>
+    <p:tnLst>
+      <p:par>
+        <p:cTn id="1" dur="indefinite" restart="never" nodeType="tmRoot"/>
+      </p:par>
+    </p:tnLst>
+  </p:timing>
+</p:sld>
+</file>
+
+<file path=ppt/slides/slide11.xml><?xml version="1.0" encoding="utf-8"?>
+<p:sld xmlns:a="http://schemas.openxmlformats.org/drawingml/2006/main" xmlns:r="http://schemas.openxmlformats.org/officeDocument/2006/relationships" xmlns:p="http://schemas.openxmlformats.org/presentationml/2006/main">
+  <p:cSld>
+    <p:spTree>
+      <p:nvGrpSpPr>
+        <p:cNvPr id="1" name=""/>
+        <p:cNvGrpSpPr/>
+        <p:nvPr/>
+      </p:nvGrpSpPr>
+      <p:grpSpPr>
+        <a:xfrm>
+          <a:off x="0" y="0"/>
+          <a:ext cx="0" cy="0"/>
+          <a:chOff x="0" y="0"/>
+          <a:chExt cx="0" cy="0"/>
+        </a:xfrm>
+      </p:grpSpPr>
+      <p:sp>
+        <p:nvSpPr>
+          <p:cNvPr id="2" name="Title 1"/>
+          <p:cNvSpPr>
+            <a:spLocks noGrp="1"/>
+          </p:cNvSpPr>
+          <p:nvPr>
+            <p:ph type="title"/>
+          </p:nvPr>
+        </p:nvSpPr>
+        <p:spPr/>
+        <p:txBody>
+          <a:bodyPr/>
+          <a:lstStyle/>
+          <a:p>
+            <a:r>
+              <a:rPr lang="sr-Latn-BA" dirty="0" smtClean="0"/>
+              <a:t>Korisnički interfejsi</a:t>
+            </a:r>
+            <a:endParaRPr lang="sr-Latn-BA" dirty="0"/>
+          </a:p>
+        </p:txBody>
+      </p:sp>
+      <p:sp>
+        <p:nvSpPr>
+          <p:cNvPr id="3" name="Content Placeholder 2"/>
+          <p:cNvSpPr>
+            <a:spLocks noGrp="1"/>
+          </p:cNvSpPr>
+          <p:nvPr>
+            <p:ph idx="1"/>
+          </p:nvPr>
+        </p:nvSpPr>
+        <p:spPr/>
+        <p:txBody>
+          <a:bodyPr/>
+          <a:lstStyle/>
+          <a:p>
+            <a:pPr>
+              <a:lnSpc>
+                <a:spcPct val="200000"/>
+              </a:lnSpc>
+            </a:pPr>
+            <a:r>
+              <a:rPr lang="sr-Latn-BA" dirty="0" smtClean="0"/>
+              <a:t>Korisnici sistema imaju istu formu za prijavu</a:t>
+            </a:r>
+            <a:r>
+              <a:rPr lang="sr-Latn-BA" dirty="0"/>
+              <a:t> </a:t>
+            </a:r>
+            <a:r>
+              <a:rPr lang="sr-Latn-BA" dirty="0" smtClean="0"/>
+              <a:t>(osim neregistrovanih korisnika)</a:t>
+            </a:r>
+          </a:p>
+          <a:p>
+            <a:pPr>
+              <a:lnSpc>
+                <a:spcPct val="200000"/>
+              </a:lnSpc>
+            </a:pPr>
+            <a:r>
+              <a:rPr lang="sr-Latn-BA" dirty="0" smtClean="0"/>
+              <a:t>U zavisnosti od vrste korisnika, nakon prijave na sistem, prikazuje im se odgovarajuća forma</a:t>
+            </a:r>
+          </a:p>
+        </p:txBody>
+      </p:sp>
+    </p:spTree>
+    <p:extLst>
+      <p:ext uri="{BB962C8B-B14F-4D97-AF65-F5344CB8AC3E}">
+        <p14:creationId xmlns:p14="http://schemas.microsoft.com/office/powerpoint/2010/main" val="3088218273"/>
+      </p:ext>
+    </p:extLst>
+  </p:cSld>
+  <p:clrMapOvr>
+    <a:masterClrMapping/>
+  </p:clrMapOvr>
+  <p:timing>
+    <p:tnLst>
+      <p:par>
+        <p:cTn id="1" dur="indefinite" restart="never" nodeType="tmRoot"/>
+      </p:par>
+    </p:tnLst>
+  </p:timing>
+</p:sld>
+</file>
+
+<file path=ppt/slides/slide12.xml><?xml version="1.0" encoding="utf-8"?>
+<p:sld xmlns:a="http://schemas.openxmlformats.org/drawingml/2006/main" xmlns:r="http://schemas.openxmlformats.org/officeDocument/2006/relationships" xmlns:p="http://schemas.openxmlformats.org/presentationml/2006/main">
+  <p:cSld>
+    <p:spTree>
+      <p:nvGrpSpPr>
+        <p:cNvPr id="1" name=""/>
+        <p:cNvGrpSpPr/>
+        <p:nvPr/>
+      </p:nvGrpSpPr>
+      <p:grpSpPr>
+        <a:xfrm>
+          <a:off x="0" y="0"/>
+          <a:ext cx="0" cy="0"/>
+          <a:chOff x="0" y="0"/>
+          <a:chExt cx="0" cy="0"/>
+        </a:xfrm>
+      </p:grpSpPr>
+      <p:sp>
+        <p:nvSpPr>
+          <p:cNvPr id="2" name="Title 1"/>
+          <p:cNvSpPr>
+            <a:spLocks noGrp="1"/>
+          </p:cNvSpPr>
+          <p:nvPr>
+            <p:ph type="title"/>
+          </p:nvPr>
+        </p:nvSpPr>
+        <p:spPr/>
+        <p:txBody>
+          <a:bodyPr/>
+          <a:lstStyle/>
+          <a:p>
+            <a:r>
+              <a:rPr lang="sr-Latn-BA" dirty="0" smtClean="0"/>
+              <a:t>Primjeri korisničkih formi</a:t>
+            </a:r>
+            <a:endParaRPr lang="sr-Latn-BA" dirty="0"/>
+          </a:p>
+        </p:txBody>
+      </p:sp>
+      <p:pic>
+        <p:nvPicPr>
+          <p:cNvPr id="4" name="Content Placeholder 3"/>
+          <p:cNvPicPr>
+            <a:picLocks noGrp="1" noChangeAspect="1"/>
+          </p:cNvPicPr>
+          <p:nvPr>
+            <p:ph idx="1"/>
+          </p:nvPr>
+        </p:nvPicPr>
+        <p:blipFill>
+          <a:blip r:embed="rId2">
+            <a:extLst>
+              <a:ext uri="{28A0092B-C50C-407E-A947-70E740481C1C}">
+                <a14:useLocalDpi xmlns:a14="http://schemas.microsoft.com/office/drawing/2010/main" val="0"/>
+              </a:ext>
+            </a:extLst>
+          </a:blip>
+          <a:stretch>
+            <a:fillRect/>
+          </a:stretch>
+        </p:blipFill>
+        <p:spPr>
+          <a:xfrm>
+            <a:off x="3461385" y="2133600"/>
+            <a:ext cx="5667375" cy="3778250"/>
+          </a:xfrm>
+        </p:spPr>
+      </p:pic>
+    </p:spTree>
+    <p:extLst>
+      <p:ext uri="{BB962C8B-B14F-4D97-AF65-F5344CB8AC3E}">
+        <p14:creationId xmlns:p14="http://schemas.microsoft.com/office/powerpoint/2010/main" val="1250387035"/>
+      </p:ext>
+    </p:extLst>
+  </p:cSld>
+  <p:clrMapOvr>
+    <a:masterClrMapping/>
+  </p:clrMapOvr>
+  <p:timing>
+    <p:tnLst>
+      <p:par>
+        <p:cTn id="1" dur="indefinite" restart="never" nodeType="tmRoot"/>
+      </p:par>
+    </p:tnLst>
+  </p:timing>
+</p:sld>
+</file>
+
+<file path=ppt/slides/slide13.xml><?xml version="1.0" encoding="utf-8"?>
+<p:sld xmlns:a="http://schemas.openxmlformats.org/drawingml/2006/main" xmlns:r="http://schemas.openxmlformats.org/officeDocument/2006/relationships" xmlns:p="http://schemas.openxmlformats.org/presentationml/2006/main">
+  <p:cSld>
+    <p:spTree>
+      <p:nvGrpSpPr>
+        <p:cNvPr id="1" name=""/>
+        <p:cNvGrpSpPr/>
+        <p:nvPr/>
+      </p:nvGrpSpPr>
+      <p:grpSpPr>
+        <a:xfrm>
+          <a:off x="0" y="0"/>
+          <a:ext cx="0" cy="0"/>
+          <a:chOff x="0" y="0"/>
+          <a:chExt cx="0" cy="0"/>
+        </a:xfrm>
+      </p:grpSpPr>
+      <p:sp>
+        <p:nvSpPr>
+          <p:cNvPr id="2" name="Title 1"/>
+          <p:cNvSpPr>
+            <a:spLocks noGrp="1"/>
+          </p:cNvSpPr>
+          <p:nvPr>
+            <p:ph type="title"/>
+          </p:nvPr>
+        </p:nvSpPr>
+        <p:spPr>
+          <a:xfrm>
+            <a:off x="2589213" y="5572760"/>
+            <a:ext cx="8915400" cy="566738"/>
+          </a:xfrm>
+        </p:spPr>
+        <p:txBody>
+          <a:bodyPr/>
+          <a:lstStyle/>
+          <a:p>
+            <a:pPr algn="ctr"/>
+            <a:r>
+              <a:rPr lang="en-US" dirty="0" smtClean="0"/>
+              <a:t>Forma </a:t>
+            </a:r>
+            <a:r>
+              <a:rPr lang="en-US" dirty="0" err="1" smtClean="0"/>
+              <a:t>za</a:t>
+            </a:r>
+            <a:r>
+              <a:rPr lang="en-US" dirty="0" smtClean="0"/>
+              <a:t> </a:t>
+            </a:r>
+            <a:r>
+              <a:rPr lang="en-US" dirty="0" err="1" smtClean="0"/>
+              <a:t>pregled</a:t>
+            </a:r>
+            <a:r>
+              <a:rPr lang="en-US" dirty="0" smtClean="0"/>
+              <a:t> </a:t>
+            </a:r>
+            <a:r>
+              <a:rPr lang="en-US" dirty="0" err="1" smtClean="0"/>
+              <a:t>doga</a:t>
+            </a:r>
+            <a:r>
+              <a:rPr lang="sr-Latn-BA" dirty="0" smtClean="0"/>
+              <a:t>đaja</a:t>
+            </a:r>
+            <a:endParaRPr lang="sr-Latn-BA" dirty="0"/>
+          </a:p>
+        </p:txBody>
+      </p:sp>
+      <p:pic>
+        <p:nvPicPr>
+          <p:cNvPr id="9" name="Picture 8"/>
+          <p:cNvPicPr>
+            <a:picLocks noChangeAspect="1"/>
+          </p:cNvPicPr>
+          <p:nvPr/>
+        </p:nvPicPr>
+        <p:blipFill>
+          <a:blip r:embed="rId2">
+            <a:extLst>
+              <a:ext uri="{28A0092B-C50C-407E-A947-70E740481C1C}">
+                <a14:useLocalDpi xmlns:a14="http://schemas.microsoft.com/office/drawing/2010/main" val="0"/>
+              </a:ext>
+            </a:extLst>
+          </a:blip>
+          <a:stretch>
+            <a:fillRect/>
+          </a:stretch>
+        </p:blipFill>
+        <p:spPr>
+          <a:xfrm>
+            <a:off x="3510597" y="928731"/>
+            <a:ext cx="6547803" cy="4360660"/>
+          </a:xfrm>
+          <a:prstGeom prst="rect">
+            <a:avLst/>
+          </a:prstGeom>
+        </p:spPr>
+      </p:pic>
+    </p:spTree>
+    <p:extLst>
+      <p:ext uri="{BB962C8B-B14F-4D97-AF65-F5344CB8AC3E}">
+        <p14:creationId xmlns:p14="http://schemas.microsoft.com/office/powerpoint/2010/main" val="3475532264"/>
+      </p:ext>
+    </p:extLst>
+  </p:cSld>
+  <p:clrMapOvr>
+    <a:masterClrMapping/>
+  </p:clrMapOvr>
+  <p:timing>
+    <p:tnLst>
+      <p:par>
+        <p:cTn id="1" dur="indefinite" restart="never" nodeType="tmRoot"/>
+      </p:par>
+    </p:tnLst>
+  </p:timing>
+</p:sld>
+</file>
+
+<file path=ppt/slides/slide14.xml><?xml version="1.0" encoding="utf-8"?>
+<p:sld xmlns:a="http://schemas.openxmlformats.org/drawingml/2006/main" xmlns:r="http://schemas.openxmlformats.org/officeDocument/2006/relationships" xmlns:p="http://schemas.openxmlformats.org/presentationml/2006/main">
+  <p:cSld>
+    <p:spTree>
+      <p:nvGrpSpPr>
+        <p:cNvPr id="1" name=""/>
+        <p:cNvGrpSpPr/>
+        <p:nvPr/>
+      </p:nvGrpSpPr>
+      <p:grpSpPr>
+        <a:xfrm>
+          <a:off x="0" y="0"/>
+          <a:ext cx="0" cy="0"/>
+          <a:chOff x="0" y="0"/>
+          <a:chExt cx="0" cy="0"/>
+        </a:xfrm>
+      </p:grpSpPr>
+      <p:sp>
+        <p:nvSpPr>
+          <p:cNvPr id="2" name="Title 1"/>
+          <p:cNvSpPr>
+            <a:spLocks noGrp="1"/>
+          </p:cNvSpPr>
+          <p:nvPr>
+            <p:ph type="title"/>
+          </p:nvPr>
+        </p:nvSpPr>
+        <p:spPr>
+          <a:xfrm>
+            <a:off x="2589213" y="5572760"/>
+            <a:ext cx="8915400" cy="566738"/>
+          </a:xfrm>
+        </p:spPr>
+        <p:txBody>
+          <a:bodyPr/>
+          <a:lstStyle/>
+          <a:p>
+            <a:pPr algn="ctr"/>
+            <a:r>
+              <a:rPr lang="en-US" dirty="0" smtClean="0"/>
+              <a:t>Forma </a:t>
+            </a:r>
+            <a:r>
+              <a:rPr lang="en-US" dirty="0" err="1" smtClean="0"/>
+              <a:t>za</a:t>
+            </a:r>
+            <a:r>
+              <a:rPr lang="sr-Latn-BA" dirty="0" smtClean="0"/>
+              <a:t> rezervaciju</a:t>
+            </a:r>
+            <a:endParaRPr lang="sr-Latn-BA" dirty="0"/>
+          </a:p>
+        </p:txBody>
+      </p:sp>
+      <p:pic>
+        <p:nvPicPr>
+          <p:cNvPr id="9" name="Picture 8"/>
+          <p:cNvPicPr>
+            <a:picLocks noChangeAspect="1"/>
+          </p:cNvPicPr>
+          <p:nvPr/>
+        </p:nvPicPr>
+        <p:blipFill>
+          <a:blip r:embed="rId2">
+            <a:extLst>
+              <a:ext uri="{28A0092B-C50C-407E-A947-70E740481C1C}">
+                <a14:useLocalDpi xmlns:a14="http://schemas.microsoft.com/office/drawing/2010/main" val="0"/>
+              </a:ext>
+            </a:extLst>
+          </a:blip>
+          <a:stretch>
+            <a:fillRect/>
+          </a:stretch>
+        </p:blipFill>
+        <p:spPr>
+          <a:xfrm>
+            <a:off x="4227059" y="928731"/>
+            <a:ext cx="5114878" cy="4360660"/>
+          </a:xfrm>
+          <a:prstGeom prst="rect">
+            <a:avLst/>
+          </a:prstGeom>
+        </p:spPr>
+      </p:pic>
+    </p:spTree>
+    <p:extLst>
+      <p:ext uri="{BB962C8B-B14F-4D97-AF65-F5344CB8AC3E}">
+        <p14:creationId xmlns:p14="http://schemas.microsoft.com/office/powerpoint/2010/main" val="1359338455"/>
+      </p:ext>
+    </p:extLst>
+  </p:cSld>
+  <p:clrMapOvr>
+    <a:masterClrMapping/>
+  </p:clrMapOvr>
+  <p:timing>
+    <p:tnLst>
+      <p:par>
+        <p:cTn id="1" dur="indefinite" restart="never" nodeType="tmRoot"/>
+      </p:par>
+    </p:tnLst>
+  </p:timing>
+</p:sld>
+</file>
+
+<file path=ppt/slides/slide15.xml><?xml version="1.0" encoding="utf-8"?>
+<p:sld xmlns:a="http://schemas.openxmlformats.org/drawingml/2006/main" xmlns:r="http://schemas.openxmlformats.org/officeDocument/2006/relationships" xmlns:p="http://schemas.openxmlformats.org/presentationml/2006/main">
+  <p:cSld>
+    <p:spTree>
+      <p:nvGrpSpPr>
+        <p:cNvPr id="1" name=""/>
+        <p:cNvGrpSpPr/>
+        <p:nvPr/>
+      </p:nvGrpSpPr>
+      <p:grpSpPr>
+        <a:xfrm>
+          <a:off x="0" y="0"/>
+          <a:ext cx="0" cy="0"/>
+          <a:chOff x="0" y="0"/>
+          <a:chExt cx="0" cy="0"/>
+        </a:xfrm>
+      </p:grpSpPr>
+      <p:sp>
+        <p:nvSpPr>
+          <p:cNvPr id="2" name="Title 1"/>
+          <p:cNvSpPr>
+            <a:spLocks noGrp="1"/>
+          </p:cNvSpPr>
+          <p:nvPr>
+            <p:ph type="title"/>
+          </p:nvPr>
+        </p:nvSpPr>
+        <p:spPr/>
+        <p:txBody>
+          <a:bodyPr/>
+          <a:lstStyle/>
+          <a:p>
+            <a:r>
+              <a:rPr lang="sr-Latn-BA" dirty="0" smtClean="0"/>
+              <a:t>Scenario korišćenja</a:t>
+            </a:r>
+            <a:endParaRPr lang="sr-Latn-BA" dirty="0"/>
+          </a:p>
+        </p:txBody>
+      </p:sp>
+      <p:pic>
+        <p:nvPicPr>
+          <p:cNvPr id="4" name="Picture 3"/>
+          <p:cNvPicPr>
+            <a:picLocks noChangeAspect="1"/>
+          </p:cNvPicPr>
+          <p:nvPr/>
+        </p:nvPicPr>
+        <p:blipFill>
+          <a:blip r:embed="rId2">
+            <a:extLst>
+              <a:ext uri="{28A0092B-C50C-407E-A947-70E740481C1C}">
+                <a14:useLocalDpi xmlns:a14="http://schemas.microsoft.com/office/drawing/2010/main" val="0"/>
+              </a:ext>
+            </a:extLst>
+          </a:blip>
+          <a:stretch>
+            <a:fillRect/>
+          </a:stretch>
+        </p:blipFill>
+        <p:spPr>
+          <a:xfrm>
+            <a:off x="5539439" y="2008576"/>
+            <a:ext cx="1156002" cy="1125788"/>
+          </a:xfrm>
+          <a:prstGeom prst="rect">
+            <a:avLst/>
+          </a:prstGeom>
+        </p:spPr>
+      </p:pic>
+      <p:pic>
+        <p:nvPicPr>
+          <p:cNvPr id="5" name="Picture 4"/>
+          <p:cNvPicPr>
+            <a:picLocks noChangeAspect="1"/>
+          </p:cNvPicPr>
+          <p:nvPr/>
+        </p:nvPicPr>
+        <p:blipFill>
+          <a:blip r:embed="rId3">
+            <a:extLst>
+              <a:ext uri="{28A0092B-C50C-407E-A947-70E740481C1C}">
+                <a14:useLocalDpi xmlns:a14="http://schemas.microsoft.com/office/drawing/2010/main" val="0"/>
+              </a:ext>
+            </a:extLst>
+          </a:blip>
+          <a:stretch>
+            <a:fillRect/>
+          </a:stretch>
+        </p:blipFill>
+        <p:spPr>
+          <a:xfrm>
+            <a:off x="2789080" y="4516739"/>
+            <a:ext cx="1051400" cy="1181619"/>
+          </a:xfrm>
+          <a:prstGeom prst="rect">
+            <a:avLst/>
+          </a:prstGeom>
+        </p:spPr>
+      </p:pic>
+      <p:pic>
+        <p:nvPicPr>
+          <p:cNvPr id="6" name="Picture 5"/>
+          <p:cNvPicPr>
+            <a:picLocks noChangeAspect="1"/>
+          </p:cNvPicPr>
+          <p:nvPr/>
+        </p:nvPicPr>
+        <p:blipFill>
+          <a:blip r:embed="rId4">
+            <a:extLst>
+              <a:ext uri="{28A0092B-C50C-407E-A947-70E740481C1C}">
+                <a14:useLocalDpi xmlns:a14="http://schemas.microsoft.com/office/drawing/2010/main" val="0"/>
+              </a:ext>
+            </a:extLst>
+          </a:blip>
+          <a:stretch>
+            <a:fillRect/>
+          </a:stretch>
+        </p:blipFill>
+        <p:spPr>
+          <a:xfrm>
+            <a:off x="8734843" y="4603613"/>
+            <a:ext cx="1143435" cy="1231392"/>
+          </a:xfrm>
+          <a:prstGeom prst="rect">
+            <a:avLst/>
+          </a:prstGeom>
+        </p:spPr>
+      </p:pic>
+    </p:spTree>
+    <p:extLst>
+      <p:ext uri="{BB962C8B-B14F-4D97-AF65-F5344CB8AC3E}">
+        <p14:creationId xmlns:p14="http://schemas.microsoft.com/office/powerpoint/2010/main" val="1460926923"/>
+      </p:ext>
+    </p:extLst>
+  </p:cSld>
+  <p:clrMapOvr>
+    <a:masterClrMapping/>
+  </p:clrMapOvr>
+</p:sld>
+</file>
+
+<file path=ppt/slides/slide16.xml><?xml version="1.0" encoding="utf-8"?>
+<p:sld xmlns:a="http://schemas.openxmlformats.org/drawingml/2006/main" xmlns:r="http://schemas.openxmlformats.org/officeDocument/2006/relationships" xmlns:p="http://schemas.openxmlformats.org/presentationml/2006/main">
+  <p:cSld>
+    <p:spTree>
+      <p:nvGrpSpPr>
+        <p:cNvPr id="1" name=""/>
+        <p:cNvGrpSpPr/>
+        <p:nvPr/>
+      </p:nvGrpSpPr>
+      <p:grpSpPr>
+        <a:xfrm>
+          <a:off x="0" y="0"/>
+          <a:ext cx="0" cy="0"/>
+          <a:chOff x="0" y="0"/>
+          <a:chExt cx="0" cy="0"/>
+        </a:xfrm>
+      </p:grpSpPr>
+      <p:sp>
+        <p:nvSpPr>
+          <p:cNvPr id="2" name="Title 1"/>
+          <p:cNvSpPr>
+            <a:spLocks noGrp="1"/>
+          </p:cNvSpPr>
+          <p:nvPr>
+            <p:ph type="title"/>
+          </p:nvPr>
+        </p:nvSpPr>
+        <p:spPr/>
+        <p:txBody>
+          <a:bodyPr/>
+          <a:lstStyle/>
+          <a:p>
+            <a:r>
+              <a:rPr lang="sr-Latn-BA" dirty="0" smtClean="0"/>
+              <a:t>Članovi tima</a:t>
+            </a:r>
+            <a:endParaRPr lang="sr-Latn-BA" dirty="0"/>
+          </a:p>
+        </p:txBody>
+      </p:sp>
+      <p:sp>
+        <p:nvSpPr>
+          <p:cNvPr id="3" name="Content Placeholder 2"/>
+          <p:cNvSpPr>
+            <a:spLocks noGrp="1"/>
+          </p:cNvSpPr>
+          <p:nvPr>
+            <p:ph idx="1"/>
+          </p:nvPr>
+        </p:nvSpPr>
+        <p:spPr/>
+        <p:txBody>
+          <a:bodyPr/>
+          <a:lstStyle/>
+          <a:p>
+            <a:r>
+              <a:rPr lang="sr-Latn-BA" dirty="0" smtClean="0"/>
+              <a:t>Branka Stanković</a:t>
+            </a:r>
+          </a:p>
+          <a:p>
+            <a:r>
+              <a:rPr lang="sr-Latn-BA" dirty="0" smtClean="0"/>
+              <a:t>Filip Adamović</a:t>
+            </a:r>
+          </a:p>
+          <a:p>
+            <a:r>
+              <a:rPr lang="sr-Latn-BA" dirty="0" smtClean="0"/>
+              <a:t>Miloš Sukara</a:t>
+            </a:r>
+          </a:p>
+          <a:p>
+            <a:r>
+              <a:rPr lang="sr-Latn-BA" dirty="0" smtClean="0"/>
+              <a:t>Nikola Blagojević</a:t>
+            </a:r>
+            <a:endParaRPr lang="sr-Latn-BA" dirty="0"/>
+          </a:p>
+        </p:txBody>
+      </p:sp>
+    </p:spTree>
+    <p:extLst>
+      <p:ext uri="{BB962C8B-B14F-4D97-AF65-F5344CB8AC3E}">
+        <p14:creationId xmlns:p14="http://schemas.microsoft.com/office/powerpoint/2010/main" val="2068163185"/>
+      </p:ext>
+    </p:extLst>
+  </p:cSld>
+  <p:clrMapOvr>
+    <a:masterClrMapping/>
+  </p:clrMapOvr>
+</p:sld>
+</file>
+
+<file path=ppt/slides/slide17.xml><?xml version="1.0" encoding="utf-8"?>
+<p:sld xmlns:a="http://schemas.openxmlformats.org/drawingml/2006/main" xmlns:r="http://schemas.openxmlformats.org/officeDocument/2006/relationships" xmlns:p="http://schemas.openxmlformats.org/presentationml/2006/main">
+  <p:cSld>
+    <p:spTree>
+      <p:nvGrpSpPr>
+        <p:cNvPr id="1" name=""/>
+        <p:cNvGrpSpPr/>
+        <p:nvPr/>
+      </p:nvGrpSpPr>
+      <p:grpSpPr>
+        <a:xfrm>
+          <a:off x="0" y="0"/>
+          <a:ext cx="0" cy="0"/>
+          <a:chOff x="0" y="0"/>
+          <a:chExt cx="0" cy="0"/>
+        </a:xfrm>
+      </p:grpSpPr>
+      <p:sp>
+        <p:nvSpPr>
+          <p:cNvPr id="2" name="Title 1"/>
+          <p:cNvSpPr>
+            <a:spLocks noGrp="1"/>
+          </p:cNvSpPr>
+          <p:nvPr>
+            <p:ph type="ctrTitle"/>
+          </p:nvPr>
+        </p:nvSpPr>
+        <p:spPr/>
+        <p:txBody>
+          <a:bodyPr/>
+          <a:lstStyle/>
+          <a:p>
+            <a:r>
+              <a:rPr lang="sr-Latn-BA" dirty="0" smtClean="0"/>
+              <a:t>Hvala na pažnji!</a:t>
+            </a:r>
+            <a:endParaRPr lang="sr-Latn-BA" dirty="0"/>
+          </a:p>
+        </p:txBody>
+      </p:sp>
+    </p:spTree>
+    <p:extLst>
+      <p:ext uri="{BB962C8B-B14F-4D97-AF65-F5344CB8AC3E}">
+        <p14:creationId xmlns:p14="http://schemas.microsoft.com/office/powerpoint/2010/main" val="82312812"/>
+      </p:ext>
+    </p:extLst>
+  </p:cSld>
+  <p:clrMapOvr>
+    <a:masterClrMapping/>
+  </p:clrMapOvr>
+</p:sld>
+</file>
+
 <file path=ppt/slides/slide2.xml><?xml version="1.0" encoding="utf-8"?>
 <p:sld xmlns:a="http://schemas.openxmlformats.org/drawingml/2006/main" xmlns:r="http://schemas.openxmlformats.org/officeDocument/2006/relationships" xmlns:p="http://schemas.openxmlformats.org/presentationml/2006/main">
   <p:cSld>
@@ -10456,7 +12172,15 @@
             </a:pPr>
             <a:r>
               <a:rPr lang="sr-Latn-BA" dirty="0" smtClean="0"/>
-              <a:t>Ticketeer je softver za online rezervaciju ulaznica</a:t>
+              <a:t>Ticketeer je </a:t>
+            </a:r>
+            <a:r>
+              <a:rPr lang="sr-Latn-BA" dirty="0" smtClean="0"/>
+              <a:t>sistem </a:t>
+            </a:r>
+            <a:r>
+              <a:rPr lang="sr-Latn-BA" dirty="0" smtClean="0"/>
+              <a:t>za online rezervaciju ulaznica</a:t>
             </a:r>
           </a:p>
           <a:p>
@@ -10489,7 +12213,15 @@
             </a:pPr>
             <a:r>
               <a:rPr lang="sr-Latn-BA" dirty="0" smtClean="0"/>
-              <a:t>Osmišljen je kao jednostavno, brzo i sigurno rješenje, sa velikim nivoom modularnosti i prilagodljivosti željama naručioca</a:t>
+              <a:t>Osmišljen je kao jednostavno, brzo i sigurno rješenje, sa velikim </a:t>
+            </a:r>
+            <a:r>
+              <a:rPr lang="sr-Latn-BA" dirty="0" smtClean="0"/>
+              <a:t>nivoom prilagodljivosti </a:t>
+            </a:r>
+            <a:r>
+              <a:rPr lang="sr-Latn-BA" dirty="0" smtClean="0"/>
+              <a:t>željama naručioca</a:t>
             </a:r>
             <a:endParaRPr lang="sr-Latn-BA" dirty="0"/>
           </a:p>
@@ -10577,7 +12309,7 @@
             </a:pPr>
             <a:r>
               <a:rPr lang="sr-Latn-BA" dirty="0" smtClean="0"/>
-              <a:t>Moderan i intuitivan dizajn</a:t>
+              <a:t>Sve veća popularnost online usluga</a:t>
             </a:r>
           </a:p>
           <a:p>
@@ -10588,7 +12320,7 @@
             </a:pPr>
             <a:r>
               <a:rPr lang="sr-Latn-BA" dirty="0" smtClean="0"/>
-              <a:t>Jednostavan za upotrebu</a:t>
+              <a:t>Rasterećrnje postojećih načina za rezervaciju</a:t>
             </a:r>
           </a:p>
           <a:p>
@@ -10599,8 +12331,26 @@
             </a:pPr>
             <a:r>
               <a:rPr lang="sr-Latn-BA" dirty="0" smtClean="0"/>
-              <a:t>Velik stepen prilagodljivosti?</a:t>
-            </a:r>
+              <a:t>Smanjenje gužvi i redova na blagajnama</a:t>
+            </a:r>
+          </a:p>
+          <a:p>
+            <a:pPr>
+              <a:lnSpc>
+                <a:spcPct val="200000"/>
+              </a:lnSpc>
+            </a:pPr>
+            <a:r>
+              <a:rPr lang="sr-Latn-BA" dirty="0" smtClean="0"/>
+              <a:t>Povećanje dostupnosti (rezervacije, informacije o događajima, online kupovina...)</a:t>
+            </a:r>
+          </a:p>
+          <a:p>
+            <a:pPr>
+              <a:lnSpc>
+                <a:spcPct val="200000"/>
+              </a:lnSpc>
+            </a:pPr>
             <a:endParaRPr lang="sr-Latn-BA" dirty="0"/>
           </a:p>
         </p:txBody>
@@ -10680,23 +12430,66 @@
           <a:bodyPr/>
           <a:lstStyle/>
           <a:p>
+            <a:pPr>
+              <a:lnSpc>
+                <a:spcPct val="200000"/>
+              </a:lnSpc>
+            </a:pPr>
             <a:r>
               <a:rPr lang="sr-Latn-BA" dirty="0" smtClean="0"/>
-              <a:t>Obezbjeđivanje brze rezervacije ulaznice</a:t>
-            </a:r>
-          </a:p>
-          <a:p>
-            <a:endParaRPr lang="sr-Latn-BA" dirty="0" smtClean="0"/>
-          </a:p>
-          <a:p>
-            <a:endParaRPr lang="sr-Latn-BA" dirty="0"/>
+              <a:t>Jednostavno rješenje za online rezervacije</a:t>
+            </a:r>
+          </a:p>
+          <a:p>
+            <a:pPr>
+              <a:lnSpc>
+                <a:spcPct val="200000"/>
+              </a:lnSpc>
+            </a:pPr>
+            <a:r>
+              <a:rPr lang="sr-Latn-BA" dirty="0" smtClean="0"/>
+              <a:t>Smanjenje vremena potrebnog za rezervaciju ulaznice</a:t>
+            </a:r>
+          </a:p>
+          <a:p>
+            <a:pPr>
+              <a:lnSpc>
+                <a:spcPct val="200000"/>
+              </a:lnSpc>
+            </a:pPr>
+            <a:r>
+              <a:rPr lang="sr-Latn-BA" dirty="0" smtClean="0"/>
+              <a:t>Univerzalnost (primjenjljiv za različite tipove događaja)</a:t>
+            </a:r>
+          </a:p>
+          <a:p>
+            <a:pPr>
+              <a:lnSpc>
+                <a:spcPct val="200000"/>
+              </a:lnSpc>
+            </a:pPr>
+            <a:r>
+              <a:rPr lang="sr-Latn-BA" dirty="0" smtClean="0"/>
+              <a:t>Prilagodljivost različitim željama naručioca</a:t>
+            </a:r>
+          </a:p>
+          <a:p>
+            <a:pPr>
+              <a:lnSpc>
+                <a:spcPct val="200000"/>
+              </a:lnSpc>
+            </a:pPr>
+            <a:r>
+              <a:rPr lang="sr-Latn-BA" dirty="0" smtClean="0"/>
+              <a:t>Omogućavanje uvida u istoriju rezervacija</a:t>
+            </a:r>
           </a:p>
         </p:txBody>
       </p:sp>
     </p:spTree>
     <p:extLst>
       <p:ext uri="{BB962C8B-B14F-4D97-AF65-F5344CB8AC3E}">
-        <p14:creationId xmlns:p14="http://schemas.microsoft.com/office/powerpoint/2010/main" val="3580633726"/>
+        <p14:creationId xmlns:p14="http://schemas.microsoft.com/office/powerpoint/2010/main" val="1369944647"/>
       </p:ext>
     </p:extLst>
   </p:cSld>
@@ -10773,6 +12566,181 @@
               <a:t>Ticketeer je web aplikacija sa klijent-server arhitekturom</a:t>
             </a:r>
             <a:endParaRPr lang="sr-Latn-BA" dirty="0"/>
+          </a:p>
+        </p:txBody>
+      </p:sp>
+      <p:pic>
+        <p:nvPicPr>
+          <p:cNvPr id="4" name="Picture 3"/>
+          <p:cNvPicPr>
+            <a:picLocks noChangeAspect="1"/>
+          </p:cNvPicPr>
+          <p:nvPr/>
+        </p:nvPicPr>
+        <p:blipFill>
+          <a:blip r:embed="rId2">
+            <a:extLst>
+              <a:ext uri="{28A0092B-C50C-407E-A947-70E740481C1C}">
+                <a14:useLocalDpi xmlns:a14="http://schemas.microsoft.com/office/drawing/2010/main" val="0"/>
+              </a:ext>
+            </a:extLst>
+          </a:blip>
+          <a:stretch>
+            <a:fillRect/>
+          </a:stretch>
+        </p:blipFill>
+        <p:spPr>
+          <a:xfrm>
+            <a:off x="2148057" y="3786197"/>
+            <a:ext cx="882309" cy="1219527"/>
+          </a:xfrm>
+          <a:prstGeom prst="rect">
+            <a:avLst/>
+          </a:prstGeom>
+        </p:spPr>
+      </p:pic>
+      <p:pic>
+        <p:nvPicPr>
+          <p:cNvPr id="5" name="Picture 4"/>
+          <p:cNvPicPr>
+            <a:picLocks noChangeAspect="1"/>
+          </p:cNvPicPr>
+          <p:nvPr/>
+        </p:nvPicPr>
+        <p:blipFill>
+          <a:blip r:embed="rId3">
+            <a:extLst>
+              <a:ext uri="{28A0092B-C50C-407E-A947-70E740481C1C}">
+                <a14:useLocalDpi xmlns:a14="http://schemas.microsoft.com/office/drawing/2010/main" val="0"/>
+              </a:ext>
+            </a:extLst>
+          </a:blip>
+          <a:stretch>
+            <a:fillRect/>
+          </a:stretch>
+        </p:blipFill>
+        <p:spPr>
+          <a:xfrm>
+            <a:off x="8798373" y="3424234"/>
+            <a:ext cx="1941514" cy="1943456"/>
+          </a:xfrm>
+          <a:prstGeom prst="rect">
+            <a:avLst/>
+          </a:prstGeom>
+        </p:spPr>
+      </p:pic>
+      <p:pic>
+        <p:nvPicPr>
+          <p:cNvPr id="6" name="Picture 5"/>
+          <p:cNvPicPr>
+            <a:picLocks noChangeAspect="1"/>
+          </p:cNvPicPr>
+          <p:nvPr/>
+        </p:nvPicPr>
+        <p:blipFill>
+          <a:blip r:embed="rId4">
+            <a:extLst>
+              <a:ext uri="{28A0092B-C50C-407E-A947-70E740481C1C}">
+                <a14:useLocalDpi xmlns:a14="http://schemas.microsoft.com/office/drawing/2010/main" val="0"/>
+              </a:ext>
+            </a:extLst>
+          </a:blip>
+          <a:stretch>
+            <a:fillRect/>
+          </a:stretch>
+        </p:blipFill>
+        <p:spPr>
+          <a:xfrm>
+            <a:off x="4735391" y="3320468"/>
+            <a:ext cx="2357957" cy="2150989"/>
+          </a:xfrm>
+          <a:prstGeom prst="rect">
+            <a:avLst/>
+          </a:prstGeom>
+          <a:effectLst>
+            <a:outerShdw blurRad="50800" dist="50800" dir="5400000" algn="ctr" rotWithShape="0">
+              <a:srgbClr val="000000"/>
+            </a:outerShdw>
+          </a:effectLst>
+        </p:spPr>
+      </p:pic>
+      <p:sp>
+        <p:nvSpPr>
+          <p:cNvPr id="7" name="Left-Right Arrow 6"/>
+          <p:cNvSpPr/>
+          <p:nvPr/>
+        </p:nvSpPr>
+        <p:spPr>
+          <a:xfrm>
+            <a:off x="3355675" y="4270075"/>
+            <a:ext cx="1181819" cy="125887"/>
+          </a:xfrm>
+          <a:prstGeom prst="leftRightArrow">
+            <a:avLst/>
+          </a:prstGeom>
+        </p:spPr>
+        <p:style>
+          <a:lnRef idx="2">
+            <a:schemeClr val="accent1">
+              <a:shade val="50000"/>
+            </a:schemeClr>
+          </a:lnRef>
+          <a:fillRef idx="1">
+            <a:schemeClr val="accent1"/>
+          </a:fillRef>
+          <a:effectRef idx="0">
+            <a:schemeClr val="accent1"/>
+          </a:effectRef>
+          <a:fontRef idx="minor">
+            <a:schemeClr val="lt1"/>
+          </a:fontRef>
+        </p:style>
+        <p:txBody>
+          <a:bodyPr rtlCol="0" anchor="ctr"/>
+          <a:lstStyle/>
+          <a:p>
+            <a:pPr algn="ctr"/>
+            <a:endParaRPr lang="sr-Latn-BA"/>
+          </a:p>
+        </p:txBody>
+      </p:sp>
+      <p:sp>
+        <p:nvSpPr>
+          <p:cNvPr id="8" name="Left-Right Arrow 7"/>
+          <p:cNvSpPr/>
+          <p:nvPr/>
+        </p:nvSpPr>
+        <p:spPr>
+          <a:xfrm>
+            <a:off x="7534503" y="4270074"/>
+            <a:ext cx="1181819" cy="125887"/>
+          </a:xfrm>
+          <a:prstGeom prst="leftRightArrow">
+            <a:avLst/>
+          </a:prstGeom>
+        </p:spPr>
+        <p:style>
+          <a:lnRef idx="2">
+            <a:schemeClr val="accent1">
+              <a:shade val="50000"/>
+            </a:schemeClr>
+          </a:lnRef>
+          <a:fillRef idx="1">
+            <a:schemeClr val="accent1"/>
+          </a:fillRef>
+          <a:effectRef idx="0">
+            <a:schemeClr val="accent1"/>
+          </a:effectRef>
+          <a:fontRef idx="minor">
+            <a:schemeClr val="lt1"/>
+          </a:fontRef>
+        </p:style>
+        <p:txBody>
+          <a:bodyPr rtlCol="0" anchor="ctr"/>
+          <a:lstStyle/>
+          <a:p>
+            <a:pPr algn="ctr"/>
+            <a:endParaRPr lang="sr-Latn-BA"/>
           </a:p>
         </p:txBody>
       </p:sp>
@@ -10838,7 +12806,7 @@
       </p:sp>
       <p:graphicFrame>
         <p:nvGraphicFramePr>
-          <p:cNvPr id="4" name="Content Placeholder 3"/>
+          <p:cNvPr id="9" name="Content Placeholder 8"/>
           <p:cNvGraphicFramePr>
             <a:graphicFrameLocks noGrp="1"/>
           </p:cNvGraphicFramePr>
@@ -10846,14 +12814,14 @@
             <p:ph idx="1"/>
             <p:extLst>
               <p:ext uri="{D42A27DB-BD31-4B8C-83A1-F6EECF244321}">
-                <p14:modId xmlns:p14="http://schemas.microsoft.com/office/powerpoint/2010/main" val="3825612532"/>
+                <p14:modId xmlns:p14="http://schemas.microsoft.com/office/powerpoint/2010/main" val="4137812963"/>
               </p:ext>
             </p:extLst>
           </p:nvPr>
         </p:nvGraphicFramePr>
         <p:xfrm>
-          <a:off x="2589213" y="2133600"/>
-          <a:ext cx="8915400" cy="3778250"/>
+          <a:off x="2198689" y="1905000"/>
+          <a:ext cx="7383461" cy="3778250"/>
         </p:xfrm>
         <a:graphic>
           <a:graphicData uri="http://schemas.openxmlformats.org/drawingml/2006/diagram">
@@ -10864,7 +12832,7 @@
     </p:spTree>
     <p:extLst>
       <p:ext uri="{BB962C8B-B14F-4D97-AF65-F5344CB8AC3E}">
-        <p14:creationId xmlns:p14="http://schemas.microsoft.com/office/powerpoint/2010/main" val="344694453"/>
+        <p14:creationId xmlns:p14="http://schemas.microsoft.com/office/powerpoint/2010/main" val="2563857689"/>
       </p:ext>
     </p:extLst>
   </p:cSld>
@@ -10915,7 +12883,7 @@
           <a:p>
             <a:r>
               <a:rPr lang="sr-Latn-BA" dirty="0" smtClean="0"/>
-              <a:t>Funkcionalnosti sistema</a:t>
+              <a:t>Administrator</a:t>
             </a:r>
             <a:endParaRPr lang="sr-Latn-BA" dirty="0"/>
           </a:p>
@@ -10936,21 +12904,47 @@
           <a:bodyPr/>
           <a:lstStyle/>
           <a:p>
+            <a:pPr>
+              <a:lnSpc>
+                <a:spcPct val="200000"/>
+              </a:lnSpc>
+            </a:pPr>
             <a:r>
               <a:rPr lang="sr-Latn-BA" dirty="0" smtClean="0"/>
-              <a:t>Administrator: kreiranje, brisanje, ažuriranje</a:t>
-            </a:r>
-          </a:p>
-          <a:p>
+              <a:t>Nadgleda i održava sistem</a:t>
+            </a:r>
+          </a:p>
+          <a:p>
+            <a:pPr>
+              <a:lnSpc>
+                <a:spcPct val="200000"/>
+              </a:lnSpc>
+            </a:pPr>
             <a:r>
               <a:rPr lang="sr-Latn-BA" dirty="0" smtClean="0"/>
-              <a:t>Radnik: rezervacije, dopuna kredita</a:t>
-            </a:r>
-          </a:p>
-          <a:p>
+              <a:t>Upravlja događajima, repertoarima i korisničkim nalozima</a:t>
+            </a:r>
+          </a:p>
+          <a:p>
+            <a:pPr>
+              <a:lnSpc>
+                <a:spcPct val="200000"/>
+              </a:lnSpc>
+            </a:pPr>
             <a:r>
               <a:rPr lang="sr-Latn-BA" dirty="0" smtClean="0"/>
-              <a:t>Korisnik: rezervisanje</a:t>
+              <a:t>Kreira i ažurira sale za događaje</a:t>
+            </a:r>
+          </a:p>
+          <a:p>
+            <a:pPr>
+              <a:lnSpc>
+                <a:spcPct val="200000"/>
+              </a:lnSpc>
+            </a:pPr>
+            <a:r>
+              <a:rPr lang="sr-Latn-BA" dirty="0" smtClean="0"/>
+              <a:t>Određuje vrijednost kredita</a:t>
             </a:r>
             <a:endParaRPr lang="sr-Latn-BA" dirty="0"/>
           </a:p>
@@ -10959,7 +12953,262 @@
     </p:spTree>
     <p:extLst>
       <p:ext uri="{BB962C8B-B14F-4D97-AF65-F5344CB8AC3E}">
-        <p14:creationId xmlns:p14="http://schemas.microsoft.com/office/powerpoint/2010/main" val="3088218273"/>
+        <p14:creationId xmlns:p14="http://schemas.microsoft.com/office/powerpoint/2010/main" val="880231169"/>
+      </p:ext>
+    </p:extLst>
+  </p:cSld>
+  <p:clrMapOvr>
+    <a:masterClrMapping/>
+  </p:clrMapOvr>
+  <p:timing>
+    <p:tnLst>
+      <p:par>
+        <p:cTn id="1" dur="indefinite" restart="never" nodeType="tmRoot"/>
+      </p:par>
+    </p:tnLst>
+  </p:timing>
+</p:sld>
+</file>
+
+<file path=ppt/slides/slide8.xml><?xml version="1.0" encoding="utf-8"?>
+<p:sld xmlns:a="http://schemas.openxmlformats.org/drawingml/2006/main" xmlns:r="http://schemas.openxmlformats.org/officeDocument/2006/relationships" xmlns:p="http://schemas.openxmlformats.org/presentationml/2006/main">
+  <p:cSld>
+    <p:spTree>
+      <p:nvGrpSpPr>
+        <p:cNvPr id="1" name=""/>
+        <p:cNvGrpSpPr/>
+        <p:nvPr/>
+      </p:nvGrpSpPr>
+      <p:grpSpPr>
+        <a:xfrm>
+          <a:off x="0" y="0"/>
+          <a:ext cx="0" cy="0"/>
+          <a:chOff x="0" y="0"/>
+          <a:chExt cx="0" cy="0"/>
+        </a:xfrm>
+      </p:grpSpPr>
+      <p:sp>
+        <p:nvSpPr>
+          <p:cNvPr id="2" name="Title 1"/>
+          <p:cNvSpPr>
+            <a:spLocks noGrp="1"/>
+          </p:cNvSpPr>
+          <p:nvPr>
+            <p:ph type="title"/>
+          </p:nvPr>
+        </p:nvSpPr>
+        <p:spPr/>
+        <p:txBody>
+          <a:bodyPr/>
+          <a:lstStyle/>
+          <a:p>
+            <a:r>
+              <a:rPr lang="sr-Latn-BA" dirty="0" smtClean="0"/>
+              <a:t>Radnik</a:t>
+            </a:r>
+            <a:endParaRPr lang="sr-Latn-BA" dirty="0"/>
+          </a:p>
+        </p:txBody>
+      </p:sp>
+      <p:sp>
+        <p:nvSpPr>
+          <p:cNvPr id="3" name="Content Placeholder 2"/>
+          <p:cNvSpPr>
+            <a:spLocks noGrp="1"/>
+          </p:cNvSpPr>
+          <p:nvPr>
+            <p:ph idx="1"/>
+          </p:nvPr>
+        </p:nvSpPr>
+        <p:spPr/>
+        <p:txBody>
+          <a:bodyPr/>
+          <a:lstStyle/>
+          <a:p>
+            <a:pPr>
+              <a:lnSpc>
+                <a:spcPct val="200000"/>
+              </a:lnSpc>
+            </a:pPr>
+            <a:r>
+              <a:rPr lang="sr-Latn-BA" dirty="0" smtClean="0"/>
+              <a:t>Obrada zahtjeva za rezervaciju (privilegovani, neprivilegovani korisnici)</a:t>
+            </a:r>
+          </a:p>
+          <a:p>
+            <a:pPr>
+              <a:lnSpc>
+                <a:spcPct val="200000"/>
+              </a:lnSpc>
+            </a:pPr>
+            <a:r>
+              <a:rPr lang="sr-Latn-BA" dirty="0" smtClean="0"/>
+              <a:t>Dopuna kredita</a:t>
+            </a:r>
+          </a:p>
+          <a:p>
+            <a:pPr>
+              <a:lnSpc>
+                <a:spcPct val="200000"/>
+              </a:lnSpc>
+            </a:pPr>
+            <a:r>
+              <a:rPr lang="sr-Latn-BA" dirty="0" smtClean="0"/>
+              <a:t>Identifikacija korisnika</a:t>
+            </a:r>
+            <a:endParaRPr lang="sr-Latn-BA" dirty="0"/>
+          </a:p>
+          <a:p>
+            <a:pPr>
+              <a:lnSpc>
+                <a:spcPct val="200000"/>
+              </a:lnSpc>
+            </a:pPr>
+            <a:r>
+              <a:rPr lang="sr-Latn-BA" dirty="0" smtClean="0"/>
+              <a:t>Izmjena rezervacija</a:t>
+            </a:r>
+          </a:p>
+        </p:txBody>
+      </p:sp>
+    </p:spTree>
+    <p:extLst>
+      <p:ext uri="{BB962C8B-B14F-4D97-AF65-F5344CB8AC3E}">
+        <p14:creationId xmlns:p14="http://schemas.microsoft.com/office/powerpoint/2010/main" val="624015474"/>
+      </p:ext>
+    </p:extLst>
+  </p:cSld>
+  <p:clrMapOvr>
+    <a:masterClrMapping/>
+  </p:clrMapOvr>
+  <p:timing>
+    <p:tnLst>
+      <p:par>
+        <p:cTn id="1" dur="indefinite" restart="never" nodeType="tmRoot"/>
+      </p:par>
+    </p:tnLst>
+  </p:timing>
+</p:sld>
+</file>
+
+<file path=ppt/slides/slide9.xml><?xml version="1.0" encoding="utf-8"?>
+<p:sld xmlns:a="http://schemas.openxmlformats.org/drawingml/2006/main" xmlns:r="http://schemas.openxmlformats.org/officeDocument/2006/relationships" xmlns:p="http://schemas.openxmlformats.org/presentationml/2006/main">
+  <p:cSld>
+    <p:spTree>
+      <p:nvGrpSpPr>
+        <p:cNvPr id="1" name=""/>
+        <p:cNvGrpSpPr/>
+        <p:nvPr/>
+      </p:nvGrpSpPr>
+      <p:grpSpPr>
+        <a:xfrm>
+          <a:off x="0" y="0"/>
+          <a:ext cx="0" cy="0"/>
+          <a:chOff x="0" y="0"/>
+          <a:chExt cx="0" cy="0"/>
+        </a:xfrm>
+      </p:grpSpPr>
+      <p:sp>
+        <p:nvSpPr>
+          <p:cNvPr id="2" name="Title 1"/>
+          <p:cNvSpPr>
+            <a:spLocks noGrp="1"/>
+          </p:cNvSpPr>
+          <p:nvPr>
+            <p:ph type="title"/>
+          </p:nvPr>
+        </p:nvSpPr>
+        <p:spPr/>
+        <p:txBody>
+          <a:bodyPr/>
+          <a:lstStyle/>
+          <a:p>
+            <a:r>
+              <a:rPr lang="sr-Latn-BA" dirty="0" smtClean="0"/>
+              <a:t>Registrovani korisnik</a:t>
+            </a:r>
+            <a:endParaRPr lang="sr-Latn-BA" dirty="0"/>
+          </a:p>
+        </p:txBody>
+      </p:sp>
+      <p:sp>
+        <p:nvSpPr>
+          <p:cNvPr id="3" name="Content Placeholder 2"/>
+          <p:cNvSpPr>
+            <a:spLocks noGrp="1"/>
+          </p:cNvSpPr>
+          <p:nvPr>
+            <p:ph idx="1"/>
+          </p:nvPr>
+        </p:nvSpPr>
+        <p:spPr/>
+        <p:txBody>
+          <a:bodyPr/>
+          <a:lstStyle/>
+          <a:p>
+            <a:pPr>
+              <a:lnSpc>
+                <a:spcPct val="200000"/>
+              </a:lnSpc>
+            </a:pPr>
+            <a:r>
+              <a:rPr lang="sr-Latn-BA" dirty="0" smtClean="0"/>
+              <a:t>Rezervacija ulaznice (sa mogućnošću otkazivanja)</a:t>
+            </a:r>
+          </a:p>
+          <a:p>
+            <a:pPr>
+              <a:lnSpc>
+                <a:spcPct val="200000"/>
+              </a:lnSpc>
+            </a:pPr>
+            <a:r>
+              <a:rPr lang="sr-Latn-BA" dirty="0" smtClean="0"/>
+              <a:t>Biranje mjesta u sali</a:t>
+            </a:r>
+          </a:p>
+          <a:p>
+            <a:pPr>
+              <a:lnSpc>
+                <a:spcPct val="200000"/>
+              </a:lnSpc>
+            </a:pPr>
+            <a:r>
+              <a:rPr lang="sr-Latn-BA" dirty="0" smtClean="0"/>
+              <a:t>Kupovina ulaznica putem kredita</a:t>
+            </a:r>
+          </a:p>
+          <a:p>
+            <a:pPr>
+              <a:lnSpc>
+                <a:spcPct val="200000"/>
+              </a:lnSpc>
+            </a:pPr>
+            <a:r>
+              <a:rPr lang="sr-Latn-BA" dirty="0" smtClean="0"/>
+              <a:t>Pregled repertoara</a:t>
+            </a:r>
+          </a:p>
+          <a:p>
+            <a:pPr>
+              <a:lnSpc>
+                <a:spcPct val="200000"/>
+              </a:lnSpc>
+            </a:pPr>
+            <a:r>
+              <a:rPr lang="sr-Latn-BA" dirty="0" smtClean="0"/>
+              <a:t>Ažuriranje sopstvenog naloga</a:t>
+            </a:r>
+          </a:p>
+          <a:p>
+            <a:endParaRPr lang="sr-Latn-BA" dirty="0"/>
+          </a:p>
+        </p:txBody>
+      </p:sp>
+    </p:spTree>
+    <p:extLst>
+      <p:ext uri="{BB962C8B-B14F-4D97-AF65-F5344CB8AC3E}">
+        <p14:creationId xmlns:p14="http://schemas.microsoft.com/office/powerpoint/2010/main" val="2314260636"/>
       </p:ext>
     </p:extLst>
   </p:cSld>
